--- a/UTS/UTS_Testing Dan QA Perangkat Lunak_Whitebox Testing, Unit Test dan CICD_Yordan Marcelino Marcus_201011401468.pptx
+++ b/UTS/UTS_Testing Dan QA Perangkat Lunak_Whitebox Testing, Unit Test dan CICD_Yordan Marcelino Marcus_201011401468.pptx
@@ -2,7 +2,7 @@
 <file path=ppt/presentation.xml><?xml version="1.0" encoding="utf-8"?>
 <p:presentation xmlns:a="http://schemas.openxmlformats.org/drawingml/2006/main" xmlns:r="http://schemas.openxmlformats.org/officeDocument/2006/relationships" xmlns:p="http://schemas.openxmlformats.org/presentationml/2006/main" saveSubsetFonts="1">
   <p:sldMasterIdLst>
-    <p:sldMasterId id="2147483686" r:id="rId1"/>
+    <p:sldMasterId id="2147483687" r:id="rId1"/>
   </p:sldMasterIdLst>
   <p:sldIdLst>
     <p:sldId id="256" r:id="rId2"/>
@@ -20,7 +20,7 @@
     <a:defPPr>
       <a:defRPr lang="en-US"/>
     </a:defPPr>
-    <a:lvl1pPr marL="0" algn="l" defTabSz="914400" rtl="0" eaLnBrk="1" latinLnBrk="0" hangingPunct="1">
+    <a:lvl1pPr marL="0" algn="l" defTabSz="457200" rtl="0" eaLnBrk="1" latinLnBrk="0" hangingPunct="1">
       <a:defRPr sz="1800" kern="1200">
         <a:solidFill>
           <a:schemeClr val="tx1"/>
@@ -30,7 +30,7 @@
         <a:cs typeface="+mn-cs"/>
       </a:defRPr>
     </a:lvl1pPr>
-    <a:lvl2pPr marL="457200" algn="l" defTabSz="914400" rtl="0" eaLnBrk="1" latinLnBrk="0" hangingPunct="1">
+    <a:lvl2pPr marL="457200" algn="l" defTabSz="457200" rtl="0" eaLnBrk="1" latinLnBrk="0" hangingPunct="1">
       <a:defRPr sz="1800" kern="1200">
         <a:solidFill>
           <a:schemeClr val="tx1"/>
@@ -40,7 +40,7 @@
         <a:cs typeface="+mn-cs"/>
       </a:defRPr>
     </a:lvl2pPr>
-    <a:lvl3pPr marL="914400" algn="l" defTabSz="914400" rtl="0" eaLnBrk="1" latinLnBrk="0" hangingPunct="1">
+    <a:lvl3pPr marL="914400" algn="l" defTabSz="457200" rtl="0" eaLnBrk="1" latinLnBrk="0" hangingPunct="1">
       <a:defRPr sz="1800" kern="1200">
         <a:solidFill>
           <a:schemeClr val="tx1"/>
@@ -50,7 +50,7 @@
         <a:cs typeface="+mn-cs"/>
       </a:defRPr>
     </a:lvl3pPr>
-    <a:lvl4pPr marL="1371600" algn="l" defTabSz="914400" rtl="0" eaLnBrk="1" latinLnBrk="0" hangingPunct="1">
+    <a:lvl4pPr marL="1371600" algn="l" defTabSz="457200" rtl="0" eaLnBrk="1" latinLnBrk="0" hangingPunct="1">
       <a:defRPr sz="1800" kern="1200">
         <a:solidFill>
           <a:schemeClr val="tx1"/>
@@ -60,7 +60,7 @@
         <a:cs typeface="+mn-cs"/>
       </a:defRPr>
     </a:lvl4pPr>
-    <a:lvl5pPr marL="1828800" algn="l" defTabSz="914400" rtl="0" eaLnBrk="1" latinLnBrk="0" hangingPunct="1">
+    <a:lvl5pPr marL="1828800" algn="l" defTabSz="457200" rtl="0" eaLnBrk="1" latinLnBrk="0" hangingPunct="1">
       <a:defRPr sz="1800" kern="1200">
         <a:solidFill>
           <a:schemeClr val="tx1"/>
@@ -70,7 +70,7 @@
         <a:cs typeface="+mn-cs"/>
       </a:defRPr>
     </a:lvl5pPr>
-    <a:lvl6pPr marL="2286000" algn="l" defTabSz="914400" rtl="0" eaLnBrk="1" latinLnBrk="0" hangingPunct="1">
+    <a:lvl6pPr marL="2286000" algn="l" defTabSz="457200" rtl="0" eaLnBrk="1" latinLnBrk="0" hangingPunct="1">
       <a:defRPr sz="1800" kern="1200">
         <a:solidFill>
           <a:schemeClr val="tx1"/>
@@ -80,7 +80,7 @@
         <a:cs typeface="+mn-cs"/>
       </a:defRPr>
     </a:lvl6pPr>
-    <a:lvl7pPr marL="2743200" algn="l" defTabSz="914400" rtl="0" eaLnBrk="1" latinLnBrk="0" hangingPunct="1">
+    <a:lvl7pPr marL="2743200" algn="l" defTabSz="457200" rtl="0" eaLnBrk="1" latinLnBrk="0" hangingPunct="1">
       <a:defRPr sz="1800" kern="1200">
         <a:solidFill>
           <a:schemeClr val="tx1"/>
@@ -90,7 +90,7 @@
         <a:cs typeface="+mn-cs"/>
       </a:defRPr>
     </a:lvl7pPr>
-    <a:lvl8pPr marL="3200400" algn="l" defTabSz="914400" rtl="0" eaLnBrk="1" latinLnBrk="0" hangingPunct="1">
+    <a:lvl8pPr marL="3200400" algn="l" defTabSz="457200" rtl="0" eaLnBrk="1" latinLnBrk="0" hangingPunct="1">
       <a:defRPr sz="1800" kern="1200">
         <a:solidFill>
           <a:schemeClr val="tx1"/>
@@ -100,7 +100,7 @@
         <a:cs typeface="+mn-cs"/>
       </a:defRPr>
     </a:lvl8pPr>
-    <a:lvl9pPr marL="3657600" algn="l" defTabSz="914400" rtl="0" eaLnBrk="1" latinLnBrk="0" hangingPunct="1">
+    <a:lvl9pPr marL="3657600" algn="l" defTabSz="457200" rtl="0" eaLnBrk="1" latinLnBrk="0" hangingPunct="1">
       <a:defRPr sz="1800" kern="1200">
         <a:solidFill>
           <a:schemeClr val="tx1"/>
@@ -146,231 +146,70 @@
       </p:grpSpPr>
       <p:sp>
         <p:nvSpPr>
-          <p:cNvPr id="49" name="Rectangle 48">
-            <a:extLst>
-              <a:ext uri="{FF2B5EF4-FFF2-40B4-BE49-F238E27FC236}">
-                <a16:creationId xmlns:a16="http://schemas.microsoft.com/office/drawing/2014/main" id="{1D227D51-204B-ED48-AF9A-0BE9633FE04A}"/>
-              </a:ext>
-            </a:extLst>
-          </p:cNvPr>
-          <p:cNvSpPr/>
-          <p:nvPr/>
+          <p:cNvPr id="2" name="Title 1"/>
+          <p:cNvSpPr>
+            <a:spLocks noGrp="1"/>
+          </p:cNvSpPr>
+          <p:nvPr>
+            <p:ph type="ctrTitle"/>
+          </p:nvPr>
         </p:nvSpPr>
         <p:spPr>
           <a:xfrm>
-            <a:off x="5224243" y="1096772"/>
-            <a:ext cx="6503180" cy="5761228"/>
+            <a:off x="2417779" y="802298"/>
+            <a:ext cx="8637073" cy="2541431"/>
           </a:xfrm>
-          <a:prstGeom prst="rect">
-            <a:avLst/>
-          </a:prstGeom>
-          <a:solidFill>
-            <a:schemeClr val="bg2"/>
-          </a:solidFill>
-          <a:ln>
-            <a:noFill/>
-          </a:ln>
         </p:spPr>
-        <p:style>
-          <a:lnRef idx="2">
-            <a:schemeClr val="accent1">
-              <a:shade val="50000"/>
-            </a:schemeClr>
-          </a:lnRef>
-          <a:fillRef idx="1">
-            <a:schemeClr val="accent1"/>
-          </a:fillRef>
-          <a:effectRef idx="0">
-            <a:schemeClr val="accent1"/>
-          </a:effectRef>
-          <a:fontRef idx="minor">
-            <a:schemeClr val="lt1"/>
-          </a:fontRef>
-        </p:style>
-        <p:txBody>
-          <a:bodyPr rtlCol="0" anchor="ctr"/>
-          <a:lstStyle/>
-          <a:p>
-            <a:pPr algn="ctr"/>
-            <a:endParaRPr lang="en-US"/>
-          </a:p>
-        </p:txBody>
-      </p:sp>
-      <p:sp>
-        <p:nvSpPr>
-          <p:cNvPr id="50" name="Cross 49">
-            <a:extLst>
-              <a:ext uri="{FF2B5EF4-FFF2-40B4-BE49-F238E27FC236}">
-                <a16:creationId xmlns:a16="http://schemas.microsoft.com/office/drawing/2014/main" id="{57A23F45-CDAE-8A40-8DE7-92A0BBC119B7}"/>
-              </a:ext>
-            </a:extLst>
-          </p:cNvPr>
-          <p:cNvSpPr/>
-          <p:nvPr/>
+        <p:txBody>
+          <a:bodyPr bIns="0" anchor="b">
+            <a:normAutofit/>
+          </a:bodyPr>
+          <a:lstStyle>
+            <a:lvl1pPr algn="l">
+              <a:defRPr sz="6600"/>
+            </a:lvl1pPr>
+          </a:lstStyle>
+          <a:p>
+            <a:r>
+              <a:rPr lang="en-US"/>
+              <a:t>Click to edit Master title style</a:t>
+            </a:r>
+            <a:endParaRPr lang="en-US" dirty="0"/>
+          </a:p>
+        </p:txBody>
+      </p:sp>
+      <p:sp>
+        <p:nvSpPr>
+          <p:cNvPr id="3" name="Subtitle 2"/>
+          <p:cNvSpPr>
+            <a:spLocks noGrp="1"/>
+          </p:cNvSpPr>
+          <p:nvPr>
+            <p:ph type="subTitle" idx="1"/>
+          </p:nvPr>
         </p:nvSpPr>
         <p:spPr>
           <a:xfrm>
-            <a:off x="5016811" y="5624450"/>
-            <a:ext cx="524933" cy="524933"/>
-          </a:xfrm>
-          <a:prstGeom prst="plus">
-            <a:avLst>
-              <a:gd name="adj" fmla="val 39516"/>
-            </a:avLst>
-          </a:prstGeom>
-          <a:solidFill>
-            <a:schemeClr val="tx1"/>
-          </a:solidFill>
-          <a:ln>
-            <a:noFill/>
-          </a:ln>
-        </p:spPr>
-        <p:style>
-          <a:lnRef idx="2">
-            <a:schemeClr val="accent1">
-              <a:shade val="50000"/>
-            </a:schemeClr>
-          </a:lnRef>
-          <a:fillRef idx="1">
-            <a:schemeClr val="accent1"/>
-          </a:fillRef>
-          <a:effectRef idx="0">
-            <a:schemeClr val="accent1"/>
-          </a:effectRef>
-          <a:fontRef idx="minor">
-            <a:schemeClr val="lt1"/>
-          </a:fontRef>
-        </p:style>
-        <p:txBody>
-          <a:bodyPr rtlCol="0" anchor="ctr"/>
-          <a:lstStyle/>
-          <a:p>
-            <a:pPr algn="ctr"/>
-            <a:endParaRPr lang="en-US"/>
-          </a:p>
-        </p:txBody>
-      </p:sp>
-      <p:sp>
-        <p:nvSpPr>
-          <p:cNvPr id="51" name="Rectangle 50">
-            <a:extLst>
-              <a:ext uri="{FF2B5EF4-FFF2-40B4-BE49-F238E27FC236}">
-                <a16:creationId xmlns:a16="http://schemas.microsoft.com/office/drawing/2014/main" id="{68546383-CCC4-544B-B0D8-DE78DE39BB78}"/>
-              </a:ext>
-            </a:extLst>
-          </p:cNvPr>
-          <p:cNvSpPr/>
-          <p:nvPr/>
-        </p:nvSpPr>
-        <p:spPr>
-          <a:xfrm>
-            <a:off x="9881559" y="976630"/>
-            <a:ext cx="1336774" cy="120142"/>
-          </a:xfrm>
-          <a:prstGeom prst="rect">
-            <a:avLst/>
-          </a:prstGeom>
-          <a:solidFill>
-            <a:schemeClr val="tx1"/>
-          </a:solidFill>
-          <a:ln>
-            <a:noFill/>
-          </a:ln>
-        </p:spPr>
-        <p:style>
-          <a:lnRef idx="2">
-            <a:schemeClr val="accent1">
-              <a:shade val="50000"/>
-            </a:schemeClr>
-          </a:lnRef>
-          <a:fillRef idx="1">
-            <a:schemeClr val="accent1"/>
-          </a:fillRef>
-          <a:effectRef idx="0">
-            <a:schemeClr val="accent1"/>
-          </a:effectRef>
-          <a:fontRef idx="minor">
-            <a:schemeClr val="lt1"/>
-          </a:fontRef>
-        </p:style>
-        <p:txBody>
-          <a:bodyPr rtlCol="0" anchor="ctr"/>
-          <a:lstStyle/>
-          <a:p>
-            <a:pPr algn="ctr"/>
-            <a:endParaRPr lang="en-US"/>
-          </a:p>
-        </p:txBody>
-      </p:sp>
-      <p:sp>
-        <p:nvSpPr>
-          <p:cNvPr id="2" name="Title 1">
-            <a:extLst>
-              <a:ext uri="{FF2B5EF4-FFF2-40B4-BE49-F238E27FC236}">
-                <a16:creationId xmlns:a16="http://schemas.microsoft.com/office/drawing/2014/main" id="{BA5D1728-714F-2942-A0D1-82FF9419B496}"/>
-              </a:ext>
-            </a:extLst>
-          </p:cNvPr>
-          <p:cNvSpPr>
-            <a:spLocks noGrp="1"/>
-          </p:cNvSpPr>
-          <p:nvPr>
-            <p:ph type="ctrTitle"/>
-          </p:nvPr>
-        </p:nvSpPr>
-        <p:spPr>
-          <a:xfrm>
-            <a:off x="797106" y="1625608"/>
-            <a:ext cx="8035342" cy="2722164"/>
+            <a:off x="2417780" y="3531204"/>
+            <a:ext cx="8637072" cy="977621"/>
           </a:xfrm>
         </p:spPr>
         <p:txBody>
-          <a:bodyPr anchor="b"/>
-          <a:lstStyle>
-            <a:lvl1pPr algn="l">
-              <a:defRPr sz="8000" spc="-150"/>
-            </a:lvl1pPr>
-          </a:lstStyle>
-          <a:p>
-            <a:r>
-              <a:rPr lang="en-US"/>
-              <a:t>Click to edit Master title style</a:t>
-            </a:r>
-          </a:p>
-        </p:txBody>
-      </p:sp>
-      <p:sp>
-        <p:nvSpPr>
-          <p:cNvPr id="3" name="Subtitle 2">
-            <a:extLst>
-              <a:ext uri="{FF2B5EF4-FFF2-40B4-BE49-F238E27FC236}">
-                <a16:creationId xmlns:a16="http://schemas.microsoft.com/office/drawing/2014/main" id="{5BD072D4-1496-3347-BBF8-5879DF263BBD}"/>
-              </a:ext>
-            </a:extLst>
-          </p:cNvPr>
-          <p:cNvSpPr>
-            <a:spLocks noGrp="1"/>
-          </p:cNvSpPr>
-          <p:nvPr>
-            <p:ph type="subTitle" idx="1"/>
-          </p:nvPr>
-        </p:nvSpPr>
-        <p:spPr>
-          <a:xfrm>
-            <a:off x="797106" y="4466845"/>
-            <a:ext cx="8035342" cy="882904"/>
-          </a:xfrm>
-        </p:spPr>
-        <p:txBody>
-          <a:bodyPr/>
+          <a:bodyPr tIns="91440" bIns="91440">
+            <a:normAutofit/>
+          </a:bodyPr>
           <a:lstStyle>
             <a:lvl1pPr marL="0" indent="0" algn="l">
               <a:buNone/>
-              <a:defRPr sz="2400"/>
+              <a:defRPr sz="1800" b="0" cap="all" baseline="0">
+                <a:solidFill>
+                  <a:schemeClr val="tx1"/>
+                </a:solidFill>
+              </a:defRPr>
             </a:lvl1pPr>
             <a:lvl2pPr marL="457200" indent="0" algn="ctr">
               <a:buNone/>
-              <a:defRPr sz="2000"/>
+              <a:defRPr sz="1800"/>
             </a:lvl2pPr>
             <a:lvl3pPr marL="914400" indent="0" algn="ctr">
               <a:buNone/>
@@ -403,21 +242,16 @@
           </a:lstStyle>
           <a:p>
             <a:r>
-              <a:rPr lang="en-US" dirty="0"/>
+              <a:rPr lang="en-US"/>
               <a:t>Click to edit Master subtitle style</a:t>
             </a:r>
-          </a:p>
-        </p:txBody>
-      </p:sp>
-      <p:sp>
-        <p:nvSpPr>
-          <p:cNvPr id="4" name="Date Placeholder 3">
-            <a:extLst>
-              <a:ext uri="{FF2B5EF4-FFF2-40B4-BE49-F238E27FC236}">
-                <a16:creationId xmlns:a16="http://schemas.microsoft.com/office/drawing/2014/main" id="{EBEFC724-B499-364B-AEB5-B6517F6AD52B}"/>
-              </a:ext>
-            </a:extLst>
-          </p:cNvPr>
+            <a:endParaRPr lang="en-US" dirty="0"/>
+          </a:p>
+        </p:txBody>
+      </p:sp>
+      <p:sp>
+        <p:nvSpPr>
+          <p:cNvPr id="4" name="Date Placeholder 3"/>
           <p:cNvSpPr>
             <a:spLocks noGrp="1"/>
           </p:cNvSpPr>
@@ -425,24 +259,15 @@
             <p:ph type="dt" sz="half" idx="10"/>
           </p:nvPr>
         </p:nvSpPr>
-        <p:spPr>
-          <a:xfrm>
-            <a:off x="797105" y="5708747"/>
-            <a:ext cx="3882843" cy="365125"/>
-          </a:xfrm>
-        </p:spPr>
+        <p:spPr/>
         <p:txBody>
           <a:bodyPr/>
-          <a:lstStyle>
-            <a:lvl1pPr>
-              <a:defRPr sz="1400"/>
-            </a:lvl1pPr>
-          </a:lstStyle>
+          <a:lstStyle/>
           <a:p>
             <a:fld id="{73C3BD54-29B9-3D42-B178-776ED395AA85}" type="datetimeFigureOut">
               <a:rPr lang="en-US" smtClean="0"/>
               <a:pPr/>
-              <a:t>10/31/2023</a:t>
+              <a:t>11/4/2023</a:t>
             </a:fld>
             <a:endParaRPr lang="en-US" sz="1400"/>
           </a:p>
@@ -450,13 +275,7 @@
       </p:sp>
       <p:sp>
         <p:nvSpPr>
-          <p:cNvPr id="5" name="Footer Placeholder 4">
-            <a:extLst>
-              <a:ext uri="{FF2B5EF4-FFF2-40B4-BE49-F238E27FC236}">
-                <a16:creationId xmlns:a16="http://schemas.microsoft.com/office/drawing/2014/main" id="{8033889C-A4E9-B24E-818F-46A1124C5D26}"/>
-              </a:ext>
-            </a:extLst>
-          </p:cNvPr>
+          <p:cNvPr id="5" name="Footer Placeholder 4"/>
           <p:cNvSpPr>
             <a:spLocks noGrp="1"/>
           </p:cNvSpPr>
@@ -464,7 +283,12 @@
             <p:ph type="ftr" sz="quarter" idx="11"/>
           </p:nvPr>
         </p:nvSpPr>
-        <p:spPr/>
+        <p:spPr>
+          <a:xfrm>
+            <a:off x="2416500" y="329307"/>
+            <a:ext cx="4973915" cy="309201"/>
+          </a:xfrm>
+        </p:spPr>
         <p:txBody>
           <a:bodyPr/>
           <a:lstStyle/>
@@ -475,13 +299,7 @@
       </p:sp>
       <p:sp>
         <p:nvSpPr>
-          <p:cNvPr id="6" name="Slide Number Placeholder 5">
-            <a:extLst>
-              <a:ext uri="{FF2B5EF4-FFF2-40B4-BE49-F238E27FC236}">
-                <a16:creationId xmlns:a16="http://schemas.microsoft.com/office/drawing/2014/main" id="{DA40F50F-250E-6D45-AEBC-2573FED0C310}"/>
-              </a:ext>
-            </a:extLst>
-          </p:cNvPr>
+          <p:cNvPr id="6" name="Slide Number Placeholder 5"/>
           <p:cNvSpPr>
             <a:spLocks noGrp="1"/>
           </p:cNvSpPr>
@@ -489,7 +307,12 @@
             <p:ph type="sldNum" sz="quarter" idx="12"/>
           </p:nvPr>
         </p:nvSpPr>
-        <p:spPr/>
+        <p:spPr>
+          <a:xfrm>
+            <a:off x="1437664" y="798973"/>
+            <a:ext cx="811019" cy="503578"/>
+          </a:xfrm>
+        </p:spPr>
         <p:txBody>
           <a:bodyPr/>
           <a:lstStyle/>
@@ -502,10 +325,41 @@
           </a:p>
         </p:txBody>
       </p:sp>
+      <p:cxnSp>
+        <p:nvCxnSpPr>
+          <p:cNvPr id="15" name="Straight Connector 14"/>
+          <p:cNvCxnSpPr/>
+          <p:nvPr/>
+        </p:nvCxnSpPr>
+        <p:spPr>
+          <a:xfrm>
+            <a:off x="2417780" y="3528542"/>
+            <a:ext cx="8637072" cy="0"/>
+          </a:xfrm>
+          <a:prstGeom prst="line">
+            <a:avLst/>
+          </a:prstGeom>
+          <a:ln w="31750"/>
+        </p:spPr>
+        <p:style>
+          <a:lnRef idx="3">
+            <a:schemeClr val="accent1"/>
+          </a:lnRef>
+          <a:fillRef idx="0">
+            <a:schemeClr val="accent1"/>
+          </a:fillRef>
+          <a:effectRef idx="2">
+            <a:schemeClr val="accent1"/>
+          </a:effectRef>
+          <a:fontRef idx="minor">
+            <a:schemeClr val="tx1"/>
+          </a:fontRef>
+        </p:style>
+      </p:cxnSp>
     </p:spTree>
     <p:extLst>
       <p:ext uri="{BB962C8B-B14F-4D97-AF65-F5344CB8AC3E}">
-        <p14:creationId xmlns:p14="http://schemas.microsoft.com/office/powerpoint/2010/main" val="320419770"/>
+        <p14:creationId xmlns:p14="http://schemas.microsoft.com/office/powerpoint/2010/main" val="1776076358"/>
       </p:ext>
     </p:extLst>
   </p:cSld>
@@ -534,65 +388,7 @@
       </p:grpSpPr>
       <p:sp>
         <p:nvSpPr>
-          <p:cNvPr id="50" name="Rectangle 49">
-            <a:extLst>
-              <a:ext uri="{FF2B5EF4-FFF2-40B4-BE49-F238E27FC236}">
-                <a16:creationId xmlns:a16="http://schemas.microsoft.com/office/drawing/2014/main" id="{9F6C0E12-251D-EA44-BF81-4ABDFBB94321}"/>
-              </a:ext>
-            </a:extLst>
-          </p:cNvPr>
-          <p:cNvSpPr/>
-          <p:nvPr/>
-        </p:nvSpPr>
-        <p:spPr>
-          <a:xfrm>
-            <a:off x="7087169" y="1096772"/>
-            <a:ext cx="4652226" cy="5761228"/>
-          </a:xfrm>
-          <a:prstGeom prst="rect">
-            <a:avLst/>
-          </a:prstGeom>
-          <a:solidFill>
-            <a:schemeClr val="bg2"/>
-          </a:solidFill>
-          <a:ln>
-            <a:noFill/>
-          </a:ln>
-        </p:spPr>
-        <p:style>
-          <a:lnRef idx="2">
-            <a:schemeClr val="accent1">
-              <a:shade val="50000"/>
-            </a:schemeClr>
-          </a:lnRef>
-          <a:fillRef idx="1">
-            <a:schemeClr val="accent1"/>
-          </a:fillRef>
-          <a:effectRef idx="0">
-            <a:schemeClr val="accent1"/>
-          </a:effectRef>
-          <a:fontRef idx="minor">
-            <a:schemeClr val="lt1"/>
-          </a:fontRef>
-        </p:style>
-        <p:txBody>
-          <a:bodyPr rtlCol="0" anchor="ctr"/>
-          <a:lstStyle/>
-          <a:p>
-            <a:pPr algn="ctr"/>
-            <a:endParaRPr lang="en-US"/>
-          </a:p>
-        </p:txBody>
-      </p:sp>
-      <p:sp>
-        <p:nvSpPr>
-          <p:cNvPr id="2" name="Title 1">
-            <a:extLst>
-              <a:ext uri="{FF2B5EF4-FFF2-40B4-BE49-F238E27FC236}">
-                <a16:creationId xmlns:a16="http://schemas.microsoft.com/office/drawing/2014/main" id="{AEDC5FF4-095A-114E-87B6-73C7ADFF97CD}"/>
-              </a:ext>
-            </a:extLst>
-          </p:cNvPr>
+          <p:cNvPr id="2" name="Title 1"/>
           <p:cNvSpPr>
             <a:spLocks noGrp="1"/>
           </p:cNvSpPr>
@@ -609,18 +405,13 @@
               <a:rPr lang="en-US"/>
               <a:t>Click to edit Master title style</a:t>
             </a:r>
-          </a:p>
-        </p:txBody>
-      </p:sp>
-      <p:sp>
-        <p:nvSpPr>
-          <p:cNvPr id="3" name="Vertical Text Placeholder 2">
-            <a:extLst>
-              <a:ext uri="{FF2B5EF4-FFF2-40B4-BE49-F238E27FC236}">
-                <a16:creationId xmlns:a16="http://schemas.microsoft.com/office/drawing/2014/main" id="{A11E6EC9-9650-2042-8581-5B4082F94136}"/>
-              </a:ext>
-            </a:extLst>
-          </p:cNvPr>
+            <a:endParaRPr lang="en-US" dirty="0"/>
+          </a:p>
+        </p:txBody>
+      </p:sp>
+      <p:sp>
+        <p:nvSpPr>
+          <p:cNvPr id="3" name="Vertical Text Placeholder 2"/>
           <p:cNvSpPr>
             <a:spLocks noGrp="1"/>
           </p:cNvSpPr>
@@ -666,18 +457,13 @@
               <a:rPr lang="en-US"/>
               <a:t>Fifth level</a:t>
             </a:r>
-          </a:p>
-        </p:txBody>
-      </p:sp>
-      <p:sp>
-        <p:nvSpPr>
-          <p:cNvPr id="4" name="Date Placeholder 3">
-            <a:extLst>
-              <a:ext uri="{FF2B5EF4-FFF2-40B4-BE49-F238E27FC236}">
-                <a16:creationId xmlns:a16="http://schemas.microsoft.com/office/drawing/2014/main" id="{0D4A0800-B373-3B40-B187-30AFE44CDD1D}"/>
-              </a:ext>
-            </a:extLst>
-          </p:cNvPr>
+            <a:endParaRPr lang="en-US" dirty="0"/>
+          </a:p>
+        </p:txBody>
+      </p:sp>
+      <p:sp>
+        <p:nvSpPr>
+          <p:cNvPr id="4" name="Date Placeholder 3"/>
           <p:cNvSpPr>
             <a:spLocks noGrp="1"/>
           </p:cNvSpPr>
@@ -692,7 +478,7 @@
           <a:p>
             <a:fld id="{73C3BD54-29B9-3D42-B178-776ED395AA85}" type="datetimeFigureOut">
               <a:rPr lang="en-US" smtClean="0"/>
-              <a:t>10/31/2023</a:t>
+              <a:t>11/4/2023</a:t>
             </a:fld>
             <a:endParaRPr lang="en-US"/>
           </a:p>
@@ -700,13 +486,7 @@
       </p:sp>
       <p:sp>
         <p:nvSpPr>
-          <p:cNvPr id="5" name="Footer Placeholder 4">
-            <a:extLst>
-              <a:ext uri="{FF2B5EF4-FFF2-40B4-BE49-F238E27FC236}">
-                <a16:creationId xmlns:a16="http://schemas.microsoft.com/office/drawing/2014/main" id="{C10A4C1C-C790-B449-8C06-78E8303F9450}"/>
-              </a:ext>
-            </a:extLst>
-          </p:cNvPr>
+          <p:cNvPr id="5" name="Footer Placeholder 4"/>
           <p:cNvSpPr>
             <a:spLocks noGrp="1"/>
           </p:cNvSpPr>
@@ -725,13 +505,7 @@
       </p:sp>
       <p:sp>
         <p:nvSpPr>
-          <p:cNvPr id="6" name="Slide Number Placeholder 5">
-            <a:extLst>
-              <a:ext uri="{FF2B5EF4-FFF2-40B4-BE49-F238E27FC236}">
-                <a16:creationId xmlns:a16="http://schemas.microsoft.com/office/drawing/2014/main" id="{8143E620-F86B-F447-AB06-DDAB39192507}"/>
-              </a:ext>
-            </a:extLst>
-          </p:cNvPr>
+          <p:cNvPr id="6" name="Slide Number Placeholder 5"/>
           <p:cNvSpPr>
             <a:spLocks noGrp="1"/>
           </p:cNvSpPr>
@@ -752,116 +526,41 @@
           </a:p>
         </p:txBody>
       </p:sp>
-      <p:sp>
-        <p:nvSpPr>
-          <p:cNvPr id="49" name="Rectangle 48">
-            <a:extLst>
-              <a:ext uri="{FF2B5EF4-FFF2-40B4-BE49-F238E27FC236}">
-                <a16:creationId xmlns:a16="http://schemas.microsoft.com/office/drawing/2014/main" id="{80487CB5-43E0-974C-9DDC-252A8A37107F}"/>
-              </a:ext>
-            </a:extLst>
-          </p:cNvPr>
-          <p:cNvSpPr/>
+      <p:cxnSp>
+        <p:nvCxnSpPr>
+          <p:cNvPr id="26" name="Straight Connector 25"/>
+          <p:cNvCxnSpPr/>
           <p:nvPr/>
-        </p:nvSpPr>
+        </p:nvCxnSpPr>
         <p:spPr>
           <a:xfrm>
-            <a:off x="9881559" y="976630"/>
-            <a:ext cx="1336774" cy="120142"/>
+            <a:off x="1453896" y="1847088"/>
+            <a:ext cx="9607522" cy="0"/>
           </a:xfrm>
-          <a:prstGeom prst="rect">
+          <a:prstGeom prst="line">
             <a:avLst/>
           </a:prstGeom>
-          <a:solidFill>
-            <a:schemeClr val="tx1"/>
-          </a:solidFill>
-          <a:ln>
-            <a:noFill/>
-          </a:ln>
+          <a:ln w="31750"/>
         </p:spPr>
         <p:style>
-          <a:lnRef idx="2">
-            <a:schemeClr val="accent1">
-              <a:shade val="50000"/>
-            </a:schemeClr>
+          <a:lnRef idx="3">
+            <a:schemeClr val="accent1"/>
           </a:lnRef>
-          <a:fillRef idx="1">
+          <a:fillRef idx="0">
             <a:schemeClr val="accent1"/>
           </a:fillRef>
-          <a:effectRef idx="0">
+          <a:effectRef idx="2">
             <a:schemeClr val="accent1"/>
           </a:effectRef>
           <a:fontRef idx="minor">
-            <a:schemeClr val="lt1"/>
+            <a:schemeClr val="tx1"/>
           </a:fontRef>
         </p:style>
-        <p:txBody>
-          <a:bodyPr rtlCol="0" anchor="ctr"/>
-          <a:lstStyle/>
-          <a:p>
-            <a:pPr algn="ctr"/>
-            <a:endParaRPr lang="en-US"/>
-          </a:p>
-        </p:txBody>
-      </p:sp>
-      <p:sp>
-        <p:nvSpPr>
-          <p:cNvPr id="10" name="Cross 9">
-            <a:extLst>
-              <a:ext uri="{FF2B5EF4-FFF2-40B4-BE49-F238E27FC236}">
-                <a16:creationId xmlns:a16="http://schemas.microsoft.com/office/drawing/2014/main" id="{E9CB83EF-4143-5A45-9B3A-9E70DD50253B}"/>
-              </a:ext>
-            </a:extLst>
-          </p:cNvPr>
-          <p:cNvSpPr/>
-          <p:nvPr/>
-        </p:nvSpPr>
-        <p:spPr>
-          <a:xfrm>
-            <a:off x="11415183" y="5618903"/>
-            <a:ext cx="524933" cy="524933"/>
-          </a:xfrm>
-          <a:prstGeom prst="plus">
-            <a:avLst>
-              <a:gd name="adj" fmla="val 39516"/>
-            </a:avLst>
-          </a:prstGeom>
-          <a:solidFill>
-            <a:schemeClr val="tx1"/>
-          </a:solidFill>
-          <a:ln>
-            <a:noFill/>
-          </a:ln>
-        </p:spPr>
-        <p:style>
-          <a:lnRef idx="2">
-            <a:schemeClr val="accent1">
-              <a:shade val="50000"/>
-            </a:schemeClr>
-          </a:lnRef>
-          <a:fillRef idx="1">
-            <a:schemeClr val="accent1"/>
-          </a:fillRef>
-          <a:effectRef idx="0">
-            <a:schemeClr val="accent1"/>
-          </a:effectRef>
-          <a:fontRef idx="minor">
-            <a:schemeClr val="lt1"/>
-          </a:fontRef>
-        </p:style>
-        <p:txBody>
-          <a:bodyPr rtlCol="0" anchor="ctr"/>
-          <a:lstStyle/>
-          <a:p>
-            <a:pPr algn="ctr"/>
-            <a:endParaRPr lang="en-US"/>
-          </a:p>
-        </p:txBody>
-      </p:sp>
+      </p:cxnSp>
     </p:spTree>
     <p:extLst>
       <p:ext uri="{BB962C8B-B14F-4D97-AF65-F5344CB8AC3E}">
-        <p14:creationId xmlns:p14="http://schemas.microsoft.com/office/powerpoint/2010/main" val="525153964"/>
+        <p14:creationId xmlns:p14="http://schemas.microsoft.com/office/powerpoint/2010/main" val="4277742072"/>
       </p:ext>
     </p:extLst>
   </p:cSld>
@@ -890,13 +589,7 @@
       </p:grpSpPr>
       <p:sp>
         <p:nvSpPr>
-          <p:cNvPr id="2" name="Vertical Title 1">
-            <a:extLst>
-              <a:ext uri="{FF2B5EF4-FFF2-40B4-BE49-F238E27FC236}">
-                <a16:creationId xmlns:a16="http://schemas.microsoft.com/office/drawing/2014/main" id="{C09DF801-FF8E-6247-9065-D9304CD6093A}"/>
-              </a:ext>
-            </a:extLst>
-          </p:cNvPr>
+          <p:cNvPr id="2" name="Vertical Title 1"/>
           <p:cNvSpPr>
             <a:spLocks noGrp="1"/>
           </p:cNvSpPr>
@@ -906,30 +599,29 @@
         </p:nvSpPr>
         <p:spPr>
           <a:xfrm>
-            <a:off x="9355667" y="1204722"/>
-            <a:ext cx="1853360" cy="4676648"/>
+            <a:off x="9439111" y="798973"/>
+            <a:ext cx="1615742" cy="4659889"/>
           </a:xfrm>
         </p:spPr>
         <p:txBody>
           <a:bodyPr vert="eaVert"/>
-          <a:lstStyle/>
+          <a:lstStyle>
+            <a:lvl1pPr algn="l">
+              <a:defRPr/>
+            </a:lvl1pPr>
+          </a:lstStyle>
           <a:p>
             <a:r>
               <a:rPr lang="en-US"/>
               <a:t>Click to edit Master title style</a:t>
             </a:r>
-          </a:p>
-        </p:txBody>
-      </p:sp>
-      <p:sp>
-        <p:nvSpPr>
-          <p:cNvPr id="3" name="Vertical Text Placeholder 2">
-            <a:extLst>
-              <a:ext uri="{FF2B5EF4-FFF2-40B4-BE49-F238E27FC236}">
-                <a16:creationId xmlns:a16="http://schemas.microsoft.com/office/drawing/2014/main" id="{520E2615-7E4D-AB47-ACE6-236D716D7D24}"/>
-              </a:ext>
-            </a:extLst>
-          </p:cNvPr>
+            <a:endParaRPr lang="en-US" dirty="0"/>
+          </a:p>
+        </p:txBody>
+      </p:sp>
+      <p:sp>
+        <p:nvSpPr>
+          <p:cNvPr id="3" name="Vertical Text Placeholder 2"/>
           <p:cNvSpPr>
             <a:spLocks noGrp="1"/>
           </p:cNvSpPr>
@@ -939,8 +631,8 @@
         </p:nvSpPr>
         <p:spPr>
           <a:xfrm>
-            <a:off x="973667" y="1204722"/>
-            <a:ext cx="8274047" cy="4696934"/>
+            <a:off x="1444672" y="798973"/>
+            <a:ext cx="7828830" cy="4659889"/>
           </a:xfrm>
         </p:spPr>
         <p:txBody>
@@ -980,18 +672,13 @@
               <a:rPr lang="en-US"/>
               <a:t>Fifth level</a:t>
             </a:r>
-          </a:p>
-        </p:txBody>
-      </p:sp>
-      <p:sp>
-        <p:nvSpPr>
-          <p:cNvPr id="4" name="Date Placeholder 3">
-            <a:extLst>
-              <a:ext uri="{FF2B5EF4-FFF2-40B4-BE49-F238E27FC236}">
-                <a16:creationId xmlns:a16="http://schemas.microsoft.com/office/drawing/2014/main" id="{C91F0223-5AC9-374E-BD0C-344F67E2A85B}"/>
-              </a:ext>
-            </a:extLst>
-          </p:cNvPr>
+            <a:endParaRPr lang="en-US" dirty="0"/>
+          </a:p>
+        </p:txBody>
+      </p:sp>
+      <p:sp>
+        <p:nvSpPr>
+          <p:cNvPr id="4" name="Date Placeholder 3"/>
           <p:cNvSpPr>
             <a:spLocks noGrp="1"/>
           </p:cNvSpPr>
@@ -1006,7 +693,7 @@
           <a:p>
             <a:fld id="{73C3BD54-29B9-3D42-B178-776ED395AA85}" type="datetimeFigureOut">
               <a:rPr lang="en-US" smtClean="0"/>
-              <a:t>10/31/2023</a:t>
+              <a:t>11/4/2023</a:t>
             </a:fld>
             <a:endParaRPr lang="en-US"/>
           </a:p>
@@ -1014,13 +701,7 @@
       </p:sp>
       <p:sp>
         <p:nvSpPr>
-          <p:cNvPr id="5" name="Footer Placeholder 4">
-            <a:extLst>
-              <a:ext uri="{FF2B5EF4-FFF2-40B4-BE49-F238E27FC236}">
-                <a16:creationId xmlns:a16="http://schemas.microsoft.com/office/drawing/2014/main" id="{3EBEDD42-54A1-E648-8829-140EC4C57167}"/>
-              </a:ext>
-            </a:extLst>
-          </p:cNvPr>
+          <p:cNvPr id="5" name="Footer Placeholder 4"/>
           <p:cNvSpPr>
             <a:spLocks noGrp="1"/>
           </p:cNvSpPr>
@@ -1039,13 +720,7 @@
       </p:sp>
       <p:sp>
         <p:nvSpPr>
-          <p:cNvPr id="6" name="Slide Number Placeholder 5">
-            <a:extLst>
-              <a:ext uri="{FF2B5EF4-FFF2-40B4-BE49-F238E27FC236}">
-                <a16:creationId xmlns:a16="http://schemas.microsoft.com/office/drawing/2014/main" id="{D28FDF8F-8DBC-8A47-8000-5BA35DF9F903}"/>
-              </a:ext>
-            </a:extLst>
-          </p:cNvPr>
+          <p:cNvPr id="6" name="Slide Number Placeholder 5"/>
           <p:cNvSpPr>
             <a:spLocks noGrp="1"/>
           </p:cNvSpPr>
@@ -1066,168 +741,41 @@
           </a:p>
         </p:txBody>
       </p:sp>
-      <p:sp>
-        <p:nvSpPr>
-          <p:cNvPr id="51" name="Rectangle 50">
-            <a:extLst>
-              <a:ext uri="{FF2B5EF4-FFF2-40B4-BE49-F238E27FC236}">
-                <a16:creationId xmlns:a16="http://schemas.microsoft.com/office/drawing/2014/main" id="{F2CE2A98-5154-A544-BE2A-FDC0811C19A0}"/>
-              </a:ext>
-            </a:extLst>
-          </p:cNvPr>
-          <p:cNvSpPr/>
+      <p:cxnSp>
+        <p:nvCxnSpPr>
+          <p:cNvPr id="15" name="Straight Connector 14"/>
+          <p:cNvCxnSpPr/>
           <p:nvPr/>
-        </p:nvSpPr>
+        </p:nvCxnSpPr>
         <p:spPr>
           <a:xfrm>
-            <a:off x="9881559" y="976630"/>
-            <a:ext cx="1336774" cy="120142"/>
+            <a:off x="9439111" y="798973"/>
+            <a:ext cx="0" cy="4659889"/>
           </a:xfrm>
-          <a:prstGeom prst="rect">
+          <a:prstGeom prst="line">
             <a:avLst/>
           </a:prstGeom>
-          <a:solidFill>
-            <a:schemeClr val="tx1"/>
-          </a:solidFill>
-          <a:ln>
-            <a:noFill/>
-          </a:ln>
+          <a:ln w="31750"/>
         </p:spPr>
         <p:style>
-          <a:lnRef idx="2">
-            <a:schemeClr val="accent1">
-              <a:shade val="50000"/>
-            </a:schemeClr>
+          <a:lnRef idx="3">
+            <a:schemeClr val="accent1"/>
           </a:lnRef>
-          <a:fillRef idx="1">
+          <a:fillRef idx="0">
             <a:schemeClr val="accent1"/>
           </a:fillRef>
-          <a:effectRef idx="0">
+          <a:effectRef idx="2">
             <a:schemeClr val="accent1"/>
           </a:effectRef>
           <a:fontRef idx="minor">
-            <a:schemeClr val="lt1"/>
+            <a:schemeClr val="tx1"/>
           </a:fontRef>
         </p:style>
-        <p:txBody>
-          <a:bodyPr rtlCol="0" anchor="ctr"/>
-          <a:lstStyle/>
-          <a:p>
-            <a:pPr algn="ctr"/>
-            <a:endParaRPr lang="en-US"/>
-          </a:p>
-        </p:txBody>
-      </p:sp>
-      <p:sp>
-        <p:nvSpPr>
-          <p:cNvPr id="53" name="Rectangle 52">
-            <a:extLst>
-              <a:ext uri="{FF2B5EF4-FFF2-40B4-BE49-F238E27FC236}">
-                <a16:creationId xmlns:a16="http://schemas.microsoft.com/office/drawing/2014/main" id="{DC4EC832-8181-5643-8A62-117E43F0E498}"/>
-              </a:ext>
-            </a:extLst>
-          </p:cNvPr>
-          <p:cNvSpPr/>
-          <p:nvPr/>
-        </p:nvSpPr>
-        <p:spPr>
-          <a:xfrm>
-            <a:off x="-1" y="1096772"/>
-            <a:ext cx="263565" cy="5761228"/>
-          </a:xfrm>
-          <a:prstGeom prst="rect">
-            <a:avLst/>
-          </a:prstGeom>
-          <a:solidFill>
-            <a:schemeClr val="bg2"/>
-          </a:solidFill>
-          <a:ln>
-            <a:noFill/>
-          </a:ln>
-        </p:spPr>
-        <p:style>
-          <a:lnRef idx="2">
-            <a:schemeClr val="accent1">
-              <a:shade val="50000"/>
-            </a:schemeClr>
-          </a:lnRef>
-          <a:fillRef idx="1">
-            <a:schemeClr val="accent1"/>
-          </a:fillRef>
-          <a:effectRef idx="0">
-            <a:schemeClr val="accent1"/>
-          </a:effectRef>
-          <a:fontRef idx="minor">
-            <a:schemeClr val="lt1"/>
-          </a:fontRef>
-        </p:style>
-        <p:txBody>
-          <a:bodyPr rtlCol="0" anchor="ctr"/>
-          <a:lstStyle/>
-          <a:p>
-            <a:pPr algn="ctr"/>
-            <a:endParaRPr lang="en-US"/>
-          </a:p>
-        </p:txBody>
-      </p:sp>
-      <p:sp>
-        <p:nvSpPr>
-          <p:cNvPr id="10" name="Cross 9">
-            <a:extLst>
-              <a:ext uri="{FF2B5EF4-FFF2-40B4-BE49-F238E27FC236}">
-                <a16:creationId xmlns:a16="http://schemas.microsoft.com/office/drawing/2014/main" id="{24AF3281-BC22-374D-A461-8B3181F600AA}"/>
-              </a:ext>
-            </a:extLst>
-          </p:cNvPr>
-          <p:cNvSpPr/>
-          <p:nvPr/>
-        </p:nvSpPr>
-        <p:spPr>
-          <a:xfrm>
-            <a:off x="58248" y="5618903"/>
-            <a:ext cx="524933" cy="524933"/>
-          </a:xfrm>
-          <a:prstGeom prst="plus">
-            <a:avLst>
-              <a:gd name="adj" fmla="val 39516"/>
-            </a:avLst>
-          </a:prstGeom>
-          <a:solidFill>
-            <a:schemeClr val="tx1"/>
-          </a:solidFill>
-          <a:ln>
-            <a:noFill/>
-          </a:ln>
-        </p:spPr>
-        <p:style>
-          <a:lnRef idx="2">
-            <a:schemeClr val="accent1">
-              <a:shade val="50000"/>
-            </a:schemeClr>
-          </a:lnRef>
-          <a:fillRef idx="1">
-            <a:schemeClr val="accent1"/>
-          </a:fillRef>
-          <a:effectRef idx="0">
-            <a:schemeClr val="accent1"/>
-          </a:effectRef>
-          <a:fontRef idx="minor">
-            <a:schemeClr val="lt1"/>
-          </a:fontRef>
-        </p:style>
-        <p:txBody>
-          <a:bodyPr rtlCol="0" anchor="ctr"/>
-          <a:lstStyle/>
-          <a:p>
-            <a:pPr algn="ctr"/>
-            <a:endParaRPr lang="en-US"/>
-          </a:p>
-        </p:txBody>
-      </p:sp>
+      </p:cxnSp>
     </p:spTree>
     <p:extLst>
       <p:ext uri="{BB962C8B-B14F-4D97-AF65-F5344CB8AC3E}">
-        <p14:creationId xmlns:p14="http://schemas.microsoft.com/office/powerpoint/2010/main" val="986375499"/>
+        <p14:creationId xmlns:p14="http://schemas.microsoft.com/office/powerpoint/2010/main" val="2212786522"/>
       </p:ext>
     </p:extLst>
   </p:cSld>
@@ -1256,171 +804,7 @@
       </p:grpSpPr>
       <p:sp>
         <p:nvSpPr>
-          <p:cNvPr id="49" name="Rectangle 48">
-            <a:extLst>
-              <a:ext uri="{FF2B5EF4-FFF2-40B4-BE49-F238E27FC236}">
-                <a16:creationId xmlns:a16="http://schemas.microsoft.com/office/drawing/2014/main" id="{9F291BE0-7A7E-D04F-974F-9F4577FB2F46}"/>
-              </a:ext>
-            </a:extLst>
-          </p:cNvPr>
-          <p:cNvSpPr/>
-          <p:nvPr/>
-        </p:nvSpPr>
-        <p:spPr>
-          <a:xfrm>
-            <a:off x="6163735" y="1096772"/>
-            <a:ext cx="5571066" cy="5761228"/>
-          </a:xfrm>
-          <a:prstGeom prst="rect">
-            <a:avLst/>
-          </a:prstGeom>
-          <a:solidFill>
-            <a:schemeClr val="bg2"/>
-          </a:solidFill>
-          <a:ln>
-            <a:noFill/>
-          </a:ln>
-        </p:spPr>
-        <p:style>
-          <a:lnRef idx="2">
-            <a:schemeClr val="accent1">
-              <a:shade val="50000"/>
-            </a:schemeClr>
-          </a:lnRef>
-          <a:fillRef idx="1">
-            <a:schemeClr val="accent1"/>
-          </a:fillRef>
-          <a:effectRef idx="0">
-            <a:schemeClr val="accent1"/>
-          </a:effectRef>
-          <a:fontRef idx="minor">
-            <a:schemeClr val="lt1"/>
-          </a:fontRef>
-        </p:style>
-        <p:txBody>
-          <a:bodyPr rtlCol="0" anchor="ctr"/>
-          <a:lstStyle/>
-          <a:p>
-            <a:pPr algn="ctr"/>
-            <a:endParaRPr lang="en-US"/>
-          </a:p>
-        </p:txBody>
-      </p:sp>
-      <p:sp>
-        <p:nvSpPr>
-          <p:cNvPr id="50" name="Cross 49">
-            <a:extLst>
-              <a:ext uri="{FF2B5EF4-FFF2-40B4-BE49-F238E27FC236}">
-                <a16:creationId xmlns:a16="http://schemas.microsoft.com/office/drawing/2014/main" id="{BD33FF1F-6094-0B4A-A3E4-6B0D9283DB44}"/>
-              </a:ext>
-            </a:extLst>
-          </p:cNvPr>
-          <p:cNvSpPr/>
-          <p:nvPr/>
-        </p:nvSpPr>
-        <p:spPr>
-          <a:xfrm>
-            <a:off x="11529484" y="5618903"/>
-            <a:ext cx="524933" cy="524933"/>
-          </a:xfrm>
-          <a:prstGeom prst="plus">
-            <a:avLst>
-              <a:gd name="adj" fmla="val 39516"/>
-            </a:avLst>
-          </a:prstGeom>
-          <a:solidFill>
-            <a:schemeClr val="tx1"/>
-          </a:solidFill>
-          <a:ln>
-            <a:noFill/>
-          </a:ln>
-        </p:spPr>
-        <p:style>
-          <a:lnRef idx="2">
-            <a:schemeClr val="accent1">
-              <a:shade val="50000"/>
-            </a:schemeClr>
-          </a:lnRef>
-          <a:fillRef idx="1">
-            <a:schemeClr val="accent1"/>
-          </a:fillRef>
-          <a:effectRef idx="0">
-            <a:schemeClr val="accent1"/>
-          </a:effectRef>
-          <a:fontRef idx="minor">
-            <a:schemeClr val="lt1"/>
-          </a:fontRef>
-        </p:style>
-        <p:txBody>
-          <a:bodyPr rtlCol="0" anchor="ctr"/>
-          <a:lstStyle/>
-          <a:p>
-            <a:pPr algn="ctr"/>
-            <a:endParaRPr lang="en-US"/>
-          </a:p>
-        </p:txBody>
-      </p:sp>
-      <p:sp>
-        <p:nvSpPr>
-          <p:cNvPr id="51" name="Rectangle 50">
-            <a:extLst>
-              <a:ext uri="{FF2B5EF4-FFF2-40B4-BE49-F238E27FC236}">
-                <a16:creationId xmlns:a16="http://schemas.microsoft.com/office/drawing/2014/main" id="{B78A6D9C-C7A5-414B-8CB7-E31470D7D280}"/>
-              </a:ext>
-            </a:extLst>
-          </p:cNvPr>
-          <p:cNvSpPr/>
-          <p:nvPr/>
-        </p:nvSpPr>
-        <p:spPr>
-          <a:xfrm>
-            <a:off x="9881559" y="976630"/>
-            <a:ext cx="1336774" cy="120142"/>
-          </a:xfrm>
-          <a:prstGeom prst="rect">
-            <a:avLst/>
-          </a:prstGeom>
-          <a:solidFill>
-            <a:schemeClr val="tx1"/>
-          </a:solidFill>
-          <a:ln>
-            <a:noFill/>
-          </a:ln>
-        </p:spPr>
-        <p:style>
-          <a:lnRef idx="2">
-            <a:schemeClr val="accent1">
-              <a:shade val="50000"/>
-            </a:schemeClr>
-          </a:lnRef>
-          <a:fillRef idx="1">
-            <a:schemeClr val="accent1"/>
-          </a:fillRef>
-          <a:effectRef idx="0">
-            <a:schemeClr val="accent1"/>
-          </a:effectRef>
-          <a:fontRef idx="minor">
-            <a:schemeClr val="lt1"/>
-          </a:fontRef>
-        </p:style>
-        <p:txBody>
-          <a:bodyPr rtlCol="0" anchor="ctr"/>
-          <a:lstStyle/>
-          <a:p>
-            <a:pPr algn="ctr"/>
-            <a:endParaRPr lang="en-US"/>
-          </a:p>
-        </p:txBody>
-      </p:sp>
-      <p:sp>
-        <p:nvSpPr>
-          <p:cNvPr id="2" name="Title 1">
-            <a:extLst>
-              <a:ext uri="{FF2B5EF4-FFF2-40B4-BE49-F238E27FC236}">
-                <a16:creationId xmlns:a16="http://schemas.microsoft.com/office/drawing/2014/main" id="{B21D850E-6310-C04D-8CAC-B7FA9F332D2A}"/>
-              </a:ext>
-            </a:extLst>
-          </p:cNvPr>
+          <p:cNvPr id="2" name="Title 1"/>
           <p:cNvSpPr>
             <a:spLocks noGrp="1"/>
           </p:cNvSpPr>
@@ -1437,23 +821,70 @@
               <a:rPr lang="en-US"/>
               <a:t>Click to edit Master title style</a:t>
             </a:r>
-          </a:p>
-        </p:txBody>
-      </p:sp>
-      <p:sp>
-        <p:nvSpPr>
-          <p:cNvPr id="3" name="Content Placeholder 2">
-            <a:extLst>
-              <a:ext uri="{FF2B5EF4-FFF2-40B4-BE49-F238E27FC236}">
-                <a16:creationId xmlns:a16="http://schemas.microsoft.com/office/drawing/2014/main" id="{1E5B7FB3-5DFC-6547-9567-C0ABE874C653}"/>
-              </a:ext>
-            </a:extLst>
-          </p:cNvPr>
+            <a:endParaRPr lang="en-US" dirty="0"/>
+          </a:p>
+        </p:txBody>
+      </p:sp>
+      <p:sp>
+        <p:nvSpPr>
+          <p:cNvPr id="3" name="Content Placeholder 2"/>
           <p:cNvSpPr>
             <a:spLocks noGrp="1"/>
           </p:cNvSpPr>
           <p:nvPr>
             <p:ph idx="1"/>
+          </p:nvPr>
+        </p:nvSpPr>
+        <p:spPr/>
+        <p:txBody>
+          <a:bodyPr anchor="t"/>
+          <a:lstStyle/>
+          <a:p>
+            <a:pPr lvl="0"/>
+            <a:r>
+              <a:rPr lang="en-US"/>
+              <a:t>Click to edit Master text styles</a:t>
+            </a:r>
+          </a:p>
+          <a:p>
+            <a:pPr lvl="1"/>
+            <a:r>
+              <a:rPr lang="en-US"/>
+              <a:t>Second level</a:t>
+            </a:r>
+          </a:p>
+          <a:p>
+            <a:pPr lvl="2"/>
+            <a:r>
+              <a:rPr lang="en-US"/>
+              <a:t>Third level</a:t>
+            </a:r>
+          </a:p>
+          <a:p>
+            <a:pPr lvl="3"/>
+            <a:r>
+              <a:rPr lang="en-US"/>
+              <a:t>Fourth level</a:t>
+            </a:r>
+          </a:p>
+          <a:p>
+            <a:pPr lvl="4"/>
+            <a:r>
+              <a:rPr lang="en-US"/>
+              <a:t>Fifth level</a:t>
+            </a:r>
+            <a:endParaRPr lang="en-US" dirty="0"/>
+          </a:p>
+        </p:txBody>
+      </p:sp>
+      <p:sp>
+        <p:nvSpPr>
+          <p:cNvPr id="4" name="Date Placeholder 3"/>
+          <p:cNvSpPr>
+            <a:spLocks noGrp="1"/>
+          </p:cNvSpPr>
+          <p:nvPr>
+            <p:ph type="dt" sz="half" idx="10"/>
           </p:nvPr>
         </p:nvSpPr>
         <p:spPr/>
@@ -1461,56 +892,22 @@
           <a:bodyPr/>
           <a:lstStyle/>
           <a:p>
-            <a:pPr lvl="0"/>
-            <a:r>
-              <a:rPr lang="en-US"/>
-              <a:t>Click to edit Master text styles</a:t>
-            </a:r>
-          </a:p>
-          <a:p>
-            <a:pPr lvl="1"/>
-            <a:r>
-              <a:rPr lang="en-US"/>
-              <a:t>Second level</a:t>
-            </a:r>
-          </a:p>
-          <a:p>
-            <a:pPr lvl="2"/>
-            <a:r>
-              <a:rPr lang="en-US"/>
-              <a:t>Third level</a:t>
-            </a:r>
-          </a:p>
-          <a:p>
-            <a:pPr lvl="3"/>
-            <a:r>
-              <a:rPr lang="en-US"/>
-              <a:t>Fourth level</a:t>
-            </a:r>
-          </a:p>
-          <a:p>
-            <a:pPr lvl="4"/>
-            <a:r>
-              <a:rPr lang="en-US"/>
-              <a:t>Fifth level</a:t>
-            </a:r>
-          </a:p>
-        </p:txBody>
-      </p:sp>
-      <p:sp>
-        <p:nvSpPr>
-          <p:cNvPr id="4" name="Date Placeholder 3">
-            <a:extLst>
-              <a:ext uri="{FF2B5EF4-FFF2-40B4-BE49-F238E27FC236}">
-                <a16:creationId xmlns:a16="http://schemas.microsoft.com/office/drawing/2014/main" id="{4727D2DB-A7B1-204E-8416-E938952BCC83}"/>
-              </a:ext>
-            </a:extLst>
-          </p:cNvPr>
-          <p:cNvSpPr>
-            <a:spLocks noGrp="1"/>
-          </p:cNvSpPr>
-          <p:nvPr>
-            <p:ph type="dt" sz="half" idx="10"/>
+            <a:fld id="{73C3BD54-29B9-3D42-B178-776ED395AA85}" type="datetimeFigureOut">
+              <a:rPr lang="en-US" smtClean="0"/>
+              <a:t>11/4/2023</a:t>
+            </a:fld>
+            <a:endParaRPr lang="en-US"/>
+          </a:p>
+        </p:txBody>
+      </p:sp>
+      <p:sp>
+        <p:nvSpPr>
+          <p:cNvPr id="5" name="Footer Placeholder 4"/>
+          <p:cNvSpPr>
+            <a:spLocks noGrp="1"/>
+          </p:cNvSpPr>
+          <p:nvPr>
+            <p:ph type="ftr" sz="quarter" idx="11"/>
           </p:nvPr>
         </p:nvSpPr>
         <p:spPr/>
@@ -1518,48 +915,13 @@
           <a:bodyPr/>
           <a:lstStyle/>
           <a:p>
-            <a:fld id="{73C3BD54-29B9-3D42-B178-776ED395AA85}" type="datetimeFigureOut">
-              <a:rPr lang="en-US" smtClean="0"/>
-              <a:t>10/31/2023</a:t>
-            </a:fld>
             <a:endParaRPr lang="en-US"/>
           </a:p>
         </p:txBody>
       </p:sp>
       <p:sp>
         <p:nvSpPr>
-          <p:cNvPr id="5" name="Footer Placeholder 4">
-            <a:extLst>
-              <a:ext uri="{FF2B5EF4-FFF2-40B4-BE49-F238E27FC236}">
-                <a16:creationId xmlns:a16="http://schemas.microsoft.com/office/drawing/2014/main" id="{FD324BA1-E2D0-1E4B-9DB3-664FE27337B7}"/>
-              </a:ext>
-            </a:extLst>
-          </p:cNvPr>
-          <p:cNvSpPr>
-            <a:spLocks noGrp="1"/>
-          </p:cNvSpPr>
-          <p:nvPr>
-            <p:ph type="ftr" sz="quarter" idx="11"/>
-          </p:nvPr>
-        </p:nvSpPr>
-        <p:spPr/>
-        <p:txBody>
-          <a:bodyPr/>
-          <a:lstStyle/>
-          <a:p>
-            <a:endParaRPr lang="en-US"/>
-          </a:p>
-        </p:txBody>
-      </p:sp>
-      <p:sp>
-        <p:nvSpPr>
-          <p:cNvPr id="6" name="Slide Number Placeholder 5">
-            <a:extLst>
-              <a:ext uri="{FF2B5EF4-FFF2-40B4-BE49-F238E27FC236}">
-                <a16:creationId xmlns:a16="http://schemas.microsoft.com/office/drawing/2014/main" id="{73AE64B2-36E4-5A4E-A78A-A629829A334F}"/>
-              </a:ext>
-            </a:extLst>
-          </p:cNvPr>
+          <p:cNvPr id="6" name="Slide Number Placeholder 5"/>
           <p:cNvSpPr>
             <a:spLocks noGrp="1"/>
           </p:cNvSpPr>
@@ -1580,10 +942,41 @@
           </a:p>
         </p:txBody>
       </p:sp>
+      <p:cxnSp>
+        <p:nvCxnSpPr>
+          <p:cNvPr id="33" name="Straight Connector 32"/>
+          <p:cNvCxnSpPr/>
+          <p:nvPr/>
+        </p:nvCxnSpPr>
+        <p:spPr>
+          <a:xfrm>
+            <a:off x="1453896" y="1847088"/>
+            <a:ext cx="9607522" cy="0"/>
+          </a:xfrm>
+          <a:prstGeom prst="line">
+            <a:avLst/>
+          </a:prstGeom>
+          <a:ln w="31750"/>
+        </p:spPr>
+        <p:style>
+          <a:lnRef idx="3">
+            <a:schemeClr val="accent1"/>
+          </a:lnRef>
+          <a:fillRef idx="0">
+            <a:schemeClr val="accent1"/>
+          </a:fillRef>
+          <a:effectRef idx="2">
+            <a:schemeClr val="accent1"/>
+          </a:effectRef>
+          <a:fontRef idx="minor">
+            <a:schemeClr val="tx1"/>
+          </a:fontRef>
+        </p:style>
+      </p:cxnSp>
     </p:spTree>
     <p:extLst>
       <p:ext uri="{BB962C8B-B14F-4D97-AF65-F5344CB8AC3E}">
-        <p14:creationId xmlns:p14="http://schemas.microsoft.com/office/powerpoint/2010/main" val="2285395437"/>
+        <p14:creationId xmlns:p14="http://schemas.microsoft.com/office/powerpoint/2010/main" val="3390266310"/>
       </p:ext>
     </p:extLst>
   </p:cSld>
@@ -1612,227 +1005,62 @@
       </p:grpSpPr>
       <p:sp>
         <p:nvSpPr>
-          <p:cNvPr id="49" name="Rectangle 48">
-            <a:extLst>
-              <a:ext uri="{FF2B5EF4-FFF2-40B4-BE49-F238E27FC236}">
-                <a16:creationId xmlns:a16="http://schemas.microsoft.com/office/drawing/2014/main" id="{C97F6C6D-13AE-FD40-841C-4AB96460C390}"/>
-              </a:ext>
-            </a:extLst>
-          </p:cNvPr>
-          <p:cNvSpPr/>
-          <p:nvPr/>
+          <p:cNvPr id="2" name="Title 1"/>
+          <p:cNvSpPr>
+            <a:spLocks noGrp="1"/>
+          </p:cNvSpPr>
+          <p:nvPr>
+            <p:ph type="title"/>
+          </p:nvPr>
         </p:nvSpPr>
         <p:spPr>
           <a:xfrm>
-            <a:off x="4291015" y="1096772"/>
-            <a:ext cx="7436404" cy="5761228"/>
+            <a:off x="1454239" y="1756130"/>
+            <a:ext cx="8643154" cy="1887950"/>
           </a:xfrm>
-          <a:prstGeom prst="rect">
-            <a:avLst/>
-          </a:prstGeom>
-          <a:solidFill>
-            <a:schemeClr val="bg2"/>
-          </a:solidFill>
-          <a:ln>
-            <a:noFill/>
-          </a:ln>
         </p:spPr>
-        <p:style>
-          <a:lnRef idx="2">
-            <a:schemeClr val="accent1">
-              <a:shade val="50000"/>
-            </a:schemeClr>
-          </a:lnRef>
-          <a:fillRef idx="1">
-            <a:schemeClr val="accent1"/>
-          </a:fillRef>
-          <a:effectRef idx="0">
-            <a:schemeClr val="accent1"/>
-          </a:effectRef>
-          <a:fontRef idx="minor">
-            <a:schemeClr val="lt1"/>
-          </a:fontRef>
-        </p:style>
-        <p:txBody>
-          <a:bodyPr rtlCol="0" anchor="ctr"/>
-          <a:lstStyle/>
-          <a:p>
-            <a:pPr algn="ctr"/>
-            <a:endParaRPr lang="en-US"/>
-          </a:p>
-        </p:txBody>
-      </p:sp>
-      <p:sp>
-        <p:nvSpPr>
-          <p:cNvPr id="50" name="Cross 49">
-            <a:extLst>
-              <a:ext uri="{FF2B5EF4-FFF2-40B4-BE49-F238E27FC236}">
-                <a16:creationId xmlns:a16="http://schemas.microsoft.com/office/drawing/2014/main" id="{24E27617-2112-2342-9FF1-39F2A241CCCC}"/>
-              </a:ext>
-            </a:extLst>
-          </p:cNvPr>
-          <p:cNvSpPr/>
-          <p:nvPr/>
+        <p:txBody>
+          <a:bodyPr anchor="b">
+            <a:normAutofit/>
+          </a:bodyPr>
+          <a:lstStyle>
+            <a:lvl1pPr algn="l">
+              <a:defRPr sz="3600"/>
+            </a:lvl1pPr>
+          </a:lstStyle>
+          <a:p>
+            <a:r>
+              <a:rPr lang="en-US"/>
+              <a:t>Click to edit Master title style</a:t>
+            </a:r>
+            <a:endParaRPr lang="en-US" dirty="0"/>
+          </a:p>
+        </p:txBody>
+      </p:sp>
+      <p:sp>
+        <p:nvSpPr>
+          <p:cNvPr id="3" name="Text Placeholder 2"/>
+          <p:cNvSpPr>
+            <a:spLocks noGrp="1"/>
+          </p:cNvSpPr>
+          <p:nvPr>
+            <p:ph type="body" idx="1"/>
+          </p:nvPr>
         </p:nvSpPr>
         <p:spPr>
           <a:xfrm>
-            <a:off x="4086371" y="5624450"/>
-            <a:ext cx="524933" cy="524933"/>
-          </a:xfrm>
-          <a:prstGeom prst="plus">
-            <a:avLst>
-              <a:gd name="adj" fmla="val 39516"/>
-            </a:avLst>
-          </a:prstGeom>
-          <a:solidFill>
-            <a:schemeClr val="tx1"/>
-          </a:solidFill>
-          <a:ln>
-            <a:noFill/>
-          </a:ln>
-        </p:spPr>
-        <p:style>
-          <a:lnRef idx="2">
-            <a:schemeClr val="accent1">
-              <a:shade val="50000"/>
-            </a:schemeClr>
-          </a:lnRef>
-          <a:fillRef idx="1">
-            <a:schemeClr val="accent1"/>
-          </a:fillRef>
-          <a:effectRef idx="0">
-            <a:schemeClr val="accent1"/>
-          </a:effectRef>
-          <a:fontRef idx="minor">
-            <a:schemeClr val="lt1"/>
-          </a:fontRef>
-        </p:style>
-        <p:txBody>
-          <a:bodyPr rtlCol="0" anchor="ctr"/>
-          <a:lstStyle/>
-          <a:p>
-            <a:pPr algn="ctr"/>
-            <a:endParaRPr lang="en-US"/>
-          </a:p>
-        </p:txBody>
-      </p:sp>
-      <p:sp>
-        <p:nvSpPr>
-          <p:cNvPr id="51" name="Rectangle 50">
-            <a:extLst>
-              <a:ext uri="{FF2B5EF4-FFF2-40B4-BE49-F238E27FC236}">
-                <a16:creationId xmlns:a16="http://schemas.microsoft.com/office/drawing/2014/main" id="{C33CE582-7AFE-D048-B5BC-212A12A28F25}"/>
-              </a:ext>
-            </a:extLst>
-          </p:cNvPr>
-          <p:cNvSpPr/>
-          <p:nvPr/>
-        </p:nvSpPr>
-        <p:spPr>
-          <a:xfrm>
-            <a:off x="9881559" y="976630"/>
-            <a:ext cx="1336774" cy="120142"/>
-          </a:xfrm>
-          <a:prstGeom prst="rect">
-            <a:avLst/>
-          </a:prstGeom>
-          <a:solidFill>
-            <a:schemeClr val="tx1"/>
-          </a:solidFill>
-          <a:ln>
-            <a:noFill/>
-          </a:ln>
-        </p:spPr>
-        <p:style>
-          <a:lnRef idx="2">
-            <a:schemeClr val="accent1">
-              <a:shade val="50000"/>
-            </a:schemeClr>
-          </a:lnRef>
-          <a:fillRef idx="1">
-            <a:schemeClr val="accent1"/>
-          </a:fillRef>
-          <a:effectRef idx="0">
-            <a:schemeClr val="accent1"/>
-          </a:effectRef>
-          <a:fontRef idx="minor">
-            <a:schemeClr val="lt1"/>
-          </a:fontRef>
-        </p:style>
-        <p:txBody>
-          <a:bodyPr rtlCol="0" anchor="ctr"/>
-          <a:lstStyle/>
-          <a:p>
-            <a:pPr algn="ctr"/>
-            <a:endParaRPr lang="en-US"/>
-          </a:p>
-        </p:txBody>
-      </p:sp>
-      <p:sp>
-        <p:nvSpPr>
-          <p:cNvPr id="2" name="Title 1">
-            <a:extLst>
-              <a:ext uri="{FF2B5EF4-FFF2-40B4-BE49-F238E27FC236}">
-                <a16:creationId xmlns:a16="http://schemas.microsoft.com/office/drawing/2014/main" id="{BD9EAEF4-E84F-CF40-B27B-01E1D2AFC96D}"/>
-              </a:ext>
-            </a:extLst>
-          </p:cNvPr>
-          <p:cNvSpPr>
-            <a:spLocks noGrp="1"/>
-          </p:cNvSpPr>
-          <p:nvPr>
-            <p:ph type="title"/>
-          </p:nvPr>
-        </p:nvSpPr>
-        <p:spPr>
-          <a:xfrm>
-            <a:off x="565150" y="1881951"/>
-            <a:ext cx="7335836" cy="1987707"/>
+            <a:off x="1454239" y="3806195"/>
+            <a:ext cx="8630446" cy="1012929"/>
           </a:xfrm>
         </p:spPr>
         <p:txBody>
-          <a:bodyPr anchor="b"/>
+          <a:bodyPr tIns="91440">
+            <a:normAutofit/>
+          </a:bodyPr>
           <a:lstStyle>
-            <a:lvl1pPr>
-              <a:defRPr sz="6000" spc="-150"/>
-            </a:lvl1pPr>
-          </a:lstStyle>
-          <a:p>
-            <a:r>
-              <a:rPr lang="en-US" dirty="0"/>
-              <a:t>Click to edit Master title style</a:t>
-            </a:r>
-          </a:p>
-        </p:txBody>
-      </p:sp>
-      <p:sp>
-        <p:nvSpPr>
-          <p:cNvPr id="3" name="Text Placeholder 2">
-            <a:extLst>
-              <a:ext uri="{FF2B5EF4-FFF2-40B4-BE49-F238E27FC236}">
-                <a16:creationId xmlns:a16="http://schemas.microsoft.com/office/drawing/2014/main" id="{5287B7E1-CC48-2441-975D-F1A5412B8A49}"/>
-              </a:ext>
-            </a:extLst>
-          </p:cNvPr>
-          <p:cNvSpPr>
-            <a:spLocks noGrp="1"/>
-          </p:cNvSpPr>
-          <p:nvPr>
-            <p:ph type="body" idx="1"/>
-          </p:nvPr>
-        </p:nvSpPr>
-        <p:spPr>
-          <a:xfrm>
-            <a:off x="565149" y="3869661"/>
-            <a:ext cx="7335836" cy="948465"/>
-          </a:xfrm>
-        </p:spPr>
-        <p:txBody>
-          <a:bodyPr/>
-          <a:lstStyle>
-            <a:lvl1pPr marL="0" indent="0">
-              <a:buNone/>
-              <a:defRPr sz="2400">
+            <a:lvl1pPr marL="0" indent="0" algn="l">
+              <a:buNone/>
+              <a:defRPr sz="1800">
                 <a:solidFill>
                   <a:schemeClr val="tx1"/>
                 </a:solidFill>
@@ -1840,7 +1068,7 @@
             </a:lvl1pPr>
             <a:lvl2pPr marL="457200" indent="0">
               <a:buNone/>
-              <a:defRPr sz="2000">
+              <a:defRPr sz="1800">
                 <a:solidFill>
                   <a:schemeClr val="tx1">
                     <a:tint val="75000"/>
@@ -1930,13 +1158,7 @@
       </p:sp>
       <p:sp>
         <p:nvSpPr>
-          <p:cNvPr id="4" name="Date Placeholder 3">
-            <a:extLst>
-              <a:ext uri="{FF2B5EF4-FFF2-40B4-BE49-F238E27FC236}">
-                <a16:creationId xmlns:a16="http://schemas.microsoft.com/office/drawing/2014/main" id="{74526218-1FCF-7A4D-B138-D1B1DE91A4B7}"/>
-              </a:ext>
-            </a:extLst>
-          </p:cNvPr>
+          <p:cNvPr id="4" name="Date Placeholder 3"/>
           <p:cNvSpPr>
             <a:spLocks noGrp="1"/>
           </p:cNvSpPr>
@@ -1951,7 +1173,7 @@
           <a:p>
             <a:fld id="{73C3BD54-29B9-3D42-B178-776ED395AA85}" type="datetimeFigureOut">
               <a:rPr lang="en-US" smtClean="0"/>
-              <a:t>10/31/2023</a:t>
+              <a:t>11/4/2023</a:t>
             </a:fld>
             <a:endParaRPr lang="en-US"/>
           </a:p>
@@ -1959,13 +1181,7 @@
       </p:sp>
       <p:sp>
         <p:nvSpPr>
-          <p:cNvPr id="5" name="Footer Placeholder 4">
-            <a:extLst>
-              <a:ext uri="{FF2B5EF4-FFF2-40B4-BE49-F238E27FC236}">
-                <a16:creationId xmlns:a16="http://schemas.microsoft.com/office/drawing/2014/main" id="{50984204-038C-FD4B-8E1C-0A9967BF2251}"/>
-              </a:ext>
-            </a:extLst>
-          </p:cNvPr>
+          <p:cNvPr id="5" name="Footer Placeholder 4"/>
           <p:cNvSpPr>
             <a:spLocks noGrp="1"/>
           </p:cNvSpPr>
@@ -1984,13 +1200,7 @@
       </p:sp>
       <p:sp>
         <p:nvSpPr>
-          <p:cNvPr id="6" name="Slide Number Placeholder 5">
-            <a:extLst>
-              <a:ext uri="{FF2B5EF4-FFF2-40B4-BE49-F238E27FC236}">
-                <a16:creationId xmlns:a16="http://schemas.microsoft.com/office/drawing/2014/main" id="{E5359AB9-E1C6-C841-B423-FD2BB13C333F}"/>
-              </a:ext>
-            </a:extLst>
-          </p:cNvPr>
+          <p:cNvPr id="6" name="Slide Number Placeholder 5"/>
           <p:cNvSpPr>
             <a:spLocks noGrp="1"/>
           </p:cNvSpPr>
@@ -2011,10 +1221,41 @@
           </a:p>
         </p:txBody>
       </p:sp>
+      <p:cxnSp>
+        <p:nvCxnSpPr>
+          <p:cNvPr id="15" name="Straight Connector 14"/>
+          <p:cNvCxnSpPr/>
+          <p:nvPr/>
+        </p:nvCxnSpPr>
+        <p:spPr>
+          <a:xfrm>
+            <a:off x="1454239" y="3804985"/>
+            <a:ext cx="8630446" cy="0"/>
+          </a:xfrm>
+          <a:prstGeom prst="line">
+            <a:avLst/>
+          </a:prstGeom>
+          <a:ln w="31750"/>
+        </p:spPr>
+        <p:style>
+          <a:lnRef idx="3">
+            <a:schemeClr val="accent1"/>
+          </a:lnRef>
+          <a:fillRef idx="0">
+            <a:schemeClr val="accent1"/>
+          </a:fillRef>
+          <a:effectRef idx="2">
+            <a:schemeClr val="accent1"/>
+          </a:effectRef>
+          <a:fontRef idx="minor">
+            <a:schemeClr val="tx1"/>
+          </a:fontRef>
+        </p:style>
+      </p:cxnSp>
     </p:spTree>
     <p:extLst>
       <p:ext uri="{BB962C8B-B14F-4D97-AF65-F5344CB8AC3E}">
-        <p14:creationId xmlns:p14="http://schemas.microsoft.com/office/powerpoint/2010/main" val="1653112946"/>
+        <p14:creationId xmlns:p14="http://schemas.microsoft.com/office/powerpoint/2010/main" val="1582503238"/>
       </p:ext>
     </p:extLst>
   </p:cSld>
@@ -2043,13 +1284,7 @@
       </p:grpSpPr>
       <p:sp>
         <p:nvSpPr>
-          <p:cNvPr id="2" name="Title 1">
-            <a:extLst>
-              <a:ext uri="{FF2B5EF4-FFF2-40B4-BE49-F238E27FC236}">
-                <a16:creationId xmlns:a16="http://schemas.microsoft.com/office/drawing/2014/main" id="{55AB057A-C120-5E4E-BB74-223EB6D005DD}"/>
-              </a:ext>
-            </a:extLst>
-          </p:cNvPr>
+          <p:cNvPr id="2" name="Title 1"/>
           <p:cNvSpPr>
             <a:spLocks noGrp="1"/>
           </p:cNvSpPr>
@@ -2057,7 +1292,12 @@
             <p:ph type="title"/>
           </p:nvPr>
         </p:nvSpPr>
-        <p:spPr/>
+        <p:spPr>
+          <a:xfrm>
+            <a:off x="1449217" y="804889"/>
+            <a:ext cx="9605635" cy="1059305"/>
+          </a:xfrm>
+        </p:spPr>
         <p:txBody>
           <a:bodyPr/>
           <a:lstStyle/>
@@ -2066,18 +1306,13 @@
               <a:rPr lang="en-US"/>
               <a:t>Click to edit Master title style</a:t>
             </a:r>
-          </a:p>
-        </p:txBody>
-      </p:sp>
-      <p:sp>
-        <p:nvSpPr>
-          <p:cNvPr id="3" name="Content Placeholder 2">
-            <a:extLst>
-              <a:ext uri="{FF2B5EF4-FFF2-40B4-BE49-F238E27FC236}">
-                <a16:creationId xmlns:a16="http://schemas.microsoft.com/office/drawing/2014/main" id="{7F9EB7BE-6258-C84C-8242-9865D1361C9E}"/>
-              </a:ext>
-            </a:extLst>
-          </p:cNvPr>
+            <a:endParaRPr lang="en-US" dirty="0"/>
+          </a:p>
+        </p:txBody>
+      </p:sp>
+      <p:sp>
+        <p:nvSpPr>
+          <p:cNvPr id="3" name="Content Placeholder 2"/>
           <p:cNvSpPr>
             <a:spLocks noGrp="1"/>
           </p:cNvSpPr>
@@ -2087,8 +1322,8 @@
         </p:nvSpPr>
         <p:spPr>
           <a:xfrm>
-            <a:off x="565111" y="2691637"/>
-            <a:ext cx="4946643" cy="3189733"/>
+            <a:off x="1447331" y="2010878"/>
+            <a:ext cx="4645152" cy="3448595"/>
           </a:xfrm>
         </p:spPr>
         <p:txBody>
@@ -2128,18 +1363,13 @@
               <a:rPr lang="en-US"/>
               <a:t>Fifth level</a:t>
             </a:r>
-          </a:p>
-        </p:txBody>
-      </p:sp>
-      <p:sp>
-        <p:nvSpPr>
-          <p:cNvPr id="4" name="Content Placeholder 3">
-            <a:extLst>
-              <a:ext uri="{FF2B5EF4-FFF2-40B4-BE49-F238E27FC236}">
-                <a16:creationId xmlns:a16="http://schemas.microsoft.com/office/drawing/2014/main" id="{373D23CD-80DB-5740-AE68-76414CA31A26}"/>
-              </a:ext>
-            </a:extLst>
-          </p:cNvPr>
+            <a:endParaRPr lang="en-US" dirty="0"/>
+          </a:p>
+        </p:txBody>
+      </p:sp>
+      <p:sp>
+        <p:nvSpPr>
+          <p:cNvPr id="4" name="Content Placeholder 3"/>
           <p:cNvSpPr>
             <a:spLocks noGrp="1"/>
           </p:cNvSpPr>
@@ -2149,8 +1379,8 @@
         </p:nvSpPr>
         <p:spPr>
           <a:xfrm>
-            <a:off x="6076903" y="2691637"/>
-            <a:ext cx="4946639" cy="3189733"/>
+            <a:off x="6413771" y="2017343"/>
+            <a:ext cx="4645152" cy="3441520"/>
           </a:xfrm>
         </p:spPr>
         <p:txBody>
@@ -2190,18 +1420,13 @@
               <a:rPr lang="en-US"/>
               <a:t>Fifth level</a:t>
             </a:r>
-          </a:p>
-        </p:txBody>
-      </p:sp>
-      <p:sp>
-        <p:nvSpPr>
-          <p:cNvPr id="5" name="Date Placeholder 4">
-            <a:extLst>
-              <a:ext uri="{FF2B5EF4-FFF2-40B4-BE49-F238E27FC236}">
-                <a16:creationId xmlns:a16="http://schemas.microsoft.com/office/drawing/2014/main" id="{03FE0921-9102-1440-B315-778888723C9D}"/>
-              </a:ext>
-            </a:extLst>
-          </p:cNvPr>
+            <a:endParaRPr lang="en-US" dirty="0"/>
+          </a:p>
+        </p:txBody>
+      </p:sp>
+      <p:sp>
+        <p:nvSpPr>
+          <p:cNvPr id="5" name="Date Placeholder 4"/>
           <p:cNvSpPr>
             <a:spLocks noGrp="1"/>
           </p:cNvSpPr>
@@ -2216,7 +1441,7 @@
           <a:p>
             <a:fld id="{73C3BD54-29B9-3D42-B178-776ED395AA85}" type="datetimeFigureOut">
               <a:rPr lang="en-US" smtClean="0"/>
-              <a:t>10/31/2023</a:t>
+              <a:t>11/4/2023</a:t>
             </a:fld>
             <a:endParaRPr lang="en-US"/>
           </a:p>
@@ -2224,13 +1449,7 @@
       </p:sp>
       <p:sp>
         <p:nvSpPr>
-          <p:cNvPr id="6" name="Footer Placeholder 5">
-            <a:extLst>
-              <a:ext uri="{FF2B5EF4-FFF2-40B4-BE49-F238E27FC236}">
-                <a16:creationId xmlns:a16="http://schemas.microsoft.com/office/drawing/2014/main" id="{24D7802F-1937-2F43-8FF4-846135D6FC42}"/>
-              </a:ext>
-            </a:extLst>
-          </p:cNvPr>
+          <p:cNvPr id="6" name="Footer Placeholder 5"/>
           <p:cNvSpPr>
             <a:spLocks noGrp="1"/>
           </p:cNvSpPr>
@@ -2249,13 +1468,7 @@
       </p:sp>
       <p:sp>
         <p:nvSpPr>
-          <p:cNvPr id="7" name="Slide Number Placeholder 6">
-            <a:extLst>
-              <a:ext uri="{FF2B5EF4-FFF2-40B4-BE49-F238E27FC236}">
-                <a16:creationId xmlns:a16="http://schemas.microsoft.com/office/drawing/2014/main" id="{70609C72-E794-4F4F-8E09-D4883EED7237}"/>
-              </a:ext>
-            </a:extLst>
-          </p:cNvPr>
+          <p:cNvPr id="7" name="Slide Number Placeholder 6"/>
           <p:cNvSpPr>
             <a:spLocks noGrp="1"/>
           </p:cNvSpPr>
@@ -2276,172 +1489,41 @@
           </a:p>
         </p:txBody>
       </p:sp>
-      <p:sp>
-        <p:nvSpPr>
-          <p:cNvPr id="50" name="Rectangle 49">
-            <a:extLst>
-              <a:ext uri="{FF2B5EF4-FFF2-40B4-BE49-F238E27FC236}">
-                <a16:creationId xmlns:a16="http://schemas.microsoft.com/office/drawing/2014/main" id="{FFEFA3E2-0F30-664C-AAE4-DE6526B5C716}"/>
-              </a:ext>
-            </a:extLst>
-          </p:cNvPr>
-          <p:cNvSpPr/>
+      <p:cxnSp>
+        <p:nvCxnSpPr>
+          <p:cNvPr id="35" name="Straight Connector 34"/>
+          <p:cNvCxnSpPr/>
           <p:nvPr/>
-        </p:nvSpPr>
+        </p:nvCxnSpPr>
         <p:spPr>
           <a:xfrm>
-            <a:off x="11738231" y="1096772"/>
-            <a:ext cx="453769" cy="5761228"/>
+            <a:off x="1453896" y="1847088"/>
+            <a:ext cx="9607522" cy="0"/>
           </a:xfrm>
-          <a:prstGeom prst="rect">
+          <a:prstGeom prst="line">
             <a:avLst/>
           </a:prstGeom>
-          <a:solidFill>
-            <a:schemeClr val="bg2"/>
-          </a:solidFill>
-          <a:ln>
-            <a:noFill/>
-          </a:ln>
+          <a:ln w="31750"/>
         </p:spPr>
         <p:style>
-          <a:lnRef idx="2">
-            <a:schemeClr val="accent1">
-              <a:shade val="50000"/>
-            </a:schemeClr>
+          <a:lnRef idx="3">
+            <a:schemeClr val="accent1"/>
           </a:lnRef>
-          <a:fillRef idx="1">
+          <a:fillRef idx="0">
             <a:schemeClr val="accent1"/>
           </a:fillRef>
-          <a:effectRef idx="0">
+          <a:effectRef idx="2">
             <a:schemeClr val="accent1"/>
           </a:effectRef>
           <a:fontRef idx="minor">
-            <a:schemeClr val="lt1"/>
+            <a:schemeClr val="tx1"/>
           </a:fontRef>
         </p:style>
-        <p:txBody>
-          <a:bodyPr rtlCol="0" anchor="ctr"/>
-          <a:lstStyle/>
-          <a:p>
-            <a:pPr algn="ctr"/>
-            <a:endParaRPr lang="en-US">
-              <a:solidFill>
-                <a:schemeClr val="bg2"/>
-              </a:solidFill>
-            </a:endParaRPr>
-          </a:p>
-        </p:txBody>
-      </p:sp>
-      <p:sp>
-        <p:nvSpPr>
-          <p:cNvPr id="55" name="Rectangle 54">
-            <a:extLst>
-              <a:ext uri="{FF2B5EF4-FFF2-40B4-BE49-F238E27FC236}">
-                <a16:creationId xmlns:a16="http://schemas.microsoft.com/office/drawing/2014/main" id="{0C3D7AFF-BC7E-BA41-9C64-B5F9619C0EA1}"/>
-              </a:ext>
-            </a:extLst>
-          </p:cNvPr>
-          <p:cNvSpPr/>
-          <p:nvPr/>
-        </p:nvSpPr>
-        <p:spPr>
-          <a:xfrm>
-            <a:off x="9881559" y="976630"/>
-            <a:ext cx="1336774" cy="120142"/>
-          </a:xfrm>
-          <a:prstGeom prst="rect">
-            <a:avLst/>
-          </a:prstGeom>
-          <a:solidFill>
-            <a:schemeClr val="tx1"/>
-          </a:solidFill>
-          <a:ln>
-            <a:noFill/>
-          </a:ln>
-        </p:spPr>
-        <p:style>
-          <a:lnRef idx="2">
-            <a:schemeClr val="accent1">
-              <a:shade val="50000"/>
-            </a:schemeClr>
-          </a:lnRef>
-          <a:fillRef idx="1">
-            <a:schemeClr val="accent1"/>
-          </a:fillRef>
-          <a:effectRef idx="0">
-            <a:schemeClr val="accent1"/>
-          </a:effectRef>
-          <a:fontRef idx="minor">
-            <a:schemeClr val="lt1"/>
-          </a:fontRef>
-        </p:style>
-        <p:txBody>
-          <a:bodyPr rtlCol="0" anchor="ctr"/>
-          <a:lstStyle/>
-          <a:p>
-            <a:pPr algn="ctr"/>
-            <a:endParaRPr lang="en-US"/>
-          </a:p>
-        </p:txBody>
-      </p:sp>
-      <p:sp>
-        <p:nvSpPr>
-          <p:cNvPr id="11" name="Cross 10">
-            <a:extLst>
-              <a:ext uri="{FF2B5EF4-FFF2-40B4-BE49-F238E27FC236}">
-                <a16:creationId xmlns:a16="http://schemas.microsoft.com/office/drawing/2014/main" id="{671D2311-E9B8-F041-A7B8-D5696903F22A}"/>
-              </a:ext>
-            </a:extLst>
-          </p:cNvPr>
-          <p:cNvSpPr/>
-          <p:nvPr/>
-        </p:nvSpPr>
-        <p:spPr>
-          <a:xfrm>
-            <a:off x="11531286" y="5618903"/>
-            <a:ext cx="524933" cy="524933"/>
-          </a:xfrm>
-          <a:prstGeom prst="plus">
-            <a:avLst>
-              <a:gd name="adj" fmla="val 39516"/>
-            </a:avLst>
-          </a:prstGeom>
-          <a:solidFill>
-            <a:schemeClr val="tx1"/>
-          </a:solidFill>
-          <a:ln>
-            <a:noFill/>
-          </a:ln>
-        </p:spPr>
-        <p:style>
-          <a:lnRef idx="2">
-            <a:schemeClr val="accent1">
-              <a:shade val="50000"/>
-            </a:schemeClr>
-          </a:lnRef>
-          <a:fillRef idx="1">
-            <a:schemeClr val="accent1"/>
-          </a:fillRef>
-          <a:effectRef idx="0">
-            <a:schemeClr val="accent1"/>
-          </a:effectRef>
-          <a:fontRef idx="minor">
-            <a:schemeClr val="lt1"/>
-          </a:fontRef>
-        </p:style>
-        <p:txBody>
-          <a:bodyPr rtlCol="0" anchor="ctr"/>
-          <a:lstStyle/>
-          <a:p>
-            <a:pPr algn="ctr"/>
-            <a:endParaRPr lang="en-US"/>
-          </a:p>
-        </p:txBody>
-      </p:sp>
+      </p:cxnSp>
     </p:spTree>
     <p:extLst>
       <p:ext uri="{BB962C8B-B14F-4D97-AF65-F5344CB8AC3E}">
-        <p14:creationId xmlns:p14="http://schemas.microsoft.com/office/powerpoint/2010/main" val="318110037"/>
+        <p14:creationId xmlns:p14="http://schemas.microsoft.com/office/powerpoint/2010/main" val="569475394"/>
       </p:ext>
     </p:extLst>
   </p:cSld>
@@ -2470,13 +1552,7 @@
       </p:grpSpPr>
       <p:sp>
         <p:nvSpPr>
-          <p:cNvPr id="2" name="Title 1">
-            <a:extLst>
-              <a:ext uri="{FF2B5EF4-FFF2-40B4-BE49-F238E27FC236}">
-                <a16:creationId xmlns:a16="http://schemas.microsoft.com/office/drawing/2014/main" id="{9B09CA91-F119-0244-888A-95539A84DD6F}"/>
-              </a:ext>
-            </a:extLst>
-          </p:cNvPr>
+          <p:cNvPr id="2" name="Title 1"/>
           <p:cNvSpPr>
             <a:spLocks noGrp="1"/>
           </p:cNvSpPr>
@@ -2486,8 +1562,8 @@
         </p:nvSpPr>
         <p:spPr>
           <a:xfrm>
-            <a:off x="565110" y="1204721"/>
-            <a:ext cx="8266175" cy="1444752"/>
+            <a:off x="1447191" y="804163"/>
+            <a:ext cx="9607661" cy="1056319"/>
           </a:xfrm>
         </p:spPr>
         <p:txBody>
@@ -2498,18 +1574,13 @@
               <a:rPr lang="en-US"/>
               <a:t>Click to edit Master title style</a:t>
             </a:r>
-          </a:p>
-        </p:txBody>
-      </p:sp>
-      <p:sp>
-        <p:nvSpPr>
-          <p:cNvPr id="3" name="Text Placeholder 2">
-            <a:extLst>
-              <a:ext uri="{FF2B5EF4-FFF2-40B4-BE49-F238E27FC236}">
-                <a16:creationId xmlns:a16="http://schemas.microsoft.com/office/drawing/2014/main" id="{B08A3EAC-4422-D548-8D7F-E9944566FBA9}"/>
-              </a:ext>
-            </a:extLst>
-          </p:cNvPr>
+            <a:endParaRPr lang="en-US" dirty="0"/>
+          </a:p>
+        </p:txBody>
+      </p:sp>
+      <p:sp>
+        <p:nvSpPr>
+          <p:cNvPr id="3" name="Text Placeholder 2"/>
           <p:cNvSpPr>
             <a:spLocks noGrp="1"/>
           </p:cNvSpPr>
@@ -2519,16 +1590,25 @@
         </p:nvSpPr>
         <p:spPr>
           <a:xfrm>
-            <a:off x="565111" y="2691638"/>
-            <a:ext cx="4946644" cy="823912"/>
+            <a:off x="1447191" y="2019549"/>
+            <a:ext cx="4645152" cy="801943"/>
           </a:xfrm>
         </p:spPr>
         <p:txBody>
-          <a:bodyPr anchor="b"/>
+          <a:bodyPr anchor="b">
+            <a:normAutofit/>
+          </a:bodyPr>
           <a:lstStyle>
             <a:lvl1pPr marL="0" indent="0">
-              <a:buNone/>
-              <a:defRPr sz="2800" b="1"/>
+              <a:lnSpc>
+                <a:spcPct val="100000"/>
+              </a:lnSpc>
+              <a:buNone/>
+              <a:defRPr sz="2200" b="0" cap="all" baseline="0">
+                <a:solidFill>
+                  <a:schemeClr val="accent1"/>
+                </a:solidFill>
+              </a:defRPr>
             </a:lvl1pPr>
             <a:lvl2pPr marL="457200" indent="0">
               <a:buNone/>
@@ -2566,7 +1646,7 @@
           <a:p>
             <a:pPr lvl="0"/>
             <a:r>
-              <a:rPr lang="en-US" dirty="0"/>
+              <a:rPr lang="en-US"/>
               <a:t>Click to edit Master text styles</a:t>
             </a:r>
           </a:p>
@@ -2574,13 +1654,7 @@
       </p:sp>
       <p:sp>
         <p:nvSpPr>
-          <p:cNvPr id="4" name="Content Placeholder 3">
-            <a:extLst>
-              <a:ext uri="{FF2B5EF4-FFF2-40B4-BE49-F238E27FC236}">
-                <a16:creationId xmlns:a16="http://schemas.microsoft.com/office/drawing/2014/main" id="{49140CA2-88A9-CC42-A375-8B87E47CC5F9}"/>
-              </a:ext>
-            </a:extLst>
-          </p:cNvPr>
+          <p:cNvPr id="4" name="Content Placeholder 3"/>
           <p:cNvSpPr>
             <a:spLocks noGrp="1"/>
           </p:cNvSpPr>
@@ -2590,8 +1664,8 @@
         </p:nvSpPr>
         <p:spPr>
           <a:xfrm>
-            <a:off x="565111" y="3515550"/>
-            <a:ext cx="4946644" cy="2366296"/>
+            <a:off x="1447191" y="2824269"/>
+            <a:ext cx="4645152" cy="2644457"/>
           </a:xfrm>
         </p:spPr>
         <p:txBody>
@@ -2631,18 +1705,13 @@
               <a:rPr lang="en-US"/>
               <a:t>Fifth level</a:t>
             </a:r>
-          </a:p>
-        </p:txBody>
-      </p:sp>
-      <p:sp>
-        <p:nvSpPr>
-          <p:cNvPr id="5" name="Text Placeholder 4">
-            <a:extLst>
-              <a:ext uri="{FF2B5EF4-FFF2-40B4-BE49-F238E27FC236}">
-                <a16:creationId xmlns:a16="http://schemas.microsoft.com/office/drawing/2014/main" id="{B05F960C-714E-2E4A-8141-A88F38274E48}"/>
-              </a:ext>
-            </a:extLst>
-          </p:cNvPr>
+            <a:endParaRPr lang="en-US" dirty="0"/>
+          </a:p>
+        </p:txBody>
+      </p:sp>
+      <p:sp>
+        <p:nvSpPr>
+          <p:cNvPr id="5" name="Text Placeholder 4"/>
           <p:cNvSpPr>
             <a:spLocks noGrp="1"/>
           </p:cNvSpPr>
@@ -2652,16 +1721,25 @@
         </p:nvSpPr>
         <p:spPr>
           <a:xfrm>
-            <a:off x="6076866" y="2691162"/>
-            <a:ext cx="4946644" cy="823912"/>
+            <a:off x="6412362" y="2023003"/>
+            <a:ext cx="4645152" cy="802237"/>
           </a:xfrm>
         </p:spPr>
         <p:txBody>
-          <a:bodyPr anchor="b"/>
+          <a:bodyPr anchor="b">
+            <a:normAutofit/>
+          </a:bodyPr>
           <a:lstStyle>
             <a:lvl1pPr marL="0" indent="0">
-              <a:buNone/>
-              <a:defRPr sz="2800" b="1"/>
+              <a:lnSpc>
+                <a:spcPct val="100000"/>
+              </a:lnSpc>
+              <a:buNone/>
+              <a:defRPr sz="2200" b="0" cap="all" baseline="0">
+                <a:solidFill>
+                  <a:schemeClr val="accent1"/>
+                </a:solidFill>
+              </a:defRPr>
             </a:lvl1pPr>
             <a:lvl2pPr marL="457200" indent="0">
               <a:buNone/>
@@ -2707,13 +1785,7 @@
       </p:sp>
       <p:sp>
         <p:nvSpPr>
-          <p:cNvPr id="6" name="Content Placeholder 5">
-            <a:extLst>
-              <a:ext uri="{FF2B5EF4-FFF2-40B4-BE49-F238E27FC236}">
-                <a16:creationId xmlns:a16="http://schemas.microsoft.com/office/drawing/2014/main" id="{8697BC24-C907-EC4B-872D-17429A657716}"/>
-              </a:ext>
-            </a:extLst>
-          </p:cNvPr>
+          <p:cNvPr id="6" name="Content Placeholder 5"/>
           <p:cNvSpPr>
             <a:spLocks noGrp="1"/>
           </p:cNvSpPr>
@@ -2723,8 +1795,8 @@
         </p:nvSpPr>
         <p:spPr>
           <a:xfrm>
-            <a:off x="6076866" y="3515074"/>
-            <a:ext cx="4946644" cy="2366296"/>
+            <a:off x="6412362" y="2821491"/>
+            <a:ext cx="4645152" cy="2637371"/>
           </a:xfrm>
         </p:spPr>
         <p:txBody>
@@ -2764,18 +1836,13 @@
               <a:rPr lang="en-US"/>
               <a:t>Fifth level</a:t>
             </a:r>
-          </a:p>
-        </p:txBody>
-      </p:sp>
-      <p:sp>
-        <p:nvSpPr>
-          <p:cNvPr id="7" name="Date Placeholder 6">
-            <a:extLst>
-              <a:ext uri="{FF2B5EF4-FFF2-40B4-BE49-F238E27FC236}">
-                <a16:creationId xmlns:a16="http://schemas.microsoft.com/office/drawing/2014/main" id="{36E2A045-4283-3C47-B125-68CF3B19FB08}"/>
-              </a:ext>
-            </a:extLst>
-          </p:cNvPr>
+            <a:endParaRPr lang="en-US" dirty="0"/>
+          </a:p>
+        </p:txBody>
+      </p:sp>
+      <p:sp>
+        <p:nvSpPr>
+          <p:cNvPr id="7" name="Date Placeholder 6"/>
           <p:cNvSpPr>
             <a:spLocks noGrp="1"/>
           </p:cNvSpPr>
@@ -2790,7 +1857,7 @@
           <a:p>
             <a:fld id="{73C3BD54-29B9-3D42-B178-776ED395AA85}" type="datetimeFigureOut">
               <a:rPr lang="en-US" smtClean="0"/>
-              <a:t>10/31/2023</a:t>
+              <a:t>11/4/2023</a:t>
             </a:fld>
             <a:endParaRPr lang="en-US"/>
           </a:p>
@@ -2798,13 +1865,7 @@
       </p:sp>
       <p:sp>
         <p:nvSpPr>
-          <p:cNvPr id="8" name="Footer Placeholder 7">
-            <a:extLst>
-              <a:ext uri="{FF2B5EF4-FFF2-40B4-BE49-F238E27FC236}">
-                <a16:creationId xmlns:a16="http://schemas.microsoft.com/office/drawing/2014/main" id="{7EBC25BC-2C98-574D-BCCD-E36CAB07F2F5}"/>
-              </a:ext>
-            </a:extLst>
-          </p:cNvPr>
+          <p:cNvPr id="8" name="Footer Placeholder 7"/>
           <p:cNvSpPr>
             <a:spLocks noGrp="1"/>
           </p:cNvSpPr>
@@ -2823,13 +1884,7 @@
       </p:sp>
       <p:sp>
         <p:nvSpPr>
-          <p:cNvPr id="9" name="Slide Number Placeholder 8">
-            <a:extLst>
-              <a:ext uri="{FF2B5EF4-FFF2-40B4-BE49-F238E27FC236}">
-                <a16:creationId xmlns:a16="http://schemas.microsoft.com/office/drawing/2014/main" id="{BCA5C95A-7789-E042-8471-D442D9BB545F}"/>
-              </a:ext>
-            </a:extLst>
-          </p:cNvPr>
+          <p:cNvPr id="9" name="Slide Number Placeholder 8"/>
           <p:cNvSpPr>
             <a:spLocks noGrp="1"/>
           </p:cNvSpPr>
@@ -2850,172 +1905,41 @@
           </a:p>
         </p:txBody>
       </p:sp>
-      <p:sp>
-        <p:nvSpPr>
-          <p:cNvPr id="52" name="Rectangle 51">
-            <a:extLst>
-              <a:ext uri="{FF2B5EF4-FFF2-40B4-BE49-F238E27FC236}">
-                <a16:creationId xmlns:a16="http://schemas.microsoft.com/office/drawing/2014/main" id="{3DF1BA5B-EDD8-B648-8A3E-E2B3570B1EA0}"/>
-              </a:ext>
-            </a:extLst>
-          </p:cNvPr>
-          <p:cNvSpPr/>
+      <p:cxnSp>
+        <p:nvCxnSpPr>
+          <p:cNvPr id="29" name="Straight Connector 28"/>
+          <p:cNvCxnSpPr/>
           <p:nvPr/>
-        </p:nvSpPr>
+        </p:nvCxnSpPr>
         <p:spPr>
           <a:xfrm>
-            <a:off x="11738231" y="1096772"/>
-            <a:ext cx="453769" cy="5761228"/>
+            <a:off x="1453896" y="1847088"/>
+            <a:ext cx="9607522" cy="0"/>
           </a:xfrm>
-          <a:prstGeom prst="rect">
+          <a:prstGeom prst="line">
             <a:avLst/>
           </a:prstGeom>
-          <a:solidFill>
-            <a:schemeClr val="bg2"/>
-          </a:solidFill>
-          <a:ln>
-            <a:noFill/>
-          </a:ln>
+          <a:ln w="31750"/>
         </p:spPr>
         <p:style>
-          <a:lnRef idx="2">
-            <a:schemeClr val="accent1">
-              <a:shade val="50000"/>
-            </a:schemeClr>
+          <a:lnRef idx="3">
+            <a:schemeClr val="accent1"/>
           </a:lnRef>
-          <a:fillRef idx="1">
+          <a:fillRef idx="0">
             <a:schemeClr val="accent1"/>
           </a:fillRef>
-          <a:effectRef idx="0">
+          <a:effectRef idx="2">
             <a:schemeClr val="accent1"/>
           </a:effectRef>
           <a:fontRef idx="minor">
-            <a:schemeClr val="lt1"/>
+            <a:schemeClr val="tx1"/>
           </a:fontRef>
         </p:style>
-        <p:txBody>
-          <a:bodyPr rtlCol="0" anchor="ctr"/>
-          <a:lstStyle/>
-          <a:p>
-            <a:pPr algn="ctr"/>
-            <a:endParaRPr lang="en-US">
-              <a:solidFill>
-                <a:schemeClr val="bg2"/>
-              </a:solidFill>
-            </a:endParaRPr>
-          </a:p>
-        </p:txBody>
-      </p:sp>
-      <p:sp>
-        <p:nvSpPr>
-          <p:cNvPr id="57" name="Rectangle 56">
-            <a:extLst>
-              <a:ext uri="{FF2B5EF4-FFF2-40B4-BE49-F238E27FC236}">
-                <a16:creationId xmlns:a16="http://schemas.microsoft.com/office/drawing/2014/main" id="{D7476360-629C-DE48-85B7-F4BE6CC457DB}"/>
-              </a:ext>
-            </a:extLst>
-          </p:cNvPr>
-          <p:cNvSpPr/>
-          <p:nvPr/>
-        </p:nvSpPr>
-        <p:spPr>
-          <a:xfrm>
-            <a:off x="9881559" y="976630"/>
-            <a:ext cx="1336774" cy="120142"/>
-          </a:xfrm>
-          <a:prstGeom prst="rect">
-            <a:avLst/>
-          </a:prstGeom>
-          <a:solidFill>
-            <a:schemeClr val="tx1"/>
-          </a:solidFill>
-          <a:ln>
-            <a:noFill/>
-          </a:ln>
-        </p:spPr>
-        <p:style>
-          <a:lnRef idx="2">
-            <a:schemeClr val="accent1">
-              <a:shade val="50000"/>
-            </a:schemeClr>
-          </a:lnRef>
-          <a:fillRef idx="1">
-            <a:schemeClr val="accent1"/>
-          </a:fillRef>
-          <a:effectRef idx="0">
-            <a:schemeClr val="accent1"/>
-          </a:effectRef>
-          <a:fontRef idx="minor">
-            <a:schemeClr val="lt1"/>
-          </a:fontRef>
-        </p:style>
-        <p:txBody>
-          <a:bodyPr rtlCol="0" anchor="ctr"/>
-          <a:lstStyle/>
-          <a:p>
-            <a:pPr algn="ctr"/>
-            <a:endParaRPr lang="en-US"/>
-          </a:p>
-        </p:txBody>
-      </p:sp>
-      <p:sp>
-        <p:nvSpPr>
-          <p:cNvPr id="14" name="Cross 13">
-            <a:extLst>
-              <a:ext uri="{FF2B5EF4-FFF2-40B4-BE49-F238E27FC236}">
-                <a16:creationId xmlns:a16="http://schemas.microsoft.com/office/drawing/2014/main" id="{C5F6C588-FC1B-3147-AFA1-CD7D76C5AEAC}"/>
-              </a:ext>
-            </a:extLst>
-          </p:cNvPr>
-          <p:cNvSpPr/>
-          <p:nvPr/>
-        </p:nvSpPr>
-        <p:spPr>
-          <a:xfrm>
-            <a:off x="11531286" y="5618903"/>
-            <a:ext cx="524933" cy="524933"/>
-          </a:xfrm>
-          <a:prstGeom prst="plus">
-            <a:avLst>
-              <a:gd name="adj" fmla="val 39516"/>
-            </a:avLst>
-          </a:prstGeom>
-          <a:solidFill>
-            <a:schemeClr val="tx1"/>
-          </a:solidFill>
-          <a:ln>
-            <a:noFill/>
-          </a:ln>
-        </p:spPr>
-        <p:style>
-          <a:lnRef idx="2">
-            <a:schemeClr val="accent1">
-              <a:shade val="50000"/>
-            </a:schemeClr>
-          </a:lnRef>
-          <a:fillRef idx="1">
-            <a:schemeClr val="accent1"/>
-          </a:fillRef>
-          <a:effectRef idx="0">
-            <a:schemeClr val="accent1"/>
-          </a:effectRef>
-          <a:fontRef idx="minor">
-            <a:schemeClr val="lt1"/>
-          </a:fontRef>
-        </p:style>
-        <p:txBody>
-          <a:bodyPr rtlCol="0" anchor="ctr"/>
-          <a:lstStyle/>
-          <a:p>
-            <a:pPr algn="ctr"/>
-            <a:endParaRPr lang="en-US"/>
-          </a:p>
-        </p:txBody>
-      </p:sp>
+      </p:cxnSp>
     </p:spTree>
     <p:extLst>
       <p:ext uri="{BB962C8B-B14F-4D97-AF65-F5344CB8AC3E}">
-        <p14:creationId xmlns:p14="http://schemas.microsoft.com/office/powerpoint/2010/main" val="1489229506"/>
+        <p14:creationId xmlns:p14="http://schemas.microsoft.com/office/powerpoint/2010/main" val="955222046"/>
       </p:ext>
     </p:extLst>
   </p:cSld>
@@ -3044,13 +1968,7 @@
       </p:grpSpPr>
       <p:sp>
         <p:nvSpPr>
-          <p:cNvPr id="2" name="Title 1">
-            <a:extLst>
-              <a:ext uri="{FF2B5EF4-FFF2-40B4-BE49-F238E27FC236}">
-                <a16:creationId xmlns:a16="http://schemas.microsoft.com/office/drawing/2014/main" id="{38915401-5318-7045-8AE3-B1A99F2D8220}"/>
-              </a:ext>
-            </a:extLst>
-          </p:cNvPr>
+          <p:cNvPr id="2" name="Title 1"/>
           <p:cNvSpPr>
             <a:spLocks noGrp="1"/>
           </p:cNvSpPr>
@@ -3067,18 +1985,13 @@
               <a:rPr lang="en-US"/>
               <a:t>Click to edit Master title style</a:t>
             </a:r>
-          </a:p>
-        </p:txBody>
-      </p:sp>
-      <p:sp>
-        <p:nvSpPr>
-          <p:cNvPr id="3" name="Date Placeholder 2">
-            <a:extLst>
-              <a:ext uri="{FF2B5EF4-FFF2-40B4-BE49-F238E27FC236}">
-                <a16:creationId xmlns:a16="http://schemas.microsoft.com/office/drawing/2014/main" id="{26E2F55F-EB76-AE49-B554-12B65B636A90}"/>
-              </a:ext>
-            </a:extLst>
-          </p:cNvPr>
+            <a:endParaRPr lang="en-US" dirty="0"/>
+          </a:p>
+        </p:txBody>
+      </p:sp>
+      <p:sp>
+        <p:nvSpPr>
+          <p:cNvPr id="3" name="Date Placeholder 2"/>
           <p:cNvSpPr>
             <a:spLocks noGrp="1"/>
           </p:cNvSpPr>
@@ -3093,7 +2006,7 @@
           <a:p>
             <a:fld id="{73C3BD54-29B9-3D42-B178-776ED395AA85}" type="datetimeFigureOut">
               <a:rPr lang="en-US" smtClean="0"/>
-              <a:t>10/31/2023</a:t>
+              <a:t>11/4/2023</a:t>
             </a:fld>
             <a:endParaRPr lang="en-US"/>
           </a:p>
@@ -3101,13 +2014,7 @@
       </p:sp>
       <p:sp>
         <p:nvSpPr>
-          <p:cNvPr id="4" name="Footer Placeholder 3">
-            <a:extLst>
-              <a:ext uri="{FF2B5EF4-FFF2-40B4-BE49-F238E27FC236}">
-                <a16:creationId xmlns:a16="http://schemas.microsoft.com/office/drawing/2014/main" id="{86CB6E6E-D81E-C44A-AC54-CBE0134C108F}"/>
-              </a:ext>
-            </a:extLst>
-          </p:cNvPr>
+          <p:cNvPr id="4" name="Footer Placeholder 3"/>
           <p:cNvSpPr>
             <a:spLocks noGrp="1"/>
           </p:cNvSpPr>
@@ -3126,13 +2033,7 @@
       </p:sp>
       <p:sp>
         <p:nvSpPr>
-          <p:cNvPr id="5" name="Slide Number Placeholder 4">
-            <a:extLst>
-              <a:ext uri="{FF2B5EF4-FFF2-40B4-BE49-F238E27FC236}">
-                <a16:creationId xmlns:a16="http://schemas.microsoft.com/office/drawing/2014/main" id="{92E025B9-9F46-3049-9977-0119B96D393C}"/>
-              </a:ext>
-            </a:extLst>
-          </p:cNvPr>
+          <p:cNvPr id="5" name="Slide Number Placeholder 4"/>
           <p:cNvSpPr>
             <a:spLocks noGrp="1"/>
           </p:cNvSpPr>
@@ -3153,172 +2054,41 @@
           </a:p>
         </p:txBody>
       </p:sp>
-      <p:sp>
-        <p:nvSpPr>
-          <p:cNvPr id="48" name="Rectangle 47">
-            <a:extLst>
-              <a:ext uri="{FF2B5EF4-FFF2-40B4-BE49-F238E27FC236}">
-                <a16:creationId xmlns:a16="http://schemas.microsoft.com/office/drawing/2014/main" id="{65760068-EADA-2B4B-9819-CF981184FAEB}"/>
-              </a:ext>
-            </a:extLst>
-          </p:cNvPr>
-          <p:cNvSpPr/>
+      <p:cxnSp>
+        <p:nvCxnSpPr>
+          <p:cNvPr id="25" name="Straight Connector 24"/>
+          <p:cNvCxnSpPr/>
           <p:nvPr/>
-        </p:nvSpPr>
+        </p:nvCxnSpPr>
         <p:spPr>
           <a:xfrm>
-            <a:off x="9881559" y="976630"/>
-            <a:ext cx="1336774" cy="120142"/>
+            <a:off x="1453896" y="1847088"/>
+            <a:ext cx="9607522" cy="0"/>
           </a:xfrm>
-          <a:prstGeom prst="rect">
+          <a:prstGeom prst="line">
             <a:avLst/>
           </a:prstGeom>
-          <a:solidFill>
-            <a:schemeClr val="tx1"/>
-          </a:solidFill>
-          <a:ln>
-            <a:noFill/>
-          </a:ln>
+          <a:ln w="31750"/>
         </p:spPr>
         <p:style>
-          <a:lnRef idx="2">
-            <a:schemeClr val="accent1">
-              <a:shade val="50000"/>
-            </a:schemeClr>
+          <a:lnRef idx="3">
+            <a:schemeClr val="accent1"/>
           </a:lnRef>
-          <a:fillRef idx="1">
+          <a:fillRef idx="0">
             <a:schemeClr val="accent1"/>
           </a:fillRef>
-          <a:effectRef idx="0">
+          <a:effectRef idx="2">
             <a:schemeClr val="accent1"/>
           </a:effectRef>
           <a:fontRef idx="minor">
-            <a:schemeClr val="lt1"/>
+            <a:schemeClr val="tx1"/>
           </a:fontRef>
         </p:style>
-        <p:txBody>
-          <a:bodyPr rtlCol="0" anchor="ctr"/>
-          <a:lstStyle/>
-          <a:p>
-            <a:pPr algn="ctr"/>
-            <a:endParaRPr lang="en-US"/>
-          </a:p>
-        </p:txBody>
-      </p:sp>
-      <p:sp>
-        <p:nvSpPr>
-          <p:cNvPr id="51" name="Rectangle 50">
-            <a:extLst>
-              <a:ext uri="{FF2B5EF4-FFF2-40B4-BE49-F238E27FC236}">
-                <a16:creationId xmlns:a16="http://schemas.microsoft.com/office/drawing/2014/main" id="{81DA7622-137E-184A-A93C-8DBB10318AE6}"/>
-              </a:ext>
-            </a:extLst>
-          </p:cNvPr>
-          <p:cNvSpPr/>
-          <p:nvPr/>
-        </p:nvSpPr>
-        <p:spPr>
-          <a:xfrm>
-            <a:off x="11738231" y="1096772"/>
-            <a:ext cx="453769" cy="5761228"/>
-          </a:xfrm>
-          <a:prstGeom prst="rect">
-            <a:avLst/>
-          </a:prstGeom>
-          <a:solidFill>
-            <a:schemeClr val="bg2"/>
-          </a:solidFill>
-          <a:ln>
-            <a:noFill/>
-          </a:ln>
-        </p:spPr>
-        <p:style>
-          <a:lnRef idx="2">
-            <a:schemeClr val="accent1">
-              <a:shade val="50000"/>
-            </a:schemeClr>
-          </a:lnRef>
-          <a:fillRef idx="1">
-            <a:schemeClr val="accent1"/>
-          </a:fillRef>
-          <a:effectRef idx="0">
-            <a:schemeClr val="accent1"/>
-          </a:effectRef>
-          <a:fontRef idx="minor">
-            <a:schemeClr val="lt1"/>
-          </a:fontRef>
-        </p:style>
-        <p:txBody>
-          <a:bodyPr rtlCol="0" anchor="ctr"/>
-          <a:lstStyle/>
-          <a:p>
-            <a:pPr algn="ctr"/>
-            <a:endParaRPr lang="en-US">
-              <a:solidFill>
-                <a:schemeClr val="bg2"/>
-              </a:solidFill>
-            </a:endParaRPr>
-          </a:p>
-        </p:txBody>
-      </p:sp>
-      <p:sp>
-        <p:nvSpPr>
-          <p:cNvPr id="9" name="Cross 8">
-            <a:extLst>
-              <a:ext uri="{FF2B5EF4-FFF2-40B4-BE49-F238E27FC236}">
-                <a16:creationId xmlns:a16="http://schemas.microsoft.com/office/drawing/2014/main" id="{54FB0990-6F8D-B048-8309-19B0D1A41033}"/>
-              </a:ext>
-            </a:extLst>
-          </p:cNvPr>
-          <p:cNvSpPr/>
-          <p:nvPr/>
-        </p:nvSpPr>
-        <p:spPr>
-          <a:xfrm>
-            <a:off x="11531286" y="5618903"/>
-            <a:ext cx="524933" cy="524933"/>
-          </a:xfrm>
-          <a:prstGeom prst="plus">
-            <a:avLst>
-              <a:gd name="adj" fmla="val 39516"/>
-            </a:avLst>
-          </a:prstGeom>
-          <a:solidFill>
-            <a:schemeClr val="tx1"/>
-          </a:solidFill>
-          <a:ln>
-            <a:noFill/>
-          </a:ln>
-        </p:spPr>
-        <p:style>
-          <a:lnRef idx="2">
-            <a:schemeClr val="accent1">
-              <a:shade val="50000"/>
-            </a:schemeClr>
-          </a:lnRef>
-          <a:fillRef idx="1">
-            <a:schemeClr val="accent1"/>
-          </a:fillRef>
-          <a:effectRef idx="0">
-            <a:schemeClr val="accent1"/>
-          </a:effectRef>
-          <a:fontRef idx="minor">
-            <a:schemeClr val="lt1"/>
-          </a:fontRef>
-        </p:style>
-        <p:txBody>
-          <a:bodyPr rtlCol="0" anchor="ctr"/>
-          <a:lstStyle/>
-          <a:p>
-            <a:pPr algn="ctr"/>
-            <a:endParaRPr lang="en-US"/>
-          </a:p>
-        </p:txBody>
-      </p:sp>
+      </p:cxnSp>
     </p:spTree>
     <p:extLst>
       <p:ext uri="{BB962C8B-B14F-4D97-AF65-F5344CB8AC3E}">
-        <p14:creationId xmlns:p14="http://schemas.microsoft.com/office/powerpoint/2010/main" val="2481610596"/>
+        <p14:creationId xmlns:p14="http://schemas.microsoft.com/office/powerpoint/2010/main" val="920175039"/>
       </p:ext>
     </p:extLst>
   </p:cSld>
@@ -3347,13 +2117,7 @@
       </p:grpSpPr>
       <p:sp>
         <p:nvSpPr>
-          <p:cNvPr id="2" name="Date Placeholder 1">
-            <a:extLst>
-              <a:ext uri="{FF2B5EF4-FFF2-40B4-BE49-F238E27FC236}">
-                <a16:creationId xmlns:a16="http://schemas.microsoft.com/office/drawing/2014/main" id="{5BAF81DD-2B1F-3444-8023-DD52318FE9F6}"/>
-              </a:ext>
-            </a:extLst>
-          </p:cNvPr>
+          <p:cNvPr id="2" name="Date Placeholder 1"/>
           <p:cNvSpPr>
             <a:spLocks noGrp="1"/>
           </p:cNvSpPr>
@@ -3368,7 +2132,7 @@
           <a:p>
             <a:fld id="{73C3BD54-29B9-3D42-B178-776ED395AA85}" type="datetimeFigureOut">
               <a:rPr lang="en-US" smtClean="0"/>
-              <a:t>10/31/2023</a:t>
+              <a:t>11/4/2023</a:t>
             </a:fld>
             <a:endParaRPr lang="en-US"/>
           </a:p>
@@ -3376,13 +2140,7 @@
       </p:sp>
       <p:sp>
         <p:nvSpPr>
-          <p:cNvPr id="3" name="Footer Placeholder 2">
-            <a:extLst>
-              <a:ext uri="{FF2B5EF4-FFF2-40B4-BE49-F238E27FC236}">
-                <a16:creationId xmlns:a16="http://schemas.microsoft.com/office/drawing/2014/main" id="{36927EE3-DAA3-D948-B8FD-48417540B525}"/>
-              </a:ext>
-            </a:extLst>
-          </p:cNvPr>
+          <p:cNvPr id="3" name="Footer Placeholder 2"/>
           <p:cNvSpPr>
             <a:spLocks noGrp="1"/>
           </p:cNvSpPr>
@@ -3401,13 +2159,7 @@
       </p:sp>
       <p:sp>
         <p:nvSpPr>
-          <p:cNvPr id="4" name="Slide Number Placeholder 3">
-            <a:extLst>
-              <a:ext uri="{FF2B5EF4-FFF2-40B4-BE49-F238E27FC236}">
-                <a16:creationId xmlns:a16="http://schemas.microsoft.com/office/drawing/2014/main" id="{BC4532D4-FFBF-6C47-A6C9-D55196D91B87}"/>
-              </a:ext>
-            </a:extLst>
-          </p:cNvPr>
+          <p:cNvPr id="4" name="Slide Number Placeholder 3"/>
           <p:cNvSpPr>
             <a:spLocks noGrp="1"/>
           </p:cNvSpPr>
@@ -3428,168 +2180,10 @@
           </a:p>
         </p:txBody>
       </p:sp>
-      <p:sp>
-        <p:nvSpPr>
-          <p:cNvPr id="47" name="Rectangle 46">
-            <a:extLst>
-              <a:ext uri="{FF2B5EF4-FFF2-40B4-BE49-F238E27FC236}">
-                <a16:creationId xmlns:a16="http://schemas.microsoft.com/office/drawing/2014/main" id="{DB8D5541-7726-BA46-8BFA-BF6AA8D42BD7}"/>
-              </a:ext>
-            </a:extLst>
-          </p:cNvPr>
-          <p:cNvSpPr/>
-          <p:nvPr/>
-        </p:nvSpPr>
-        <p:spPr>
-          <a:xfrm>
-            <a:off x="-1" y="1096772"/>
-            <a:ext cx="263565" cy="5761228"/>
-          </a:xfrm>
-          <a:prstGeom prst="rect">
-            <a:avLst/>
-          </a:prstGeom>
-          <a:solidFill>
-            <a:schemeClr val="bg2"/>
-          </a:solidFill>
-          <a:ln>
-            <a:noFill/>
-          </a:ln>
-        </p:spPr>
-        <p:style>
-          <a:lnRef idx="2">
-            <a:schemeClr val="accent1">
-              <a:shade val="50000"/>
-            </a:schemeClr>
-          </a:lnRef>
-          <a:fillRef idx="1">
-            <a:schemeClr val="accent1"/>
-          </a:fillRef>
-          <a:effectRef idx="0">
-            <a:schemeClr val="accent1"/>
-          </a:effectRef>
-          <a:fontRef idx="minor">
-            <a:schemeClr val="lt1"/>
-          </a:fontRef>
-        </p:style>
-        <p:txBody>
-          <a:bodyPr rtlCol="0" anchor="ctr"/>
-          <a:lstStyle/>
-          <a:p>
-            <a:pPr algn="ctr"/>
-            <a:endParaRPr lang="en-US"/>
-          </a:p>
-        </p:txBody>
-      </p:sp>
-      <p:sp>
-        <p:nvSpPr>
-          <p:cNvPr id="48" name="Cross 47">
-            <a:extLst>
-              <a:ext uri="{FF2B5EF4-FFF2-40B4-BE49-F238E27FC236}">
-                <a16:creationId xmlns:a16="http://schemas.microsoft.com/office/drawing/2014/main" id="{97F434CF-7503-CE4F-8426-C312C6315AD0}"/>
-              </a:ext>
-            </a:extLst>
-          </p:cNvPr>
-          <p:cNvSpPr/>
-          <p:nvPr/>
-        </p:nvSpPr>
-        <p:spPr>
-          <a:xfrm>
-            <a:off x="58248" y="5618903"/>
-            <a:ext cx="524933" cy="524933"/>
-          </a:xfrm>
-          <a:prstGeom prst="plus">
-            <a:avLst>
-              <a:gd name="adj" fmla="val 39516"/>
-            </a:avLst>
-          </a:prstGeom>
-          <a:solidFill>
-            <a:schemeClr val="tx1"/>
-          </a:solidFill>
-          <a:ln>
-            <a:noFill/>
-          </a:ln>
-        </p:spPr>
-        <p:style>
-          <a:lnRef idx="2">
-            <a:schemeClr val="accent1">
-              <a:shade val="50000"/>
-            </a:schemeClr>
-          </a:lnRef>
-          <a:fillRef idx="1">
-            <a:schemeClr val="accent1"/>
-          </a:fillRef>
-          <a:effectRef idx="0">
-            <a:schemeClr val="accent1"/>
-          </a:effectRef>
-          <a:fontRef idx="minor">
-            <a:schemeClr val="lt1"/>
-          </a:fontRef>
-        </p:style>
-        <p:txBody>
-          <a:bodyPr rtlCol="0" anchor="ctr"/>
-          <a:lstStyle/>
-          <a:p>
-            <a:pPr algn="ctr"/>
-            <a:endParaRPr lang="en-US"/>
-          </a:p>
-        </p:txBody>
-      </p:sp>
-      <p:sp>
-        <p:nvSpPr>
-          <p:cNvPr id="49" name="Rectangle 48">
-            <a:extLst>
-              <a:ext uri="{FF2B5EF4-FFF2-40B4-BE49-F238E27FC236}">
-                <a16:creationId xmlns:a16="http://schemas.microsoft.com/office/drawing/2014/main" id="{FEDBFB2F-FE34-E349-9484-C275FBE31614}"/>
-              </a:ext>
-            </a:extLst>
-          </p:cNvPr>
-          <p:cNvSpPr/>
-          <p:nvPr/>
-        </p:nvSpPr>
-        <p:spPr>
-          <a:xfrm>
-            <a:off x="9881559" y="976630"/>
-            <a:ext cx="1336774" cy="120142"/>
-          </a:xfrm>
-          <a:prstGeom prst="rect">
-            <a:avLst/>
-          </a:prstGeom>
-          <a:solidFill>
-            <a:schemeClr val="tx1"/>
-          </a:solidFill>
-          <a:ln>
-            <a:noFill/>
-          </a:ln>
-        </p:spPr>
-        <p:style>
-          <a:lnRef idx="2">
-            <a:schemeClr val="accent1">
-              <a:shade val="50000"/>
-            </a:schemeClr>
-          </a:lnRef>
-          <a:fillRef idx="1">
-            <a:schemeClr val="accent1"/>
-          </a:fillRef>
-          <a:effectRef idx="0">
-            <a:schemeClr val="accent1"/>
-          </a:effectRef>
-          <a:fontRef idx="minor">
-            <a:schemeClr val="lt1"/>
-          </a:fontRef>
-        </p:style>
-        <p:txBody>
-          <a:bodyPr rtlCol="0" anchor="ctr"/>
-          <a:lstStyle/>
-          <a:p>
-            <a:pPr algn="ctr"/>
-            <a:endParaRPr lang="en-US"/>
-          </a:p>
-        </p:txBody>
-      </p:sp>
     </p:spTree>
     <p:extLst>
       <p:ext uri="{BB962C8B-B14F-4D97-AF65-F5344CB8AC3E}">
-        <p14:creationId xmlns:p14="http://schemas.microsoft.com/office/powerpoint/2010/main" val="2397545368"/>
+        <p14:creationId xmlns:p14="http://schemas.microsoft.com/office/powerpoint/2010/main" val="2597327015"/>
       </p:ext>
     </p:extLst>
   </p:cSld>
@@ -3618,13 +2212,7 @@
       </p:grpSpPr>
       <p:sp>
         <p:nvSpPr>
-          <p:cNvPr id="2" name="Title 1">
-            <a:extLst>
-              <a:ext uri="{FF2B5EF4-FFF2-40B4-BE49-F238E27FC236}">
-                <a16:creationId xmlns:a16="http://schemas.microsoft.com/office/drawing/2014/main" id="{3692DCFD-BEE6-AC49-BABD-D8B89C3B69D0}"/>
-              </a:ext>
-            </a:extLst>
-          </p:cNvPr>
+          <p:cNvPr id="2" name="Title 1"/>
           <p:cNvSpPr>
             <a:spLocks noGrp="1"/>
           </p:cNvSpPr>
@@ -3634,8 +2222,8 @@
         </p:nvSpPr>
         <p:spPr>
           <a:xfrm>
-            <a:off x="565149" y="1203800"/>
-            <a:ext cx="4114800" cy="1077218"/>
+            <a:off x="1444671" y="798973"/>
+            <a:ext cx="3273099" cy="2247117"/>
           </a:xfrm>
         </p:spPr>
         <p:txBody>
@@ -3643,27 +2231,22 @@
             <a:normAutofit/>
           </a:bodyPr>
           <a:lstStyle>
-            <a:lvl1pPr>
-              <a:defRPr sz="3200"/>
+            <a:lvl1pPr algn="l">
+              <a:defRPr sz="2400"/>
             </a:lvl1pPr>
           </a:lstStyle>
           <a:p>
             <a:r>
-              <a:rPr lang="en-US" dirty="0"/>
+              <a:rPr lang="en-US"/>
               <a:t>Click to edit Master title style</a:t>
             </a:r>
-          </a:p>
-        </p:txBody>
-      </p:sp>
-      <p:sp>
-        <p:nvSpPr>
-          <p:cNvPr id="3" name="Content Placeholder 2">
-            <a:extLst>
-              <a:ext uri="{FF2B5EF4-FFF2-40B4-BE49-F238E27FC236}">
-                <a16:creationId xmlns:a16="http://schemas.microsoft.com/office/drawing/2014/main" id="{431DE035-8260-4443-B1D9-A9C8D584039E}"/>
-              </a:ext>
-            </a:extLst>
-          </p:cNvPr>
+            <a:endParaRPr lang="en-US" dirty="0"/>
+          </a:p>
+        </p:txBody>
+      </p:sp>
+      <p:sp>
+        <p:nvSpPr>
+          <p:cNvPr id="3" name="Content Placeholder 2"/>
           <p:cNvSpPr>
             <a:spLocks noGrp="1"/>
           </p:cNvSpPr>
@@ -3673,104 +2256,71 @@
         </p:nvSpPr>
         <p:spPr>
           <a:xfrm>
-            <a:off x="5611813" y="1508252"/>
-            <a:ext cx="5606518" cy="4045881"/>
+            <a:off x="5043714" y="798974"/>
+            <a:ext cx="6012470" cy="4658826"/>
           </a:xfrm>
         </p:spPr>
         <p:txBody>
+          <a:bodyPr anchor="ctr"/>
+          <a:lstStyle/>
+          <a:p>
+            <a:pPr lvl="0"/>
+            <a:r>
+              <a:rPr lang="en-US"/>
+              <a:t>Click to edit Master text styles</a:t>
+            </a:r>
+          </a:p>
+          <a:p>
+            <a:pPr lvl="1"/>
+            <a:r>
+              <a:rPr lang="en-US"/>
+              <a:t>Second level</a:t>
+            </a:r>
+          </a:p>
+          <a:p>
+            <a:pPr lvl="2"/>
+            <a:r>
+              <a:rPr lang="en-US"/>
+              <a:t>Third level</a:t>
+            </a:r>
+          </a:p>
+          <a:p>
+            <a:pPr lvl="3"/>
+            <a:r>
+              <a:rPr lang="en-US"/>
+              <a:t>Fourth level</a:t>
+            </a:r>
+          </a:p>
+          <a:p>
+            <a:pPr lvl="4"/>
+            <a:r>
+              <a:rPr lang="en-US"/>
+              <a:t>Fifth level</a:t>
+            </a:r>
+            <a:endParaRPr lang="en-US" dirty="0"/>
+          </a:p>
+        </p:txBody>
+      </p:sp>
+      <p:sp>
+        <p:nvSpPr>
+          <p:cNvPr id="4" name="Text Placeholder 3"/>
+          <p:cNvSpPr>
+            <a:spLocks noGrp="1"/>
+          </p:cNvSpPr>
+          <p:nvPr>
+            <p:ph type="body" sz="half" idx="2"/>
+          </p:nvPr>
+        </p:nvSpPr>
+        <p:spPr>
+          <a:xfrm>
+            <a:off x="1444671" y="3205491"/>
+            <a:ext cx="3275013" cy="2248181"/>
+          </a:xfrm>
+        </p:spPr>
+        <p:txBody>
           <a:bodyPr/>
           <a:lstStyle>
-            <a:lvl1pPr>
-              <a:defRPr sz="2800"/>
-            </a:lvl1pPr>
-            <a:lvl2pPr>
-              <a:defRPr sz="2400"/>
-            </a:lvl2pPr>
-            <a:lvl3pPr>
-              <a:defRPr sz="2000"/>
-            </a:lvl3pPr>
-            <a:lvl4pPr>
-              <a:defRPr sz="1800"/>
-            </a:lvl4pPr>
-            <a:lvl5pPr>
-              <a:defRPr sz="1600"/>
-            </a:lvl5pPr>
-            <a:lvl6pPr>
-              <a:defRPr sz="2000"/>
-            </a:lvl6pPr>
-            <a:lvl7pPr>
-              <a:defRPr sz="2000"/>
-            </a:lvl7pPr>
-            <a:lvl8pPr>
-              <a:defRPr sz="2000"/>
-            </a:lvl8pPr>
-            <a:lvl9pPr>
-              <a:defRPr sz="2000"/>
-            </a:lvl9pPr>
-          </a:lstStyle>
-          <a:p>
-            <a:pPr lvl="0"/>
-            <a:r>
-              <a:rPr lang="en-US" dirty="0"/>
-              <a:t>Click to edit Master text styles</a:t>
-            </a:r>
-          </a:p>
-          <a:p>
-            <a:pPr lvl="1"/>
-            <a:r>
-              <a:rPr lang="en-US" dirty="0"/>
-              <a:t>Second level</a:t>
-            </a:r>
-          </a:p>
-          <a:p>
-            <a:pPr lvl="2"/>
-            <a:r>
-              <a:rPr lang="en-US" dirty="0"/>
-              <a:t>Third level</a:t>
-            </a:r>
-          </a:p>
-          <a:p>
-            <a:pPr lvl="3"/>
-            <a:r>
-              <a:rPr lang="en-US" dirty="0"/>
-              <a:t>Fourth level</a:t>
-            </a:r>
-          </a:p>
-          <a:p>
-            <a:pPr lvl="4"/>
-            <a:r>
-              <a:rPr lang="en-US" dirty="0"/>
-              <a:t>Fifth level</a:t>
-            </a:r>
-          </a:p>
-        </p:txBody>
-      </p:sp>
-      <p:sp>
-        <p:nvSpPr>
-          <p:cNvPr id="4" name="Text Placeholder 3">
-            <a:extLst>
-              <a:ext uri="{FF2B5EF4-FFF2-40B4-BE49-F238E27FC236}">
-                <a16:creationId xmlns:a16="http://schemas.microsoft.com/office/drawing/2014/main" id="{CCC1AA53-7507-D04B-9B8E-6A4F7122ECA5}"/>
-              </a:ext>
-            </a:extLst>
-          </p:cNvPr>
-          <p:cNvSpPr>
-            <a:spLocks noGrp="1"/>
-          </p:cNvSpPr>
-          <p:nvPr>
-            <p:ph type="body" sz="half" idx="2"/>
-          </p:nvPr>
-        </p:nvSpPr>
-        <p:spPr>
-          <a:xfrm>
-            <a:off x="565149" y="2368295"/>
-            <a:ext cx="4114800" cy="3185838"/>
-          </a:xfrm>
-        </p:spPr>
-        <p:txBody>
-          <a:bodyPr/>
-          <a:lstStyle>
-            <a:lvl1pPr marL="0" indent="0">
+            <a:lvl1pPr marL="0" indent="0" algn="l">
               <a:buNone/>
               <a:defRPr sz="1600"/>
             </a:lvl1pPr>
@@ -3818,13 +2368,7 @@
       </p:sp>
       <p:sp>
         <p:nvSpPr>
-          <p:cNvPr id="5" name="Date Placeholder 4">
-            <a:extLst>
-              <a:ext uri="{FF2B5EF4-FFF2-40B4-BE49-F238E27FC236}">
-                <a16:creationId xmlns:a16="http://schemas.microsoft.com/office/drawing/2014/main" id="{A356E11F-3003-0745-ACAB-FAA4E676EFCD}"/>
-              </a:ext>
-            </a:extLst>
-          </p:cNvPr>
+          <p:cNvPr id="5" name="Date Placeholder 4"/>
           <p:cNvSpPr>
             <a:spLocks noGrp="1"/>
           </p:cNvSpPr>
@@ -3839,7 +2383,7 @@
           <a:p>
             <a:fld id="{73C3BD54-29B9-3D42-B178-776ED395AA85}" type="datetimeFigureOut">
               <a:rPr lang="en-US" smtClean="0"/>
-              <a:t>10/31/2023</a:t>
+              <a:t>11/4/2023</a:t>
             </a:fld>
             <a:endParaRPr lang="en-US"/>
           </a:p>
@@ -3847,13 +2391,7 @@
       </p:sp>
       <p:sp>
         <p:nvSpPr>
-          <p:cNvPr id="6" name="Footer Placeholder 5">
-            <a:extLst>
-              <a:ext uri="{FF2B5EF4-FFF2-40B4-BE49-F238E27FC236}">
-                <a16:creationId xmlns:a16="http://schemas.microsoft.com/office/drawing/2014/main" id="{92BC11A6-59AC-FE45-8A1C-9DDC00582A70}"/>
-              </a:ext>
-            </a:extLst>
-          </p:cNvPr>
+          <p:cNvPr id="6" name="Footer Placeholder 5"/>
           <p:cNvSpPr>
             <a:spLocks noGrp="1"/>
           </p:cNvSpPr>
@@ -3872,13 +2410,7 @@
       </p:sp>
       <p:sp>
         <p:nvSpPr>
-          <p:cNvPr id="7" name="Slide Number Placeholder 6">
-            <a:extLst>
-              <a:ext uri="{FF2B5EF4-FFF2-40B4-BE49-F238E27FC236}">
-                <a16:creationId xmlns:a16="http://schemas.microsoft.com/office/drawing/2014/main" id="{CAD6F51E-1A94-034C-BBEE-C26A3AF0E815}"/>
-              </a:ext>
-            </a:extLst>
-          </p:cNvPr>
+          <p:cNvPr id="7" name="Slide Number Placeholder 6"/>
           <p:cNvSpPr>
             <a:spLocks noGrp="1"/>
           </p:cNvSpPr>
@@ -3899,168 +2431,41 @@
           </a:p>
         </p:txBody>
       </p:sp>
-      <p:sp>
-        <p:nvSpPr>
-          <p:cNvPr id="50" name="Rectangle 49">
-            <a:extLst>
-              <a:ext uri="{FF2B5EF4-FFF2-40B4-BE49-F238E27FC236}">
-                <a16:creationId xmlns:a16="http://schemas.microsoft.com/office/drawing/2014/main" id="{50B7D330-76C0-224C-9C3C-27C4D2B0DDB4}"/>
-              </a:ext>
-            </a:extLst>
-          </p:cNvPr>
-          <p:cNvSpPr/>
+      <p:cxnSp>
+        <p:nvCxnSpPr>
+          <p:cNvPr id="17" name="Straight Connector 16"/>
+          <p:cNvCxnSpPr/>
           <p:nvPr/>
-        </p:nvSpPr>
+        </p:nvCxnSpPr>
         <p:spPr>
           <a:xfrm>
-            <a:off x="9881559" y="976630"/>
-            <a:ext cx="1336774" cy="120142"/>
+            <a:off x="1448280" y="3205491"/>
+            <a:ext cx="3269490" cy="0"/>
           </a:xfrm>
-          <a:prstGeom prst="rect">
+          <a:prstGeom prst="line">
             <a:avLst/>
           </a:prstGeom>
-          <a:solidFill>
-            <a:schemeClr val="tx1"/>
-          </a:solidFill>
-          <a:ln>
-            <a:noFill/>
-          </a:ln>
+          <a:ln w="31750"/>
         </p:spPr>
         <p:style>
-          <a:lnRef idx="2">
-            <a:schemeClr val="accent1">
-              <a:shade val="50000"/>
-            </a:schemeClr>
+          <a:lnRef idx="3">
+            <a:schemeClr val="accent1"/>
           </a:lnRef>
-          <a:fillRef idx="1">
+          <a:fillRef idx="0">
             <a:schemeClr val="accent1"/>
           </a:fillRef>
-          <a:effectRef idx="0">
+          <a:effectRef idx="2">
             <a:schemeClr val="accent1"/>
           </a:effectRef>
           <a:fontRef idx="minor">
-            <a:schemeClr val="lt1"/>
+            <a:schemeClr val="tx1"/>
           </a:fontRef>
         </p:style>
-        <p:txBody>
-          <a:bodyPr rtlCol="0" anchor="ctr"/>
-          <a:lstStyle/>
-          <a:p>
-            <a:pPr algn="ctr"/>
-            <a:endParaRPr lang="en-US"/>
-          </a:p>
-        </p:txBody>
-      </p:sp>
-      <p:sp>
-        <p:nvSpPr>
-          <p:cNvPr id="53" name="Rectangle 52">
-            <a:extLst>
-              <a:ext uri="{FF2B5EF4-FFF2-40B4-BE49-F238E27FC236}">
-                <a16:creationId xmlns:a16="http://schemas.microsoft.com/office/drawing/2014/main" id="{35464D55-5C51-844B-A38A-8143590FB934}"/>
-              </a:ext>
-            </a:extLst>
-          </p:cNvPr>
-          <p:cNvSpPr/>
-          <p:nvPr/>
-        </p:nvSpPr>
-        <p:spPr>
-          <a:xfrm>
-            <a:off x="-1" y="1096772"/>
-            <a:ext cx="263565" cy="5761228"/>
-          </a:xfrm>
-          <a:prstGeom prst="rect">
-            <a:avLst/>
-          </a:prstGeom>
-          <a:solidFill>
-            <a:schemeClr val="bg2"/>
-          </a:solidFill>
-          <a:ln>
-            <a:noFill/>
-          </a:ln>
-        </p:spPr>
-        <p:style>
-          <a:lnRef idx="2">
-            <a:schemeClr val="accent1">
-              <a:shade val="50000"/>
-            </a:schemeClr>
-          </a:lnRef>
-          <a:fillRef idx="1">
-            <a:schemeClr val="accent1"/>
-          </a:fillRef>
-          <a:effectRef idx="0">
-            <a:schemeClr val="accent1"/>
-          </a:effectRef>
-          <a:fontRef idx="minor">
-            <a:schemeClr val="lt1"/>
-          </a:fontRef>
-        </p:style>
-        <p:txBody>
-          <a:bodyPr rtlCol="0" anchor="ctr"/>
-          <a:lstStyle/>
-          <a:p>
-            <a:pPr algn="ctr"/>
-            <a:endParaRPr lang="en-US"/>
-          </a:p>
-        </p:txBody>
-      </p:sp>
-      <p:sp>
-        <p:nvSpPr>
-          <p:cNvPr id="11" name="Cross 10">
-            <a:extLst>
-              <a:ext uri="{FF2B5EF4-FFF2-40B4-BE49-F238E27FC236}">
-                <a16:creationId xmlns:a16="http://schemas.microsoft.com/office/drawing/2014/main" id="{FD988250-C554-DE44-B887-57D0B2AA8E37}"/>
-              </a:ext>
-            </a:extLst>
-          </p:cNvPr>
-          <p:cNvSpPr/>
-          <p:nvPr/>
-        </p:nvSpPr>
-        <p:spPr>
-          <a:xfrm>
-            <a:off x="58248" y="5618903"/>
-            <a:ext cx="524933" cy="524933"/>
-          </a:xfrm>
-          <a:prstGeom prst="plus">
-            <a:avLst>
-              <a:gd name="adj" fmla="val 39516"/>
-            </a:avLst>
-          </a:prstGeom>
-          <a:solidFill>
-            <a:schemeClr val="tx1"/>
-          </a:solidFill>
-          <a:ln>
-            <a:noFill/>
-          </a:ln>
-        </p:spPr>
-        <p:style>
-          <a:lnRef idx="2">
-            <a:schemeClr val="accent1">
-              <a:shade val="50000"/>
-            </a:schemeClr>
-          </a:lnRef>
-          <a:fillRef idx="1">
-            <a:schemeClr val="accent1"/>
-          </a:fillRef>
-          <a:effectRef idx="0">
-            <a:schemeClr val="accent1"/>
-          </a:effectRef>
-          <a:fontRef idx="minor">
-            <a:schemeClr val="lt1"/>
-          </a:fontRef>
-        </p:style>
-        <p:txBody>
-          <a:bodyPr rtlCol="0" anchor="ctr"/>
-          <a:lstStyle/>
-          <a:p>
-            <a:pPr algn="ctr"/>
-            <a:endParaRPr lang="en-US"/>
-          </a:p>
-        </p:txBody>
-      </p:sp>
+      </p:cxnSp>
     </p:spTree>
     <p:extLst>
       <p:ext uri="{BB962C8B-B14F-4D97-AF65-F5344CB8AC3E}">
-        <p14:creationId xmlns:p14="http://schemas.microsoft.com/office/powerpoint/2010/main" val="1154701956"/>
+        <p14:creationId xmlns:p14="http://schemas.microsoft.com/office/powerpoint/2010/main" val="859953983"/>
       </p:ext>
     </p:extLst>
   </p:cSld>
@@ -4087,15 +2492,143 @@
           <a:chExt cx="0" cy="0"/>
         </a:xfrm>
       </p:grpSpPr>
-      <p:sp>
-        <p:nvSpPr>
-          <p:cNvPr id="2" name="Title 1">
-            <a:extLst>
-              <a:ext uri="{FF2B5EF4-FFF2-40B4-BE49-F238E27FC236}">
-                <a16:creationId xmlns:a16="http://schemas.microsoft.com/office/drawing/2014/main" id="{C8686C7C-36AD-9A4E-8524-8F44E8839EA8}"/>
-              </a:ext>
-            </a:extLst>
-          </p:cNvPr>
+      <p:grpSp>
+        <p:nvGrpSpPr>
+          <p:cNvPr id="8" name="Group 7"/>
+          <p:cNvGrpSpPr/>
+          <p:nvPr/>
+        </p:nvGrpSpPr>
+        <p:grpSpPr>
+          <a:xfrm>
+            <a:off x="7477387" y="482170"/>
+            <a:ext cx="4074533" cy="5149101"/>
+            <a:chOff x="7477387" y="482170"/>
+            <a:chExt cx="4074533" cy="5149101"/>
+          </a:xfrm>
+        </p:grpSpPr>
+        <p:sp>
+          <p:nvSpPr>
+            <p:cNvPr id="18" name="Rectangle 17"/>
+            <p:cNvSpPr/>
+            <p:nvPr/>
+          </p:nvSpPr>
+          <p:spPr bwMode="black">
+            <a:xfrm>
+              <a:off x="7477387" y="482170"/>
+              <a:ext cx="4074533" cy="5149101"/>
+            </a:xfrm>
+            <a:prstGeom prst="rect">
+              <a:avLst/>
+            </a:prstGeom>
+            <a:gradFill>
+              <a:gsLst>
+                <a:gs pos="0">
+                  <a:srgbClr val="000001"/>
+                </a:gs>
+                <a:gs pos="100000">
+                  <a:srgbClr val="191919"/>
+                </a:gs>
+              </a:gsLst>
+            </a:gradFill>
+            <a:ln w="76200" cmpd="sng">
+              <a:noFill/>
+              <a:miter lim="800000"/>
+            </a:ln>
+            <a:effectLst>
+              <a:outerShdw blurRad="127000" dist="228600" dir="4740000" sx="98000" sy="98000" algn="tl" rotWithShape="0">
+                <a:srgbClr val="000000">
+                  <a:alpha val="34000"/>
+                </a:srgbClr>
+              </a:outerShdw>
+            </a:effectLst>
+            <a:scene3d>
+              <a:camera prst="orthographicFront"/>
+              <a:lightRig rig="threePt" dir="t"/>
+            </a:scene3d>
+            <a:sp3d>
+              <a:bevelT w="152400" h="50800" prst="softRound"/>
+            </a:sp3d>
+          </p:spPr>
+          <p:style>
+            <a:lnRef idx="1">
+              <a:schemeClr val="accent1"/>
+            </a:lnRef>
+            <a:fillRef idx="3">
+              <a:schemeClr val="accent1"/>
+            </a:fillRef>
+            <a:effectRef idx="2">
+              <a:schemeClr val="accent1"/>
+            </a:effectRef>
+            <a:fontRef idx="minor">
+              <a:schemeClr val="lt1"/>
+            </a:fontRef>
+          </p:style>
+        </p:sp>
+        <p:sp>
+          <p:nvSpPr>
+            <p:cNvPr id="19" name="Rectangle 18"/>
+            <p:cNvSpPr/>
+            <p:nvPr/>
+          </p:nvSpPr>
+          <p:spPr bwMode="blackWhite">
+            <a:xfrm>
+              <a:off x="7790446" y="812506"/>
+              <a:ext cx="3450289" cy="4466452"/>
+            </a:xfrm>
+            <a:prstGeom prst="rect">
+              <a:avLst/>
+            </a:prstGeom>
+            <a:gradFill>
+              <a:gsLst>
+                <a:gs pos="0">
+                  <a:srgbClr val="DADADA"/>
+                </a:gs>
+                <a:gs pos="100000">
+                  <a:srgbClr val="FFFFFE"/>
+                </a:gs>
+              </a:gsLst>
+              <a:lin ang="16200000" scaled="0"/>
+            </a:gradFill>
+            <a:ln w="50800" cmpd="sng">
+              <a:solidFill>
+                <a:srgbClr val="191919"/>
+              </a:solidFill>
+              <a:miter lim="800000"/>
+            </a:ln>
+            <a:effectLst>
+              <a:innerShdw blurRad="63500" dist="88900" dir="14100000">
+                <a:srgbClr val="000000">
+                  <a:alpha val="30000"/>
+                </a:srgbClr>
+              </a:innerShdw>
+            </a:effectLst>
+            <a:scene3d>
+              <a:camera prst="orthographicFront"/>
+              <a:lightRig rig="threePt" dir="t"/>
+            </a:scene3d>
+            <a:sp3d>
+              <a:bevelT prst="relaxedInset"/>
+            </a:sp3d>
+          </p:spPr>
+          <p:style>
+            <a:lnRef idx="1">
+              <a:schemeClr val="accent1"/>
+            </a:lnRef>
+            <a:fillRef idx="3">
+              <a:schemeClr val="accent1"/>
+            </a:fillRef>
+            <a:effectRef idx="2">
+              <a:schemeClr val="accent1"/>
+            </a:effectRef>
+            <a:fontRef idx="minor">
+              <a:schemeClr val="lt1"/>
+            </a:fontRef>
+          </p:style>
+        </p:sp>
+      </p:grpSp>
+      <p:sp>
+        <p:nvSpPr>
+          <p:cNvPr id="2" name="Title 1"/>
           <p:cNvSpPr>
             <a:spLocks noGrp="1"/>
           </p:cNvSpPr>
@@ -4105,8 +2638,8 @@
         </p:nvSpPr>
         <p:spPr>
           <a:xfrm>
-            <a:off x="565149" y="1203800"/>
-            <a:ext cx="4114800" cy="1077218"/>
+            <a:off x="1451206" y="1129513"/>
+            <a:ext cx="5532328" cy="1830584"/>
           </a:xfrm>
         </p:spPr>
         <p:txBody>
@@ -4123,20 +2656,15 @@
               <a:rPr lang="en-US"/>
               <a:t>Click to edit Master title style</a:t>
             </a:r>
-          </a:p>
-        </p:txBody>
-      </p:sp>
-      <p:sp>
-        <p:nvSpPr>
-          <p:cNvPr id="3" name="Picture Placeholder 2">
-            <a:extLst>
-              <a:ext uri="{FF2B5EF4-FFF2-40B4-BE49-F238E27FC236}">
-                <a16:creationId xmlns:a16="http://schemas.microsoft.com/office/drawing/2014/main" id="{A1015248-4C80-3348-A8A9-6C9F5D32FCE3}"/>
-              </a:ext>
-            </a:extLst>
-          </p:cNvPr>
-          <p:cNvSpPr>
-            <a:spLocks noGrp="1"/>
+            <a:endParaRPr lang="en-US" dirty="0"/>
+          </a:p>
+        </p:txBody>
+      </p:sp>
+      <p:sp>
+        <p:nvSpPr>
+          <p:cNvPr id="3" name="Picture Placeholder 2"/>
+          <p:cNvSpPr>
+            <a:spLocks noGrp="1" noChangeAspect="1"/>
           </p:cNvSpPr>
           <p:nvPr>
             <p:ph type="pic" idx="1"/>
@@ -4144,17 +2672,24 @@
         </p:nvSpPr>
         <p:spPr>
           <a:xfrm>
-            <a:off x="5631151" y="1096772"/>
-            <a:ext cx="6096270" cy="5761228"/>
+            <a:off x="8124389" y="1122542"/>
+            <a:ext cx="2791171" cy="3866327"/>
           </a:xfrm>
           <a:solidFill>
-            <a:schemeClr val="bg2"/>
+            <a:schemeClr val="bg1">
+              <a:lumMod val="85000"/>
+            </a:schemeClr>
           </a:solidFill>
+          <a:ln w="9525" cap="sq">
+            <a:noFill/>
+            <a:miter lim="800000"/>
+          </a:ln>
+          <a:effectLst/>
         </p:spPr>
         <p:txBody>
-          <a:bodyPr/>
+          <a:bodyPr anchor="t"/>
           <a:lstStyle>
-            <a:lvl1pPr marL="0" indent="0">
+            <a:lvl1pPr marL="0" indent="0" algn="ctr">
               <a:buNone/>
               <a:defRPr sz="3200"/>
             </a:lvl1pPr>
@@ -4192,19 +2727,17 @@
             </a:lvl9pPr>
           </a:lstStyle>
           <a:p>
-            <a:endParaRPr lang="en-US"/>
-          </a:p>
-        </p:txBody>
-      </p:sp>
-      <p:sp>
-        <p:nvSpPr>
-          <p:cNvPr id="4" name="Text Placeholder 3">
-            <a:extLst>
-              <a:ext uri="{FF2B5EF4-FFF2-40B4-BE49-F238E27FC236}">
-                <a16:creationId xmlns:a16="http://schemas.microsoft.com/office/drawing/2014/main" id="{D74B3083-CA16-C54A-B130-7BEE6DF9D815}"/>
-              </a:ext>
-            </a:extLst>
-          </p:cNvPr>
+            <a:r>
+              <a:rPr lang="en-US"/>
+              <a:t>Click icon to add picture</a:t>
+            </a:r>
+            <a:endParaRPr lang="en-US" dirty="0"/>
+          </a:p>
+        </p:txBody>
+      </p:sp>
+      <p:sp>
+        <p:nvSpPr>
+          <p:cNvPr id="4" name="Text Placeholder 3"/>
           <p:cNvSpPr>
             <a:spLocks noGrp="1"/>
           </p:cNvSpPr>
@@ -4214,16 +2747,18 @@
         </p:nvSpPr>
         <p:spPr>
           <a:xfrm>
-            <a:off x="565149" y="2370666"/>
-            <a:ext cx="4114800" cy="3183467"/>
+            <a:off x="1450329" y="3145992"/>
+            <a:ext cx="5524404" cy="2003742"/>
           </a:xfrm>
         </p:spPr>
         <p:txBody>
-          <a:bodyPr/>
+          <a:bodyPr>
+            <a:normAutofit/>
+          </a:bodyPr>
           <a:lstStyle>
-            <a:lvl1pPr marL="0" indent="0">
-              <a:buNone/>
-              <a:defRPr sz="1600"/>
+            <a:lvl1pPr marL="0" indent="0" algn="l">
+              <a:buNone/>
+              <a:defRPr sz="1800"/>
             </a:lvl1pPr>
             <a:lvl2pPr marL="457200" indent="0">
               <a:buNone/>
@@ -4269,13 +2804,7 @@
       </p:sp>
       <p:sp>
         <p:nvSpPr>
-          <p:cNvPr id="5" name="Date Placeholder 4">
-            <a:extLst>
-              <a:ext uri="{FF2B5EF4-FFF2-40B4-BE49-F238E27FC236}">
-                <a16:creationId xmlns:a16="http://schemas.microsoft.com/office/drawing/2014/main" id="{A93C6EB5-D7D1-E247-B9D7-D319E5AAB962}"/>
-              </a:ext>
-            </a:extLst>
-          </p:cNvPr>
+          <p:cNvPr id="5" name="Date Placeholder 4"/>
           <p:cNvSpPr>
             <a:spLocks noGrp="1"/>
           </p:cNvSpPr>
@@ -4283,53 +2812,55 @@
             <p:ph type="dt" sz="half" idx="10"/>
           </p:nvPr>
         </p:nvSpPr>
-        <p:spPr/>
+        <p:spPr>
+          <a:xfrm>
+            <a:off x="1447382" y="5469856"/>
+            <a:ext cx="5527351" cy="320123"/>
+          </a:xfrm>
+        </p:spPr>
+        <p:txBody>
+          <a:bodyPr/>
+          <a:lstStyle>
+            <a:lvl1pPr algn="l">
+              <a:defRPr/>
+            </a:lvl1pPr>
+          </a:lstStyle>
+          <a:p>
+            <a:fld id="{73C3BD54-29B9-3D42-B178-776ED395AA85}" type="datetimeFigureOut">
+              <a:rPr lang="en-US" smtClean="0"/>
+              <a:t>11/4/2023</a:t>
+            </a:fld>
+            <a:endParaRPr lang="en-US"/>
+          </a:p>
+        </p:txBody>
+      </p:sp>
+      <p:sp>
+        <p:nvSpPr>
+          <p:cNvPr id="6" name="Footer Placeholder 5"/>
+          <p:cNvSpPr>
+            <a:spLocks noGrp="1"/>
+          </p:cNvSpPr>
+          <p:nvPr>
+            <p:ph type="ftr" sz="quarter" idx="11"/>
+          </p:nvPr>
+        </p:nvSpPr>
+        <p:spPr>
+          <a:xfrm>
+            <a:off x="1447382" y="318640"/>
+            <a:ext cx="5541004" cy="320931"/>
+          </a:xfrm>
+        </p:spPr>
         <p:txBody>
           <a:bodyPr/>
           <a:lstStyle/>
           <a:p>
-            <a:fld id="{73C3BD54-29B9-3D42-B178-776ED395AA85}" type="datetimeFigureOut">
-              <a:rPr lang="en-US" smtClean="0"/>
-              <a:t>10/31/2023</a:t>
-            </a:fld>
             <a:endParaRPr lang="en-US"/>
           </a:p>
         </p:txBody>
       </p:sp>
       <p:sp>
         <p:nvSpPr>
-          <p:cNvPr id="6" name="Footer Placeholder 5">
-            <a:extLst>
-              <a:ext uri="{FF2B5EF4-FFF2-40B4-BE49-F238E27FC236}">
-                <a16:creationId xmlns:a16="http://schemas.microsoft.com/office/drawing/2014/main" id="{75FBF6CC-F5C4-9847-BADB-8B7441C8F323}"/>
-              </a:ext>
-            </a:extLst>
-          </p:cNvPr>
-          <p:cNvSpPr>
-            <a:spLocks noGrp="1"/>
-          </p:cNvSpPr>
-          <p:nvPr>
-            <p:ph type="ftr" sz="quarter" idx="11"/>
-          </p:nvPr>
-        </p:nvSpPr>
-        <p:spPr/>
-        <p:txBody>
-          <a:bodyPr/>
-          <a:lstStyle/>
-          <a:p>
-            <a:endParaRPr lang="en-US"/>
-          </a:p>
-        </p:txBody>
-      </p:sp>
-      <p:sp>
-        <p:nvSpPr>
-          <p:cNvPr id="7" name="Slide Number Placeholder 6">
-            <a:extLst>
-              <a:ext uri="{FF2B5EF4-FFF2-40B4-BE49-F238E27FC236}">
-                <a16:creationId xmlns:a16="http://schemas.microsoft.com/office/drawing/2014/main" id="{88763FE4-B2F5-7741-B517-533F1C98CE1B}"/>
-              </a:ext>
-            </a:extLst>
-          </p:cNvPr>
+          <p:cNvPr id="7" name="Slide Number Placeholder 6"/>
           <p:cNvSpPr>
             <a:spLocks noGrp="1"/>
           </p:cNvSpPr>
@@ -4350,29 +2881,100 @@
           </a:p>
         </p:txBody>
       </p:sp>
-      <p:sp>
-        <p:nvSpPr>
-          <p:cNvPr id="54" name="Rectangle 53">
-            <a:extLst>
-              <a:ext uri="{FF2B5EF4-FFF2-40B4-BE49-F238E27FC236}">
-                <a16:creationId xmlns:a16="http://schemas.microsoft.com/office/drawing/2014/main" id="{AB80A771-7D8E-0F4A-93A3-B977667D338E}"/>
-              </a:ext>
-            </a:extLst>
-          </p:cNvPr>
+      <p:cxnSp>
+        <p:nvCxnSpPr>
+          <p:cNvPr id="31" name="Straight Connector 30"/>
+          <p:cNvCxnSpPr/>
+          <p:nvPr/>
+        </p:nvCxnSpPr>
+        <p:spPr>
+          <a:xfrm>
+            <a:off x="1447382" y="3143605"/>
+            <a:ext cx="5527351" cy="0"/>
+          </a:xfrm>
+          <a:prstGeom prst="line">
+            <a:avLst/>
+          </a:prstGeom>
+          <a:ln w="31750"/>
+        </p:spPr>
+        <p:style>
+          <a:lnRef idx="3">
+            <a:schemeClr val="accent1"/>
+          </a:lnRef>
+          <a:fillRef idx="0">
+            <a:schemeClr val="accent1"/>
+          </a:fillRef>
+          <a:effectRef idx="2">
+            <a:schemeClr val="accent1"/>
+          </a:effectRef>
+          <a:fontRef idx="minor">
+            <a:schemeClr val="tx1"/>
+          </a:fontRef>
+        </p:style>
+      </p:cxnSp>
+    </p:spTree>
+    <p:extLst>
+      <p:ext uri="{BB962C8B-B14F-4D97-AF65-F5344CB8AC3E}">
+        <p14:creationId xmlns:p14="http://schemas.microsoft.com/office/powerpoint/2010/main" val="3070920235"/>
+      </p:ext>
+    </p:extLst>
+  </p:cSld>
+  <p:clrMapOvr>
+    <a:masterClrMapping/>
+  </p:clrMapOvr>
+</p:sldLayout>
+</file>
+
+<file path=ppt/slideMasters/slideMaster1.xml><?xml version="1.0" encoding="utf-8"?>
+<p:sldMaster xmlns:a="http://schemas.openxmlformats.org/drawingml/2006/main" xmlns:r="http://schemas.openxmlformats.org/officeDocument/2006/relationships" xmlns:p="http://schemas.openxmlformats.org/presentationml/2006/main">
+  <p:cSld>
+    <p:bg>
+      <p:bgRef idx="1003">
+        <a:schemeClr val="bg2"/>
+      </p:bgRef>
+    </p:bg>
+    <p:spTree>
+      <p:nvGrpSpPr>
+        <p:cNvPr id="1" name=""/>
+        <p:cNvGrpSpPr/>
+        <p:nvPr/>
+      </p:nvGrpSpPr>
+      <p:grpSpPr>
+        <a:xfrm>
+          <a:off x="0" y="0"/>
+          <a:ext cx="0" cy="0"/>
+          <a:chOff x="0" y="0"/>
+          <a:chExt cx="0" cy="0"/>
+        </a:xfrm>
+      </p:grpSpPr>
+      <p:sp>
+        <p:nvSpPr>
+          <p:cNvPr id="8" name="Rectangle 7"/>
           <p:cNvSpPr/>
           <p:nvPr/>
         </p:nvSpPr>
         <p:spPr>
           <a:xfrm>
-            <a:off x="9881559" y="976630"/>
-            <a:ext cx="1336774" cy="120142"/>
+            <a:off x="0" y="2019476"/>
+            <a:ext cx="12192000" cy="4105941"/>
           </a:xfrm>
           <a:prstGeom prst="rect">
             <a:avLst/>
           </a:prstGeom>
-          <a:solidFill>
-            <a:schemeClr val="tx1"/>
-          </a:solidFill>
+          <a:gradFill flip="none" rotWithShape="1">
+            <a:gsLst>
+              <a:gs pos="0">
+                <a:schemeClr val="bg2">
+                  <a:alpha val="0"/>
+                </a:schemeClr>
+              </a:gs>
+              <a:gs pos="100000">
+                <a:schemeClr val="bg2"/>
+              </a:gs>
+            </a:gsLst>
+            <a:lin ang="5400000" scaled="0"/>
+            <a:tileRect/>
+          </a:gradFill>
           <a:ln>
             <a:noFill/>
           </a:ln>
@@ -4393,426 +2995,323 @@
             <a:schemeClr val="lt1"/>
           </a:fontRef>
         </p:style>
-        <p:txBody>
-          <a:bodyPr rtlCol="0" anchor="ctr"/>
-          <a:lstStyle/>
-          <a:p>
-            <a:pPr algn="ctr"/>
-            <a:endParaRPr lang="en-US"/>
-          </a:p>
-        </p:txBody>
-      </p:sp>
-      <p:sp>
-        <p:nvSpPr>
-          <p:cNvPr id="56" name="Rectangle 55">
+      </p:sp>
+      <p:pic>
+        <p:nvPicPr>
+          <p:cNvPr id="7" name="Picture 6"/>
+          <p:cNvPicPr>
+            <a:picLocks noChangeAspect="1"/>
+          </p:cNvPicPr>
+          <p:nvPr/>
+        </p:nvPicPr>
+        <p:blipFill rotWithShape="1">
+          <a:blip r:embed="rId13">
             <a:extLst>
-              <a:ext uri="{FF2B5EF4-FFF2-40B4-BE49-F238E27FC236}">
-                <a16:creationId xmlns:a16="http://schemas.microsoft.com/office/drawing/2014/main" id="{2C9320FA-0E3A-2749-9085-DF30FA26F4BD}"/>
+              <a:ext uri="{28A0092B-C50C-407E-A947-70E740481C1C}">
+                <a14:useLocalDpi xmlns:a14="http://schemas.microsoft.com/office/drawing/2010/main" val="0"/>
               </a:ext>
             </a:extLst>
-          </p:cNvPr>
-          <p:cNvSpPr/>
-          <p:nvPr/>
-        </p:nvSpPr>
-        <p:spPr>
+          </a:blip>
+          <a:srcRect t="1538" b="-1538"/>
+          <a:stretch/>
+        </p:blipFill>
+        <p:spPr bwMode="black">
           <a:xfrm>
-            <a:off x="-1" y="1096772"/>
-            <a:ext cx="263565" cy="5761228"/>
+            <a:off x="0" y="6126480"/>
+            <a:ext cx="12192000" cy="742950"/>
           </a:xfrm>
           <a:prstGeom prst="rect">
             <a:avLst/>
           </a:prstGeom>
-          <a:solidFill>
-            <a:schemeClr val="bg2"/>
-          </a:solidFill>
-          <a:ln>
-            <a:noFill/>
+        </p:spPr>
+      </p:pic>
+      <p:sp>
+        <p:nvSpPr>
+          <p:cNvPr id="2" name="Title Placeholder 1"/>
+          <p:cNvSpPr>
+            <a:spLocks noGrp="1"/>
+          </p:cNvSpPr>
+          <p:nvPr>
+            <p:ph type="title"/>
+          </p:nvPr>
+        </p:nvSpPr>
+        <p:spPr>
+          <a:xfrm>
+            <a:off x="1451579" y="804519"/>
+            <a:ext cx="9603275" cy="1049235"/>
+          </a:xfrm>
+          <a:prstGeom prst="rect">
+            <a:avLst/>
+          </a:prstGeom>
+        </p:spPr>
+        <p:txBody>
+          <a:bodyPr vert="horz" lIns="91440" tIns="45720" rIns="91440" bIns="45720" rtlCol="0" anchor="t">
+            <a:normAutofit/>
+          </a:bodyPr>
+          <a:lstStyle/>
+          <a:p>
+            <a:r>
+              <a:rPr lang="en-US"/>
+              <a:t>Click to edit Master title style</a:t>
+            </a:r>
+            <a:endParaRPr lang="en-US" dirty="0"/>
+          </a:p>
+        </p:txBody>
+      </p:sp>
+      <p:sp>
+        <p:nvSpPr>
+          <p:cNvPr id="3" name="Text Placeholder 2"/>
+          <p:cNvSpPr>
+            <a:spLocks noGrp="1"/>
+          </p:cNvSpPr>
+          <p:nvPr>
+            <p:ph type="body" idx="1"/>
+          </p:nvPr>
+        </p:nvSpPr>
+        <p:spPr>
+          <a:xfrm>
+            <a:off x="1451579" y="2015732"/>
+            <a:ext cx="9603275" cy="3450613"/>
+          </a:xfrm>
+          <a:prstGeom prst="rect">
+            <a:avLst/>
+          </a:prstGeom>
+        </p:spPr>
+        <p:txBody>
+          <a:bodyPr vert="horz" lIns="91440" tIns="45720" rIns="91440" bIns="45720" rtlCol="0">
+            <a:normAutofit/>
+          </a:bodyPr>
+          <a:lstStyle/>
+          <a:p>
+            <a:pPr lvl="0"/>
+            <a:r>
+              <a:rPr lang="en-US"/>
+              <a:t>Click to edit Master text styles</a:t>
+            </a:r>
+          </a:p>
+          <a:p>
+            <a:pPr lvl="1"/>
+            <a:r>
+              <a:rPr lang="en-US"/>
+              <a:t>Second level</a:t>
+            </a:r>
+          </a:p>
+          <a:p>
+            <a:pPr lvl="2"/>
+            <a:r>
+              <a:rPr lang="en-US"/>
+              <a:t>Third level</a:t>
+            </a:r>
+          </a:p>
+          <a:p>
+            <a:pPr lvl="3"/>
+            <a:r>
+              <a:rPr lang="en-US"/>
+              <a:t>Fourth level</a:t>
+            </a:r>
+          </a:p>
+          <a:p>
+            <a:pPr lvl="4"/>
+            <a:r>
+              <a:rPr lang="en-US"/>
+              <a:t>Fifth level</a:t>
+            </a:r>
+            <a:endParaRPr lang="en-US" dirty="0"/>
+          </a:p>
+        </p:txBody>
+      </p:sp>
+      <p:sp>
+        <p:nvSpPr>
+          <p:cNvPr id="4" name="Date Placeholder 3"/>
+          <p:cNvSpPr>
+            <a:spLocks noGrp="1"/>
+          </p:cNvSpPr>
+          <p:nvPr>
+            <p:ph type="dt" sz="half" idx="2"/>
+          </p:nvPr>
+        </p:nvSpPr>
+        <p:spPr>
+          <a:xfrm>
+            <a:off x="7554138" y="330370"/>
+            <a:ext cx="3500715" cy="309201"/>
+          </a:xfrm>
+          <a:prstGeom prst="rect">
+            <a:avLst/>
+          </a:prstGeom>
+        </p:spPr>
+        <p:txBody>
+          <a:bodyPr vert="horz" lIns="91440" tIns="45720" rIns="91440" bIns="45720" rtlCol="0" anchor="ctr"/>
+          <a:lstStyle>
+            <a:lvl1pPr algn="r">
+              <a:defRPr sz="1000">
+                <a:solidFill>
+                  <a:schemeClr val="tx1">
+                    <a:tint val="75000"/>
+                  </a:schemeClr>
+                </a:solidFill>
+              </a:defRPr>
+            </a:lvl1pPr>
+          </a:lstStyle>
+          <a:p>
+            <a:fld id="{73C3BD54-29B9-3D42-B178-776ED395AA85}" type="datetimeFigureOut">
+              <a:rPr lang="en-US" smtClean="0"/>
+              <a:pPr/>
+              <a:t>11/4/2023</a:t>
+            </a:fld>
+            <a:endParaRPr lang="en-US" dirty="0"/>
+          </a:p>
+        </p:txBody>
+      </p:sp>
+      <p:sp>
+        <p:nvSpPr>
+          <p:cNvPr id="5" name="Footer Placeholder 4"/>
+          <p:cNvSpPr>
+            <a:spLocks noGrp="1"/>
+          </p:cNvSpPr>
+          <p:nvPr>
+            <p:ph type="ftr" sz="quarter" idx="3"/>
+          </p:nvPr>
+        </p:nvSpPr>
+        <p:spPr>
+          <a:xfrm>
+            <a:off x="1451579" y="329307"/>
+            <a:ext cx="5938836" cy="309201"/>
+          </a:xfrm>
+          <a:prstGeom prst="rect">
+            <a:avLst/>
+          </a:prstGeom>
+        </p:spPr>
+        <p:txBody>
+          <a:bodyPr vert="horz" lIns="91440" tIns="45720" rIns="91440" bIns="45720" rtlCol="0" anchor="ctr"/>
+          <a:lstStyle>
+            <a:lvl1pPr algn="l">
+              <a:defRPr sz="1000">
+                <a:solidFill>
+                  <a:schemeClr val="tx1">
+                    <a:tint val="75000"/>
+                  </a:schemeClr>
+                </a:solidFill>
+              </a:defRPr>
+            </a:lvl1pPr>
+          </a:lstStyle>
+          <a:p>
+            <a:endParaRPr lang="en-US" dirty="0"/>
+          </a:p>
+        </p:txBody>
+      </p:sp>
+      <p:sp>
+        <p:nvSpPr>
+          <p:cNvPr id="6" name="Slide Number Placeholder 5"/>
+          <p:cNvSpPr>
+            <a:spLocks noGrp="1"/>
+          </p:cNvSpPr>
+          <p:nvPr>
+            <p:ph type="sldNum" sz="quarter" idx="4"/>
+          </p:nvPr>
+        </p:nvSpPr>
+        <p:spPr>
+          <a:xfrm>
+            <a:off x="480060" y="798973"/>
+            <a:ext cx="811019" cy="503578"/>
+          </a:xfrm>
+          <a:prstGeom prst="rect">
+            <a:avLst/>
+          </a:prstGeom>
+        </p:spPr>
+        <p:txBody>
+          <a:bodyPr vert="horz" lIns="91440" tIns="45720" rIns="91440" bIns="45720" rtlCol="0" anchor="t"/>
+          <a:lstStyle>
+            <a:lvl1pPr algn="r">
+              <a:defRPr sz="2800">
+                <a:solidFill>
+                  <a:schemeClr val="accent1"/>
+                </a:solidFill>
+              </a:defRPr>
+            </a:lvl1pPr>
+          </a:lstStyle>
+          <a:p>
+            <a:fld id="{86BB3423-611C-6944-BA94-F2572F362413}" type="slidenum">
+              <a:rPr lang="en-US" smtClean="0"/>
+              <a:pPr/>
+              <a:t>‹#›</a:t>
+            </a:fld>
+            <a:endParaRPr lang="en-US"/>
+          </a:p>
+        </p:txBody>
+      </p:sp>
+      <p:cxnSp>
+        <p:nvCxnSpPr>
+          <p:cNvPr id="10" name="Straight Connector 9"/>
+          <p:cNvCxnSpPr/>
+          <p:nvPr/>
+        </p:nvCxnSpPr>
+        <p:spPr>
+          <a:xfrm>
+            <a:off x="0" y="6128413"/>
+            <a:ext cx="12192000" cy="0"/>
+          </a:xfrm>
+          <a:prstGeom prst="line">
+            <a:avLst/>
+          </a:prstGeom>
+          <a:ln w="12700">
+            <a:solidFill>
+              <a:srgbClr val="000001">
+                <a:alpha val="20000"/>
+              </a:srgbClr>
+            </a:solidFill>
           </a:ln>
         </p:spPr>
         <p:style>
-          <a:lnRef idx="2">
-            <a:schemeClr val="accent1">
-              <a:shade val="50000"/>
-            </a:schemeClr>
+          <a:lnRef idx="1">
+            <a:schemeClr val="accent1"/>
           </a:lnRef>
-          <a:fillRef idx="1">
+          <a:fillRef idx="0">
             <a:schemeClr val="accent1"/>
           </a:fillRef>
           <a:effectRef idx="0">
             <a:schemeClr val="accent1"/>
           </a:effectRef>
           <a:fontRef idx="minor">
-            <a:schemeClr val="lt1"/>
+            <a:schemeClr val="tx1"/>
           </a:fontRef>
         </p:style>
-        <p:txBody>
-          <a:bodyPr rtlCol="0" anchor="ctr"/>
-          <a:lstStyle/>
-          <a:p>
-            <a:pPr algn="ctr"/>
-            <a:endParaRPr lang="en-US"/>
-          </a:p>
-        </p:txBody>
-      </p:sp>
-      <p:sp>
-        <p:nvSpPr>
-          <p:cNvPr id="11" name="Cross 10">
-            <a:extLst>
-              <a:ext uri="{FF2B5EF4-FFF2-40B4-BE49-F238E27FC236}">
-                <a16:creationId xmlns:a16="http://schemas.microsoft.com/office/drawing/2014/main" id="{5A3DF5D0-8A2C-A049-9132-EE1EF7D014D4}"/>
-              </a:ext>
-            </a:extLst>
-          </p:cNvPr>
-          <p:cNvSpPr/>
-          <p:nvPr/>
-        </p:nvSpPr>
-        <p:spPr>
-          <a:xfrm>
-            <a:off x="58248" y="5618903"/>
-            <a:ext cx="524933" cy="524933"/>
-          </a:xfrm>
-          <a:prstGeom prst="plus">
-            <a:avLst>
-              <a:gd name="adj" fmla="val 39516"/>
-            </a:avLst>
-          </a:prstGeom>
-          <a:solidFill>
-            <a:schemeClr val="tx1"/>
-          </a:solidFill>
-          <a:ln>
-            <a:noFill/>
-          </a:ln>
-        </p:spPr>
-        <p:style>
-          <a:lnRef idx="2">
-            <a:schemeClr val="accent1">
-              <a:shade val="50000"/>
-            </a:schemeClr>
-          </a:lnRef>
-          <a:fillRef idx="1">
-            <a:schemeClr val="accent1"/>
-          </a:fillRef>
-          <a:effectRef idx="0">
-            <a:schemeClr val="accent1"/>
-          </a:effectRef>
-          <a:fontRef idx="minor">
-            <a:schemeClr val="lt1"/>
-          </a:fontRef>
-        </p:style>
-        <p:txBody>
-          <a:bodyPr rtlCol="0" anchor="ctr"/>
-          <a:lstStyle/>
-          <a:p>
-            <a:pPr algn="ctr"/>
-            <a:endParaRPr lang="en-US"/>
-          </a:p>
-        </p:txBody>
-      </p:sp>
+      </p:cxnSp>
     </p:spTree>
     <p:extLst>
       <p:ext uri="{BB962C8B-B14F-4D97-AF65-F5344CB8AC3E}">
-        <p14:creationId xmlns:p14="http://schemas.microsoft.com/office/powerpoint/2010/main" val="1550531414"/>
-      </p:ext>
-    </p:extLst>
-  </p:cSld>
-  <p:clrMapOvr>
-    <a:masterClrMapping/>
-  </p:clrMapOvr>
-</p:sldLayout>
-</file>
-
-<file path=ppt/slideMasters/slideMaster1.xml><?xml version="1.0" encoding="utf-8"?>
-<p:sldMaster xmlns:a="http://schemas.openxmlformats.org/drawingml/2006/main" xmlns:r="http://schemas.openxmlformats.org/officeDocument/2006/relationships" xmlns:p="http://schemas.openxmlformats.org/presentationml/2006/main">
-  <p:cSld>
-    <p:bg>
-      <p:bgRef idx="1001">
-        <a:schemeClr val="bg1"/>
-      </p:bgRef>
-    </p:bg>
-    <p:spTree>
-      <p:nvGrpSpPr>
-        <p:cNvPr id="1" name=""/>
-        <p:cNvGrpSpPr/>
-        <p:nvPr/>
-      </p:nvGrpSpPr>
-      <p:grpSpPr>
-        <a:xfrm>
-          <a:off x="0" y="0"/>
-          <a:ext cx="0" cy="0"/>
-          <a:chOff x="0" y="0"/>
-          <a:chExt cx="0" cy="0"/>
-        </a:xfrm>
-      </p:grpSpPr>
-      <p:sp>
-        <p:nvSpPr>
-          <p:cNvPr id="2" name="Title Placeholder 1">
-            <a:extLst>
-              <a:ext uri="{FF2B5EF4-FFF2-40B4-BE49-F238E27FC236}">
-                <a16:creationId xmlns:a16="http://schemas.microsoft.com/office/drawing/2014/main" id="{88952BFD-D607-6845-9C7B-1C8D3B4EE760}"/>
-              </a:ext>
-            </a:extLst>
-          </p:cNvPr>
-          <p:cNvSpPr>
-            <a:spLocks noGrp="1"/>
-          </p:cNvSpPr>
-          <p:nvPr>
-            <p:ph type="title"/>
-          </p:nvPr>
-        </p:nvSpPr>
-        <p:spPr>
-          <a:xfrm>
-            <a:off x="565149" y="1204721"/>
-            <a:ext cx="8267296" cy="1446550"/>
-          </a:xfrm>
-          <a:prstGeom prst="rect">
-            <a:avLst/>
-          </a:prstGeom>
-        </p:spPr>
-        <p:txBody>
-          <a:bodyPr vert="horz" lIns="91440" tIns="45720" rIns="91440" bIns="45720" rtlCol="0" anchor="t">
-            <a:normAutofit/>
-          </a:bodyPr>
-          <a:lstStyle/>
-          <a:p>
-            <a:r>
-              <a:rPr lang="en-US"/>
-              <a:t>Click to edit Master title style</a:t>
-            </a:r>
-          </a:p>
-        </p:txBody>
-      </p:sp>
-      <p:sp>
-        <p:nvSpPr>
-          <p:cNvPr id="3" name="Text Placeholder 2">
-            <a:extLst>
-              <a:ext uri="{FF2B5EF4-FFF2-40B4-BE49-F238E27FC236}">
-                <a16:creationId xmlns:a16="http://schemas.microsoft.com/office/drawing/2014/main" id="{EEBB52FF-3B04-8245-BF0B-89C9E293362A}"/>
-              </a:ext>
-            </a:extLst>
-          </p:cNvPr>
-          <p:cNvSpPr>
-            <a:spLocks noGrp="1"/>
-          </p:cNvSpPr>
-          <p:nvPr>
-            <p:ph type="body" idx="1"/>
-          </p:nvPr>
-        </p:nvSpPr>
-        <p:spPr>
-          <a:xfrm>
-            <a:off x="565150" y="2691638"/>
-            <a:ext cx="8267296" cy="3188586"/>
-          </a:xfrm>
-          <a:prstGeom prst="rect">
-            <a:avLst/>
-          </a:prstGeom>
-        </p:spPr>
-        <p:txBody>
-          <a:bodyPr vert="horz" lIns="91440" tIns="45720" rIns="91440" bIns="45720" rtlCol="0">
-            <a:normAutofit/>
-          </a:bodyPr>
-          <a:lstStyle/>
-          <a:p>
-            <a:pPr lvl="0"/>
-            <a:r>
-              <a:rPr lang="en-US" dirty="0"/>
-              <a:t>Click to edit Master text styles</a:t>
-            </a:r>
-          </a:p>
-          <a:p>
-            <a:pPr lvl="1"/>
-            <a:r>
-              <a:rPr lang="en-US" dirty="0"/>
-              <a:t>Second level</a:t>
-            </a:r>
-          </a:p>
-          <a:p>
-            <a:pPr lvl="2"/>
-            <a:r>
-              <a:rPr lang="en-US" dirty="0"/>
-              <a:t>Third level</a:t>
-            </a:r>
-          </a:p>
-          <a:p>
-            <a:pPr lvl="3"/>
-            <a:r>
-              <a:rPr lang="en-US" dirty="0"/>
-              <a:t>Fourth level</a:t>
-            </a:r>
-          </a:p>
-          <a:p>
-            <a:pPr lvl="4"/>
-            <a:r>
-              <a:rPr lang="en-US" dirty="0"/>
-              <a:t>Fifth level</a:t>
-            </a:r>
-          </a:p>
-        </p:txBody>
-      </p:sp>
-      <p:sp>
-        <p:nvSpPr>
-          <p:cNvPr id="4" name="Date Placeholder 3">
-            <a:extLst>
-              <a:ext uri="{FF2B5EF4-FFF2-40B4-BE49-F238E27FC236}">
-                <a16:creationId xmlns:a16="http://schemas.microsoft.com/office/drawing/2014/main" id="{EDA99BFE-CBDD-C344-A21E-44A52F11B662}"/>
-              </a:ext>
-            </a:extLst>
-          </p:cNvPr>
-          <p:cNvSpPr>
-            <a:spLocks noGrp="1"/>
-          </p:cNvSpPr>
-          <p:nvPr>
-            <p:ph type="dt" sz="half" idx="2"/>
-          </p:nvPr>
-        </p:nvSpPr>
-        <p:spPr>
-          <a:xfrm>
-            <a:off x="565149" y="5949696"/>
-            <a:ext cx="4114800" cy="365125"/>
-          </a:xfrm>
-          <a:prstGeom prst="rect">
-            <a:avLst/>
-          </a:prstGeom>
-        </p:spPr>
-        <p:txBody>
-          <a:bodyPr vert="horz" lIns="91440" tIns="45720" rIns="91440" bIns="45720" rtlCol="0" anchor="ctr" anchorCtr="0"/>
-          <a:lstStyle>
-            <a:lvl1pPr algn="l">
-              <a:defRPr lang="en-US" sz="1050" smtClean="0">
-                <a:latin typeface="+mn-lt"/>
-              </a:defRPr>
-            </a:lvl1pPr>
-          </a:lstStyle>
-          <a:p>
-            <a:fld id="{73C3BD54-29B9-3D42-B178-776ED395AA85}" type="datetimeFigureOut">
-              <a:rPr lang="en-US" smtClean="0"/>
-              <a:pPr/>
-              <a:t>10/31/2023</a:t>
-            </a:fld>
-            <a:endParaRPr lang="en-US" dirty="0"/>
-          </a:p>
-        </p:txBody>
-      </p:sp>
-      <p:sp>
-        <p:nvSpPr>
-          <p:cNvPr id="5" name="Footer Placeholder 4">
-            <a:extLst>
-              <a:ext uri="{FF2B5EF4-FFF2-40B4-BE49-F238E27FC236}">
-                <a16:creationId xmlns:a16="http://schemas.microsoft.com/office/drawing/2014/main" id="{BDC371C0-3DCE-0743-946F-C7540DD7895F}"/>
-              </a:ext>
-            </a:extLst>
-          </p:cNvPr>
-          <p:cNvSpPr>
-            <a:spLocks noGrp="1"/>
-          </p:cNvSpPr>
-          <p:nvPr>
-            <p:ph type="ftr" sz="quarter" idx="3"/>
-          </p:nvPr>
-        </p:nvSpPr>
-        <p:spPr>
-          <a:xfrm>
-            <a:off x="565150" y="543179"/>
-            <a:ext cx="4114800" cy="246888"/>
-          </a:xfrm>
-          <a:prstGeom prst="rect">
-            <a:avLst/>
-          </a:prstGeom>
-        </p:spPr>
-        <p:txBody>
-          <a:bodyPr vert="horz" lIns="91440" tIns="45720" rIns="91440" bIns="45720" rtlCol="0" anchor="ctr" anchorCtr="0"/>
-          <a:lstStyle>
-            <a:lvl1pPr algn="l">
-              <a:defRPr lang="en-US" sz="1050">
-                <a:latin typeface="+mn-lt"/>
-              </a:defRPr>
-            </a:lvl1pPr>
-          </a:lstStyle>
-          <a:p>
-            <a:endParaRPr lang="en-US" dirty="0"/>
-          </a:p>
-        </p:txBody>
-      </p:sp>
-      <p:sp>
-        <p:nvSpPr>
-          <p:cNvPr id="6" name="Slide Number Placeholder 5">
-            <a:extLst>
-              <a:ext uri="{FF2B5EF4-FFF2-40B4-BE49-F238E27FC236}">
-                <a16:creationId xmlns:a16="http://schemas.microsoft.com/office/drawing/2014/main" id="{E6E32ADB-4517-194F-8B4B-A9D26B3C02E3}"/>
-              </a:ext>
-            </a:extLst>
-          </p:cNvPr>
-          <p:cNvSpPr>
-            <a:spLocks noGrp="1"/>
-          </p:cNvSpPr>
-          <p:nvPr>
-            <p:ph type="sldNum" sz="quarter" idx="4"/>
-          </p:nvPr>
-        </p:nvSpPr>
-        <p:spPr>
-          <a:xfrm>
-            <a:off x="10813024" y="511175"/>
-            <a:ext cx="914400" cy="310896"/>
-          </a:xfrm>
-          <a:prstGeom prst="rect">
-            <a:avLst/>
-          </a:prstGeom>
-        </p:spPr>
-        <p:txBody>
-          <a:bodyPr vert="horz" lIns="91440" tIns="45720" rIns="91440" bIns="45720" rtlCol="0" anchor="ctr"/>
-          <a:lstStyle>
-            <a:lvl1pPr algn="r">
-              <a:defRPr sz="1400" b="0" i="0">
-                <a:solidFill>
-                  <a:schemeClr val="tx1"/>
-                </a:solidFill>
-                <a:latin typeface="+mn-lt"/>
-              </a:defRPr>
-            </a:lvl1pPr>
-          </a:lstStyle>
-          <a:p>
-            <a:fld id="{86BB3423-611C-6944-BA94-F2572F362413}" type="slidenum">
-              <a:rPr lang="en-US" smtClean="0"/>
-              <a:pPr/>
-              <a:t>‹#›</a:t>
-            </a:fld>
-            <a:endParaRPr lang="en-US"/>
-          </a:p>
-        </p:txBody>
-      </p:sp>
-    </p:spTree>
-    <p:extLst>
-      <p:ext uri="{BB962C8B-B14F-4D97-AF65-F5344CB8AC3E}">
-        <p14:creationId xmlns:p14="http://schemas.microsoft.com/office/powerpoint/2010/main" val="2767248895"/>
+        <p14:creationId xmlns:p14="http://schemas.microsoft.com/office/powerpoint/2010/main" val="2755745416"/>
       </p:ext>
     </p:extLst>
   </p:cSld>
   <p:clrMap bg1="lt1" tx1="dk1" bg2="lt2" tx2="dk2" accent1="accent1" accent2="accent2" accent3="accent3" accent4="accent4" accent5="accent5" accent6="accent6" hlink="hlink" folHlink="folHlink"/>
   <p:sldLayoutIdLst>
-    <p:sldLayoutId id="2147483675" r:id="rId1"/>
-    <p:sldLayoutId id="2147483676" r:id="rId2"/>
-    <p:sldLayoutId id="2147483677" r:id="rId3"/>
-    <p:sldLayoutId id="2147483678" r:id="rId4"/>
-    <p:sldLayoutId id="2147483679" r:id="rId5"/>
-    <p:sldLayoutId id="2147483680" r:id="rId6"/>
-    <p:sldLayoutId id="2147483681" r:id="rId7"/>
-    <p:sldLayoutId id="2147483682" r:id="rId8"/>
-    <p:sldLayoutId id="2147483683" r:id="rId9"/>
-    <p:sldLayoutId id="2147483684" r:id="rId10"/>
-    <p:sldLayoutId id="2147483685" r:id="rId11"/>
+    <p:sldLayoutId id="2147483688" r:id="rId1"/>
+    <p:sldLayoutId id="2147483689" r:id="rId2"/>
+    <p:sldLayoutId id="2147483690" r:id="rId3"/>
+    <p:sldLayoutId id="2147483691" r:id="rId4"/>
+    <p:sldLayoutId id="2147483692" r:id="rId5"/>
+    <p:sldLayoutId id="2147483693" r:id="rId6"/>
+    <p:sldLayoutId id="2147483694" r:id="rId7"/>
+    <p:sldLayoutId id="2147483695" r:id="rId8"/>
+    <p:sldLayoutId id="2147483696" r:id="rId9"/>
+    <p:sldLayoutId id="2147483697" r:id="rId10"/>
+    <p:sldLayoutId id="2147483698" r:id="rId11"/>
   </p:sldLayoutIdLst>
   <p:txStyles>
     <p:titleStyle>
       <a:lvl1pPr algn="l" defTabSz="914400" rtl="0" eaLnBrk="1" latinLnBrk="0" hangingPunct="1">
         <a:lnSpc>
-          <a:spcPct val="100000"/>
+          <a:spcPct val="90000"/>
         </a:lnSpc>
         <a:spcBef>
           <a:spcPct val="0"/>
         </a:spcBef>
         <a:buNone/>
-        <a:defRPr sz="4400" kern="1200">
+        <a:defRPr sz="3200" b="0" i="0" kern="1200" cap="all">
           <a:solidFill>
             <a:schemeClr val="tx1"/>
           </a:solidFill>
+          <a:effectLst/>
           <a:latin typeface="+mj-lt"/>
           <a:ea typeface="+mj-ea"/>
           <a:cs typeface="+mj-cs"/>
@@ -4822,17 +3321,22 @@
     <p:bodyStyle>
       <a:lvl1pPr marL="228600" indent="-228600" algn="l" defTabSz="914400" rtl="0" eaLnBrk="1" latinLnBrk="0" hangingPunct="1">
         <a:lnSpc>
-          <a:spcPct val="100000"/>
+          <a:spcPct val="120000"/>
         </a:lnSpc>
         <a:spcBef>
           <a:spcPts val="1000"/>
         </a:spcBef>
-        <a:buFont typeface="System Font Regular"/>
-        <a:buChar char="–"/>
-        <a:defRPr sz="2400" b="0" i="0" kern="1200">
+        <a:buClr>
+          <a:schemeClr val="accent1"/>
+        </a:buClr>
+        <a:buSzPct val="100000"/>
+        <a:buFont typeface="Arial" panose="020B0604020202020204" pitchFamily="34" charset="0"/>
+        <a:buChar char="•"/>
+        <a:defRPr sz="2000" kern="1200">
           <a:solidFill>
             <a:schemeClr val="tx1"/>
           </a:solidFill>
+          <a:effectLst/>
           <a:latin typeface="+mn-lt"/>
           <a:ea typeface="+mn-ea"/>
           <a:cs typeface="+mn-cs"/>
@@ -4840,17 +3344,22 @@
       </a:lvl1pPr>
       <a:lvl2pPr marL="685800" indent="-228600" algn="l" defTabSz="914400" rtl="0" eaLnBrk="1" latinLnBrk="0" hangingPunct="1">
         <a:lnSpc>
-          <a:spcPct val="100000"/>
+          <a:spcPct val="120000"/>
         </a:lnSpc>
         <a:spcBef>
           <a:spcPts val="500"/>
         </a:spcBef>
-        <a:buFont typeface="System Font Regular"/>
-        <a:buChar char="–"/>
-        <a:defRPr sz="2000" b="0" i="0" kern="1200">
+        <a:buClr>
+          <a:schemeClr val="accent1"/>
+        </a:buClr>
+        <a:buSzPct val="100000"/>
+        <a:buFont typeface="Arial" panose="020B0604020202020204" pitchFamily="34" charset="0"/>
+        <a:buChar char="•"/>
+        <a:defRPr sz="1800" kern="1200" cap="none" baseline="0">
           <a:solidFill>
             <a:schemeClr val="tx1"/>
           </a:solidFill>
+          <a:effectLst/>
           <a:latin typeface="+mn-lt"/>
           <a:ea typeface="+mn-ea"/>
           <a:cs typeface="+mn-cs"/>
@@ -4858,17 +3367,22 @@
       </a:lvl2pPr>
       <a:lvl3pPr marL="1143000" indent="-228600" algn="l" defTabSz="914400" rtl="0" eaLnBrk="1" latinLnBrk="0" hangingPunct="1">
         <a:lnSpc>
-          <a:spcPct val="100000"/>
+          <a:spcPct val="120000"/>
         </a:lnSpc>
         <a:spcBef>
           <a:spcPts val="500"/>
         </a:spcBef>
-        <a:buFont typeface="System Font Regular"/>
-        <a:buChar char="–"/>
-        <a:defRPr sz="1800" b="0" i="0" kern="1200">
+        <a:buClr>
+          <a:schemeClr val="accent1"/>
+        </a:buClr>
+        <a:buSzPct val="100000"/>
+        <a:buFont typeface="Arial" panose="020B0604020202020204" pitchFamily="34" charset="0"/>
+        <a:buChar char="•"/>
+        <a:defRPr sz="1600" kern="1200">
           <a:solidFill>
             <a:schemeClr val="tx1"/>
           </a:solidFill>
+          <a:effectLst/>
           <a:latin typeface="+mn-lt"/>
           <a:ea typeface="+mn-ea"/>
           <a:cs typeface="+mn-cs"/>
@@ -4876,17 +3390,22 @@
       </a:lvl3pPr>
       <a:lvl4pPr marL="1600200" indent="-228600" algn="l" defTabSz="914400" rtl="0" eaLnBrk="1" latinLnBrk="0" hangingPunct="1">
         <a:lnSpc>
-          <a:spcPct val="100000"/>
+          <a:spcPct val="120000"/>
         </a:lnSpc>
         <a:spcBef>
           <a:spcPts val="500"/>
         </a:spcBef>
-        <a:buFont typeface="System Font Regular"/>
-        <a:buChar char="–"/>
-        <a:defRPr sz="1600" b="0" i="0" kern="1200">
+        <a:buClr>
+          <a:schemeClr val="accent1"/>
+        </a:buClr>
+        <a:buSzPct val="100000"/>
+        <a:buFont typeface="Arial" panose="020B0604020202020204" pitchFamily="34" charset="0"/>
+        <a:buChar char="•"/>
+        <a:defRPr sz="1400" kern="1200" cap="none" baseline="0">
           <a:solidFill>
             <a:schemeClr val="tx1"/>
           </a:solidFill>
+          <a:effectLst/>
           <a:latin typeface="+mn-lt"/>
           <a:ea typeface="+mn-ea"/>
           <a:cs typeface="+mn-cs"/>
@@ -4894,17 +3413,22 @@
       </a:lvl4pPr>
       <a:lvl5pPr marL="2057400" indent="-228600" algn="l" defTabSz="914400" rtl="0" eaLnBrk="1" latinLnBrk="0" hangingPunct="1">
         <a:lnSpc>
-          <a:spcPct val="100000"/>
+          <a:spcPct val="120000"/>
         </a:lnSpc>
         <a:spcBef>
           <a:spcPts val="500"/>
         </a:spcBef>
-        <a:buFont typeface="System Font Regular"/>
-        <a:buChar char="–"/>
-        <a:defRPr sz="1600" b="0" i="0" kern="1200">
+        <a:buClr>
+          <a:schemeClr val="accent1"/>
+        </a:buClr>
+        <a:buSzPct val="100000"/>
+        <a:buFont typeface="Arial" panose="020B0604020202020204" pitchFamily="34" charset="0"/>
+        <a:buChar char="•"/>
+        <a:defRPr sz="1200" kern="1200">
           <a:solidFill>
             <a:schemeClr val="tx1"/>
           </a:solidFill>
+          <a:effectLst/>
           <a:latin typeface="+mn-lt"/>
           <a:ea typeface="+mn-ea"/>
           <a:cs typeface="+mn-cs"/>
@@ -4912,17 +3436,22 @@
       </a:lvl5pPr>
       <a:lvl6pPr marL="2514600" indent="-228600" algn="l" defTabSz="914400" rtl="0" eaLnBrk="1" latinLnBrk="0" hangingPunct="1">
         <a:lnSpc>
-          <a:spcPct val="90000"/>
+          <a:spcPct val="120000"/>
         </a:lnSpc>
         <a:spcBef>
           <a:spcPts val="500"/>
         </a:spcBef>
+        <a:buClr>
+          <a:schemeClr val="accent1"/>
+        </a:buClr>
+        <a:buSzPct val="100000"/>
         <a:buFont typeface="Arial" panose="020B0604020202020204" pitchFamily="34" charset="0"/>
         <a:buChar char="•"/>
-        <a:defRPr sz="1800" kern="1200">
+        <a:defRPr sz="1200" kern="1200">
           <a:solidFill>
             <a:schemeClr val="tx1"/>
           </a:solidFill>
+          <a:effectLst/>
           <a:latin typeface="+mn-lt"/>
           <a:ea typeface="+mn-ea"/>
           <a:cs typeface="+mn-cs"/>
@@ -4930,17 +3459,22 @@
       </a:lvl6pPr>
       <a:lvl7pPr marL="2971800" indent="-228600" algn="l" defTabSz="914400" rtl="0" eaLnBrk="1" latinLnBrk="0" hangingPunct="1">
         <a:lnSpc>
-          <a:spcPct val="90000"/>
+          <a:spcPct val="120000"/>
         </a:lnSpc>
         <a:spcBef>
           <a:spcPts val="500"/>
         </a:spcBef>
+        <a:buClr>
+          <a:schemeClr val="accent1"/>
+        </a:buClr>
+        <a:buSzPct val="100000"/>
         <a:buFont typeface="Arial" panose="020B0604020202020204" pitchFamily="34" charset="0"/>
         <a:buChar char="•"/>
-        <a:defRPr sz="1800" kern="1200">
+        <a:defRPr sz="1200" kern="1200">
           <a:solidFill>
             <a:schemeClr val="tx1"/>
           </a:solidFill>
+          <a:effectLst/>
           <a:latin typeface="+mn-lt"/>
           <a:ea typeface="+mn-ea"/>
           <a:cs typeface="+mn-cs"/>
@@ -4948,17 +3482,22 @@
       </a:lvl7pPr>
       <a:lvl8pPr marL="3429000" indent="-228600" algn="l" defTabSz="914400" rtl="0" eaLnBrk="1" latinLnBrk="0" hangingPunct="1">
         <a:lnSpc>
-          <a:spcPct val="90000"/>
+          <a:spcPct val="120000"/>
         </a:lnSpc>
         <a:spcBef>
           <a:spcPts val="500"/>
         </a:spcBef>
+        <a:buClr>
+          <a:schemeClr val="accent1"/>
+        </a:buClr>
+        <a:buSzPct val="100000"/>
         <a:buFont typeface="Arial" panose="020B0604020202020204" pitchFamily="34" charset="0"/>
         <a:buChar char="•"/>
-        <a:defRPr sz="1800" kern="1200">
+        <a:defRPr sz="1200" kern="1200" baseline="0">
           <a:solidFill>
             <a:schemeClr val="tx1"/>
           </a:solidFill>
+          <a:effectLst/>
           <a:latin typeface="+mn-lt"/>
           <a:ea typeface="+mn-ea"/>
           <a:cs typeface="+mn-cs"/>
@@ -4966,17 +3505,22 @@
       </a:lvl8pPr>
       <a:lvl9pPr marL="3886200" indent="-228600" algn="l" defTabSz="914400" rtl="0" eaLnBrk="1" latinLnBrk="0" hangingPunct="1">
         <a:lnSpc>
-          <a:spcPct val="90000"/>
+          <a:spcPct val="120000"/>
         </a:lnSpc>
         <a:spcBef>
           <a:spcPts val="500"/>
         </a:spcBef>
+        <a:buClr>
+          <a:schemeClr val="accent1"/>
+        </a:buClr>
+        <a:buSzPct val="100000"/>
         <a:buFont typeface="Arial" panose="020B0604020202020204" pitchFamily="34" charset="0"/>
         <a:buChar char="•"/>
-        <a:defRPr sz="1800" kern="1200">
+        <a:defRPr sz="1200" kern="1200" baseline="0">
           <a:solidFill>
             <a:schemeClr val="tx1"/>
           </a:solidFill>
+          <a:effectLst/>
           <a:latin typeface="+mn-lt"/>
           <a:ea typeface="+mn-ea"/>
           <a:cs typeface="+mn-cs"/>
@@ -5107,66 +3651,6 @@
           <a:chExt cx="0" cy="0"/>
         </a:xfrm>
       </p:grpSpPr>
-      <p:sp useBgFill="1">
-        <p:nvSpPr>
-          <p:cNvPr id="9" name="Rectangle 8">
-            <a:extLst>
-              <a:ext uri="{FF2B5EF4-FFF2-40B4-BE49-F238E27FC236}">
-                <a16:creationId xmlns:a16="http://schemas.microsoft.com/office/drawing/2014/main" id="{6CA2C65D-0168-1245-86C8-62A8A6F7B813}"/>
-              </a:ext>
-              <a:ext uri="{C183D7F6-B498-43B3-948B-1728B52AA6E4}">
-                <adec:decorative xmlns:adec="http://schemas.microsoft.com/office/drawing/2017/decorative" val="1"/>
-              </a:ext>
-            </a:extLst>
-          </p:cNvPr>
-          <p:cNvSpPr>
-            <a:spLocks noGrp="1" noRot="1" noChangeAspect="1" noMove="1" noResize="1" noEditPoints="1" noAdjustHandles="1" noChangeArrowheads="1" noChangeShapeType="1" noTextEdit="1"/>
-          </p:cNvSpPr>
-          <p:nvPr>
-            <p:extLst>
-              <p:ext uri="{386F3935-93C4-4BCD-93E2-E3B085C9AB24}">
-                <p16:designElem xmlns:p16="http://schemas.microsoft.com/office/powerpoint/2015/main" val="1"/>
-              </p:ext>
-            </p:extLst>
-          </p:nvPr>
-        </p:nvSpPr>
-        <p:spPr>
-          <a:xfrm>
-            <a:off x="0" y="0"/>
-            <a:ext cx="12192000" cy="6858000"/>
-          </a:xfrm>
-          <a:prstGeom prst="rect">
-            <a:avLst/>
-          </a:prstGeom>
-          <a:ln>
-            <a:noFill/>
-          </a:ln>
-        </p:spPr>
-        <p:style>
-          <a:lnRef idx="2">
-            <a:schemeClr val="accent1">
-              <a:shade val="50000"/>
-            </a:schemeClr>
-          </a:lnRef>
-          <a:fillRef idx="1">
-            <a:schemeClr val="accent1"/>
-          </a:fillRef>
-          <a:effectRef idx="0">
-            <a:schemeClr val="accent1"/>
-          </a:effectRef>
-          <a:fontRef idx="minor">
-            <a:schemeClr val="lt1"/>
-          </a:fontRef>
-        </p:style>
-        <p:txBody>
-          <a:bodyPr rtlCol="0" anchor="ctr"/>
-          <a:lstStyle/>
-          <a:p>
-            <a:pPr algn="ctr"/>
-            <a:endParaRPr lang="en-US"/>
-          </a:p>
-        </p:txBody>
-      </p:sp>
       <p:sp>
         <p:nvSpPr>
           <p:cNvPr id="2" name="Title 1">
@@ -5191,7 +3675,7 @@
         </p:spPr>
         <p:txBody>
           <a:bodyPr>
-            <a:normAutofit fontScale="90000"/>
+            <a:normAutofit/>
           </a:bodyPr>
           <a:lstStyle/>
           <a:p>
@@ -5272,134 +3756,6 @@
           </a:prstGeom>
         </p:spPr>
       </p:pic>
-      <p:sp>
-        <p:nvSpPr>
-          <p:cNvPr id="11" name="Cross 10">
-            <a:extLst>
-              <a:ext uri="{FF2B5EF4-FFF2-40B4-BE49-F238E27FC236}">
-                <a16:creationId xmlns:a16="http://schemas.microsoft.com/office/drawing/2014/main" id="{4029224B-C0FC-EC47-B248-0D4271BC7FC3}"/>
-              </a:ext>
-              <a:ext uri="{C183D7F6-B498-43B3-948B-1728B52AA6E4}">
-                <adec:decorative xmlns:adec="http://schemas.microsoft.com/office/drawing/2017/decorative" val="1"/>
-              </a:ext>
-            </a:extLst>
-          </p:cNvPr>
-          <p:cNvSpPr>
-            <a:spLocks noGrp="1" noRot="1" noChangeAspect="1" noMove="1" noResize="1" noEditPoints="1" noAdjustHandles="1" noChangeArrowheads="1" noChangeShapeType="1" noTextEdit="1"/>
-          </p:cNvSpPr>
-          <p:nvPr>
-            <p:extLst>
-              <p:ext uri="{386F3935-93C4-4BCD-93E2-E3B085C9AB24}">
-                <p16:designElem xmlns:p16="http://schemas.microsoft.com/office/powerpoint/2015/main" val="1"/>
-              </p:ext>
-            </p:extLst>
-          </p:nvPr>
-        </p:nvSpPr>
-        <p:spPr>
-          <a:xfrm>
-            <a:off x="5015751" y="5624450"/>
-            <a:ext cx="524933" cy="524933"/>
-          </a:xfrm>
-          <a:prstGeom prst="plus">
-            <a:avLst>
-              <a:gd name="adj" fmla="val 39516"/>
-            </a:avLst>
-          </a:prstGeom>
-          <a:solidFill>
-            <a:schemeClr val="tx1"/>
-          </a:solidFill>
-          <a:ln>
-            <a:noFill/>
-          </a:ln>
-        </p:spPr>
-        <p:style>
-          <a:lnRef idx="2">
-            <a:schemeClr val="accent1">
-              <a:shade val="50000"/>
-            </a:schemeClr>
-          </a:lnRef>
-          <a:fillRef idx="1">
-            <a:schemeClr val="accent1"/>
-          </a:fillRef>
-          <a:effectRef idx="0">
-            <a:schemeClr val="accent1"/>
-          </a:effectRef>
-          <a:fontRef idx="minor">
-            <a:schemeClr val="lt1"/>
-          </a:fontRef>
-        </p:style>
-        <p:txBody>
-          <a:bodyPr rtlCol="0" anchor="ctr"/>
-          <a:lstStyle/>
-          <a:p>
-            <a:pPr algn="ctr"/>
-            <a:endParaRPr lang="en-US"/>
-          </a:p>
-        </p:txBody>
-      </p:sp>
-      <p:sp>
-        <p:nvSpPr>
-          <p:cNvPr id="16" name="Rectangle 15">
-            <a:extLst>
-              <a:ext uri="{FF2B5EF4-FFF2-40B4-BE49-F238E27FC236}">
-                <a16:creationId xmlns:a16="http://schemas.microsoft.com/office/drawing/2014/main" id="{755E9273-3717-C94C-9BFF-75E87E47C46A}"/>
-              </a:ext>
-              <a:ext uri="{C183D7F6-B498-43B3-948B-1728B52AA6E4}">
-                <adec:decorative xmlns:adec="http://schemas.microsoft.com/office/drawing/2017/decorative" val="1"/>
-              </a:ext>
-            </a:extLst>
-          </p:cNvPr>
-          <p:cNvSpPr>
-            <a:spLocks noGrp="1" noRot="1" noChangeAspect="1" noMove="1" noResize="1" noEditPoints="1" noAdjustHandles="1" noChangeArrowheads="1" noChangeShapeType="1" noTextEdit="1"/>
-          </p:cNvSpPr>
-          <p:nvPr>
-            <p:extLst>
-              <p:ext uri="{386F3935-93C4-4BCD-93E2-E3B085C9AB24}">
-                <p16:designElem xmlns:p16="http://schemas.microsoft.com/office/powerpoint/2015/main" val="1"/>
-              </p:ext>
-            </p:extLst>
-          </p:nvPr>
-        </p:nvSpPr>
-        <p:spPr>
-          <a:xfrm>
-            <a:off x="9881559" y="976630"/>
-            <a:ext cx="1336774" cy="120142"/>
-          </a:xfrm>
-          <a:prstGeom prst="rect">
-            <a:avLst/>
-          </a:prstGeom>
-          <a:solidFill>
-            <a:schemeClr val="tx1"/>
-          </a:solidFill>
-          <a:ln>
-            <a:noFill/>
-          </a:ln>
-        </p:spPr>
-        <p:style>
-          <a:lnRef idx="2">
-            <a:schemeClr val="accent1">
-              <a:shade val="50000"/>
-            </a:schemeClr>
-          </a:lnRef>
-          <a:fillRef idx="1">
-            <a:schemeClr val="accent1"/>
-          </a:fillRef>
-          <a:effectRef idx="0">
-            <a:schemeClr val="accent1"/>
-          </a:effectRef>
-          <a:fontRef idx="minor">
-            <a:schemeClr val="lt1"/>
-          </a:fontRef>
-        </p:style>
-        <p:txBody>
-          <a:bodyPr rtlCol="0" anchor="ctr"/>
-          <a:lstStyle/>
-          <a:p>
-            <a:pPr algn="ctr"/>
-            <a:endParaRPr lang="en-US"/>
-          </a:p>
-        </p:txBody>
-      </p:sp>
       <p:sp>
         <p:nvSpPr>
           <p:cNvPr id="6" name="Subtitle 2">
@@ -5691,7 +4047,7 @@
         <p:spPr/>
         <p:txBody>
           <a:bodyPr>
-            <a:normAutofit fontScale="77500" lnSpcReduction="20000"/>
+            <a:normAutofit fontScale="85000" lnSpcReduction="10000"/>
           </a:bodyPr>
           <a:lstStyle/>
           <a:p>
@@ -6095,7 +4451,7 @@
         <p:spPr/>
         <p:txBody>
           <a:bodyPr>
-            <a:normAutofit fontScale="77500" lnSpcReduction="20000"/>
+            <a:normAutofit fontScale="92500" lnSpcReduction="10000"/>
           </a:bodyPr>
           <a:lstStyle/>
           <a:p>
@@ -6941,7 +5297,7 @@
         <p:spPr/>
         <p:txBody>
           <a:bodyPr>
-            <a:normAutofit fontScale="77500" lnSpcReduction="20000"/>
+            <a:normAutofit fontScale="85000" lnSpcReduction="10000"/>
           </a:bodyPr>
           <a:lstStyle/>
           <a:p>
@@ -7599,7 +5955,7 @@
         <p:spPr/>
         <p:txBody>
           <a:bodyPr>
-            <a:normAutofit fontScale="85000" lnSpcReduction="10000"/>
+            <a:normAutofit/>
           </a:bodyPr>
           <a:lstStyle/>
           <a:p>
@@ -7749,59 +6105,119 @@
 </file>
 
 <file path=ppt/theme/theme1.xml><?xml version="1.0" encoding="utf-8"?>
-<a:theme xmlns:a="http://schemas.openxmlformats.org/drawingml/2006/main" name="MadridVTI">
+<a:theme xmlns:a="http://schemas.openxmlformats.org/drawingml/2006/main" name="Gallery">
   <a:themeElements>
-    <a:clrScheme name="AnalogousFromDarkSeedLeftStep">
+    <a:clrScheme name="Gallery">
       <a:dk1>
-        <a:srgbClr val="000000"/>
+        <a:sysClr val="windowText" lastClr="000000"/>
       </a:dk1>
       <a:lt1>
-        <a:srgbClr val="FFFFFF"/>
+        <a:sysClr val="window" lastClr="FFFFFF"/>
       </a:lt1>
       <a:dk2>
-        <a:srgbClr val="2F1D1B"/>
+        <a:srgbClr val="454545"/>
       </a:dk2>
       <a:lt2>
-        <a:srgbClr val="F0F3F3"/>
+        <a:srgbClr val="DFDBD5"/>
       </a:lt2>
       <a:accent1>
-        <a:srgbClr val="C35B4D"/>
+        <a:srgbClr val="B71E42"/>
       </a:accent1>
       <a:accent2>
-        <a:srgbClr val="B13B5E"/>
+        <a:srgbClr val="DE478E"/>
       </a:accent2>
       <a:accent3>
-        <a:srgbClr val="C34DA2"/>
+        <a:srgbClr val="BC72F0"/>
       </a:accent3>
       <a:accent4>
-        <a:srgbClr val="A23BB1"/>
+        <a:srgbClr val="795FAF"/>
       </a:accent4>
       <a:accent5>
-        <a:srgbClr val="824DC3"/>
+        <a:srgbClr val="586EA6"/>
       </a:accent5>
       <a:accent6>
-        <a:srgbClr val="4440B4"/>
+        <a:srgbClr val="6892A0"/>
       </a:accent6>
       <a:hlink>
-        <a:srgbClr val="8E3FBF"/>
+        <a:srgbClr val="FA2B5C"/>
       </a:hlink>
       <a:folHlink>
-        <a:srgbClr val="7F7F7F"/>
+        <a:srgbClr val="BC658E"/>
       </a:folHlink>
     </a:clrScheme>
-    <a:fontScheme name="Madrid">
+    <a:fontScheme name="Gallery">
       <a:majorFont>
-        <a:latin typeface="Seaford Display"/>
+        <a:latin typeface="Gill Sans MT" panose="020B0502020104020203"/>
         <a:ea typeface=""/>
         <a:cs typeface=""/>
+        <a:font script="Jpan" typeface="游ゴシック Light"/>
+        <a:font script="Hang" typeface="맑은 고딕"/>
+        <a:font script="Hans" typeface="等线 Light"/>
+        <a:font script="Hant" typeface="新細明體"/>
+        <a:font script="Arab" typeface="Times New Roman"/>
+        <a:font script="Hebr" typeface="Times New Roman"/>
+        <a:font script="Thai" typeface="Angsana New"/>
+        <a:font script="Ethi" typeface="Nyala"/>
+        <a:font script="Beng" typeface="Vrinda"/>
+        <a:font script="Gujr" typeface="Shruti"/>
+        <a:font script="Khmr" typeface="MoolBoran"/>
+        <a:font script="Knda" typeface="Tunga"/>
+        <a:font script="Guru" typeface="Raavi"/>
+        <a:font script="Cans" typeface="Euphemia"/>
+        <a:font script="Cher" typeface="Plantagenet Cherokee"/>
+        <a:font script="Yiii" typeface="Microsoft Yi Baiti"/>
+        <a:font script="Tibt" typeface="Microsoft Himalaya"/>
+        <a:font script="Thaa" typeface="MV Boli"/>
+        <a:font script="Deva" typeface="Mangal"/>
+        <a:font script="Telu" typeface="Gautami"/>
+        <a:font script="Taml" typeface="Latha"/>
+        <a:font script="Syrc" typeface="Estrangelo Edessa"/>
+        <a:font script="Orya" typeface="Kalinga"/>
+        <a:font script="Mlym" typeface="Kartika"/>
+        <a:font script="Laoo" typeface="DokChampa"/>
+        <a:font script="Sinh" typeface="Iskoola Pota"/>
+        <a:font script="Mong" typeface="Mongolian Baiti"/>
+        <a:font script="Viet" typeface="Times New Roman"/>
+        <a:font script="Uigh" typeface="Microsoft Uighur"/>
+        <a:font script="Geor" typeface="Sylfaen"/>
       </a:majorFont>
       <a:minorFont>
-        <a:latin typeface="Tenorite"/>
+        <a:latin typeface="Gill Sans MT" panose="020B0502020104020203"/>
         <a:ea typeface=""/>
         <a:cs typeface=""/>
+        <a:font script="Jpan" typeface="游ゴシック"/>
+        <a:font script="Hang" typeface="맑은 고딕"/>
+        <a:font script="Hans" typeface="等线"/>
+        <a:font script="Hant" typeface="新細明體"/>
+        <a:font script="Arab" typeface="Arial"/>
+        <a:font script="Hebr" typeface="Arial"/>
+        <a:font script="Thai" typeface="Cordia New"/>
+        <a:font script="Ethi" typeface="Nyala"/>
+        <a:font script="Beng" typeface="Vrinda"/>
+        <a:font script="Gujr" typeface="Shruti"/>
+        <a:font script="Khmr" typeface="DaunPenh"/>
+        <a:font script="Knda" typeface="Tunga"/>
+        <a:font script="Guru" typeface="Raavi"/>
+        <a:font script="Cans" typeface="Euphemia"/>
+        <a:font script="Cher" typeface="Plantagenet Cherokee"/>
+        <a:font script="Yiii" typeface="Microsoft Yi Baiti"/>
+        <a:font script="Tibt" typeface="Microsoft Himalaya"/>
+        <a:font script="Thaa" typeface="MV Boli"/>
+        <a:font script="Deva" typeface="Mangal"/>
+        <a:font script="Telu" typeface="Gautami"/>
+        <a:font script="Taml" typeface="Latha"/>
+        <a:font script="Syrc" typeface="Estrangelo Edessa"/>
+        <a:font script="Orya" typeface="Kalinga"/>
+        <a:font script="Mlym" typeface="Kartika"/>
+        <a:font script="Laoo" typeface="DokChampa"/>
+        <a:font script="Sinh" typeface="Iskoola Pota"/>
+        <a:font script="Mong" typeface="Mongolian Baiti"/>
+        <a:font script="Viet" typeface="Arial"/>
+        <a:font script="Uigh" typeface="Microsoft Uighur"/>
+        <a:font script="Geor" typeface="Sylfaen"/>
       </a:minorFont>
     </a:fontScheme>
-    <a:fmtScheme name="Office">
+    <a:fmtScheme name="Gallery">
       <a:fillStyleLst>
         <a:solidFill>
           <a:schemeClr val="phClr"/>
@@ -7810,23 +6226,18 @@
           <a:gsLst>
             <a:gs pos="0">
               <a:schemeClr val="phClr">
+                <a:tint val="54000"/>
+                <a:alpha val="100000"/>
+                <a:satMod val="105000"/>
                 <a:lumMod val="110000"/>
-                <a:satMod val="105000"/>
-                <a:tint val="67000"/>
-              </a:schemeClr>
-            </a:gs>
-            <a:gs pos="50000">
-              <a:schemeClr val="phClr">
-                <a:lumMod val="105000"/>
-                <a:satMod val="103000"/>
-                <a:tint val="73000"/>
               </a:schemeClr>
             </a:gs>
             <a:gs pos="100000">
               <a:schemeClr val="phClr">
-                <a:lumMod val="105000"/>
+                <a:tint val="78000"/>
+                <a:alpha val="92000"/>
                 <a:satMod val="109000"/>
-                <a:tint val="81000"/>
+                <a:lumMod val="100000"/>
               </a:schemeClr>
             </a:gs>
           </a:gsLst>
@@ -7836,23 +6247,23 @@
           <a:gsLst>
             <a:gs pos="0">
               <a:schemeClr val="phClr">
-                <a:satMod val="103000"/>
-                <a:lumMod val="102000"/>
-                <a:tint val="94000"/>
+                <a:tint val="98000"/>
+                <a:satMod val="110000"/>
+                <a:lumMod val="104000"/>
               </a:schemeClr>
             </a:gs>
-            <a:gs pos="50000">
+            <a:gs pos="69000">
               <a:schemeClr val="phClr">
-                <a:satMod val="110000"/>
-                <a:lumMod val="100000"/>
-                <a:shade val="100000"/>
+                <a:shade val="88000"/>
+                <a:satMod val="130000"/>
+                <a:lumMod val="92000"/>
               </a:schemeClr>
             </a:gs>
             <a:gs pos="100000">
               <a:schemeClr val="phClr">
-                <a:lumMod val="99000"/>
-                <a:satMod val="120000"/>
                 <a:shade val="78000"/>
+                <a:satMod val="130000"/>
+                <a:lumMod val="92000"/>
               </a:schemeClr>
             </a:gs>
           </a:gsLst>
@@ -7860,26 +6271,23 @@
         </a:gradFill>
       </a:fillStyleLst>
       <a:lnStyleLst>
-        <a:ln w="6350" cap="flat" cmpd="sng" algn="ctr">
+        <a:ln w="9525" cap="flat" cmpd="sng" algn="ctr">
           <a:solidFill>
             <a:schemeClr val="phClr"/>
           </a:solidFill>
           <a:prstDash val="solid"/>
-          <a:miter lim="800000"/>
         </a:ln>
-        <a:ln w="12700" cap="flat" cmpd="sng" algn="ctr">
+        <a:ln w="15875" cap="flat" cmpd="sng" algn="ctr">
           <a:solidFill>
             <a:schemeClr val="phClr"/>
           </a:solidFill>
           <a:prstDash val="solid"/>
-          <a:miter lim="800000"/>
         </a:ln>
-        <a:ln w="19050" cap="flat" cmpd="sng" algn="ctr">
+        <a:ln w="22225" cap="flat" cmpd="sng" algn="ctr">
           <a:solidFill>
             <a:schemeClr val="phClr"/>
           </a:solidFill>
           <a:prstDash val="solid"/>
-          <a:miter lim="800000"/>
         </a:ln>
       </a:lnStyleLst>
       <a:effectStyleLst>
@@ -7891,12 +6299,23 @@
         </a:effectStyle>
         <a:effectStyle>
           <a:effectLst>
-            <a:outerShdw blurRad="57150" dist="19050" dir="5400000" algn="ctr" rotWithShape="0">
+            <a:outerShdw blurRad="50800" dist="50800" dir="5400000" sx="96000" sy="96000" rotWithShape="0">
               <a:srgbClr val="000000">
-                <a:alpha val="63000"/>
+                <a:alpha val="48000"/>
               </a:srgbClr>
             </a:outerShdw>
           </a:effectLst>
+          <a:scene3d>
+            <a:camera prst="orthographicFront">
+              <a:rot lat="0" lon="0" rev="0"/>
+            </a:camera>
+            <a:lightRig rig="balanced" dir="t">
+              <a:rot lat="0" lon="0" rev="1080000"/>
+            </a:lightRig>
+          </a:scene3d>
+          <a:sp3d>
+            <a:bevelT w="38100" h="12700" prst="softRound"/>
+          </a:sp3d>
         </a:effectStyle>
       </a:effectStyleLst>
       <a:bgFillStyleLst>
@@ -7904,37 +6323,26 @@
           <a:schemeClr val="phClr"/>
         </a:solidFill>
         <a:solidFill>
-          <a:schemeClr val="phClr">
-            <a:tint val="95000"/>
-            <a:satMod val="170000"/>
-          </a:schemeClr>
+          <a:schemeClr val="phClr"/>
         </a:solidFill>
         <a:gradFill rotWithShape="1">
           <a:gsLst>
             <a:gs pos="0">
               <a:schemeClr val="phClr">
-                <a:tint val="93000"/>
-                <a:satMod val="150000"/>
-                <a:shade val="98000"/>
-                <a:lumMod val="102000"/>
-              </a:schemeClr>
-            </a:gs>
-            <a:gs pos="50000">
-              <a:schemeClr val="phClr">
-                <a:tint val="98000"/>
-                <a:satMod val="130000"/>
-                <a:shade val="90000"/>
-                <a:lumMod val="103000"/>
+                <a:tint val="94000"/>
+                <a:satMod val="80000"/>
+                <a:lumMod val="106000"/>
               </a:schemeClr>
             </a:gs>
             <a:gs pos="100000">
               <a:schemeClr val="phClr">
-                <a:shade val="63000"/>
-                <a:satMod val="120000"/>
+                <a:shade val="80000"/>
               </a:schemeClr>
             </a:gs>
           </a:gsLst>
-          <a:lin ang="5400000" scaled="0"/>
+          <a:path path="circle">
+            <a:fillToRect l="43000" r="43000" b="100000"/>
+          </a:path>
         </a:gradFill>
       </a:bgFillStyleLst>
     </a:fmtScheme>
@@ -7943,7 +6351,7 @@
   <a:extraClrSchemeLst/>
   <a:extLst>
     <a:ext uri="{05A4C25C-085E-4340-85A3-A5531E510DB2}">
-      <thm15:themeFamily xmlns:thm15="http://schemas.microsoft.com/office/thememl/2012/main" name="MadridVTI" id="{5F675924-ADDD-6B4C-A2D4-69150D1F0C16}" vid="{BEA84270-19BD-7342-8ABF-EFF1668AF117}"/>
+      <thm15:themeFamily xmlns:thm15="http://schemas.microsoft.com/office/thememl/2012/main" name="Gallery" id="{BBFCD31E-59A1-489D-B089-A3EAD7CAE12E}" vid="{F5E91637-A7B6-4E27-B710-77DA7014EE1E}"/>
     </a:ext>
   </a:extLst>
 </a:theme>
